--- a/slides/intro.pptx
+++ b/slides/intro.pptx
@@ -5,7 +5,7 @@
     <p:sldMasterId id="2147484003" r:id="rId1"/>
   </p:sldMasterIdLst>
   <p:notesMasterIdLst>
-    <p:notesMasterId r:id="rId13"/>
+    <p:notesMasterId r:id="rId16"/>
   </p:notesMasterIdLst>
   <p:sldIdLst>
     <p:sldId id="256" r:id="rId2"/>
@@ -19,6 +19,9 @@
     <p:sldId id="267" r:id="rId10"/>
     <p:sldId id="268" r:id="rId11"/>
     <p:sldId id="262" r:id="rId12"/>
+    <p:sldId id="272" r:id="rId13"/>
+    <p:sldId id="269" r:id="rId14"/>
+    <p:sldId id="270" r:id="rId15"/>
   </p:sldIdLst>
   <p:sldSz cx="12192000" cy="6858000"/>
   <p:notesSz cx="6858000" cy="9144000"/>
@@ -117,6 +120,11 @@
       </a:defRPr>
     </a:lvl9pPr>
   </p:defaultTextStyle>
+  <p:extLst>
+    <p:ext uri="{EFAFB233-063F-42B5-8137-9DF3F51BA10A}">
+      <p15:sldGuideLst xmlns:p15="http://schemas.microsoft.com/office/powerpoint/2012/main"/>
+    </p:ext>
+  </p:extLst>
 </p:presentation>
 </file>
 
@@ -202,7 +210,7 @@
           <a:p>
             <a:fld id="{CF39A833-E765-7D41-96DE-4BE65F7DBB91}" type="datetimeFigureOut">
               <a:rPr lang="en-US" smtClean="0"/>
-              <a:t>7/29/17</a:t>
+              <a:t>8/16/17</a:t>
             </a:fld>
             <a:endParaRPr lang="en-US"/>
           </a:p>
@@ -696,7 +704,7 @@
           <a:p>
             <a:fld id="{4BDF68E2-58F2-4D09-BE8B-E3BD06533059}" type="datetimeFigureOut">
               <a:rPr lang="en-US" smtClean="0"/>
-              <a:t>7/29/17</a:t>
+              <a:t>8/16/17</a:t>
             </a:fld>
             <a:endParaRPr lang="en-US" dirty="0"/>
           </a:p>
@@ -899,7 +907,7 @@
           <a:p>
             <a:fld id="{2E2D6473-DF6D-4702-B328-E0DD40540A4E}" type="datetimeFigureOut">
               <a:rPr lang="en-US" smtClean="0"/>
-              <a:t>7/29/17</a:t>
+              <a:t>8/16/17</a:t>
             </a:fld>
             <a:endParaRPr lang="en-US" dirty="0"/>
           </a:p>
@@ -1150,7 +1158,7 @@
           <a:p>
             <a:fld id="{E26F7E3A-B166-407D-9866-32884E7D5B37}" type="datetimeFigureOut">
               <a:rPr lang="en-US" smtClean="0"/>
-              <a:t>7/29/17</a:t>
+              <a:t>8/16/17</a:t>
             </a:fld>
             <a:endParaRPr lang="en-US" dirty="0"/>
           </a:p>
@@ -1349,7 +1357,7 @@
           <a:p>
             <a:fld id="{528FC5F6-F338-4AE4-BB23-26385BCFC423}" type="datetimeFigureOut">
               <a:rPr lang="en-US" smtClean="0"/>
-              <a:t>7/29/17</a:t>
+              <a:t>8/16/17</a:t>
             </a:fld>
             <a:endParaRPr lang="en-US" dirty="0"/>
           </a:p>
@@ -1687,7 +1695,7 @@
           <a:p>
             <a:fld id="{20EBB0C4-6273-4C6E-B9BD-2EDC30F1CD52}" type="datetimeFigureOut">
               <a:rPr lang="en-US" smtClean="0"/>
-              <a:t>7/29/17</a:t>
+              <a:t>8/16/17</a:t>
             </a:fld>
             <a:endParaRPr lang="en-US" dirty="0"/>
           </a:p>
@@ -1957,7 +1965,7 @@
           <a:p>
             <a:fld id="{19AB4D41-86C1-4908-B66A-0B50CEB3BF29}" type="datetimeFigureOut">
               <a:rPr lang="en-US" smtClean="0"/>
-              <a:t>7/29/17</a:t>
+              <a:t>8/16/17</a:t>
             </a:fld>
             <a:endParaRPr lang="en-US" dirty="0"/>
           </a:p>
@@ -2331,7 +2339,7 @@
           <a:p>
             <a:fld id="{E6426E2C-56C1-4E0D-A793-0088A7FDD37E}" type="datetimeFigureOut">
               <a:rPr lang="en-US" smtClean="0"/>
-              <a:t>7/29/17</a:t>
+              <a:t>8/16/17</a:t>
             </a:fld>
             <a:endParaRPr lang="en-US" dirty="0"/>
           </a:p>
@@ -2444,7 +2452,7 @@
           <a:p>
             <a:fld id="{C8C39B41-D8B5-4052-B551-9B5525EAA8B6}" type="datetimeFigureOut">
               <a:rPr lang="en-US" smtClean="0"/>
-              <a:t>7/29/17</a:t>
+              <a:t>8/16/17</a:t>
             </a:fld>
             <a:endParaRPr lang="en-US" dirty="0"/>
           </a:p>
@@ -2610,7 +2618,7 @@
           <a:p>
             <a:fld id="{4D94136C-8742-45B2-AF27-D93DF72833A9}" type="datetimeFigureOut">
               <a:rPr lang="en-US" smtClean="0"/>
-              <a:t>7/29/17</a:t>
+              <a:t>8/16/17</a:t>
             </a:fld>
             <a:endParaRPr lang="en-US" dirty="0"/>
           </a:p>
@@ -2960,7 +2968,7 @@
           <a:p>
             <a:fld id="{32ABBEA6-7C60-4B02-AE87-00D78D8422AF}" type="datetimeFigureOut">
               <a:rPr lang="en-US" smtClean="0"/>
-              <a:t>7/29/17</a:t>
+              <a:t>8/16/17</a:t>
             </a:fld>
             <a:endParaRPr lang="en-US" dirty="0"/>
           </a:p>
@@ -3333,7 +3341,7 @@
           <a:p>
             <a:fld id="{C9CAD897-D46E-4AD2-BD9B-49DD3E640873}" type="datetimeFigureOut">
               <a:rPr lang="en-US" smtClean="0"/>
-              <a:t>7/29/17</a:t>
+              <a:t>8/16/17</a:t>
             </a:fld>
             <a:endParaRPr lang="en-US" dirty="0"/>
           </a:p>
@@ -3615,7 +3623,7 @@
           <a:p>
             <a:fld id="{98624D31-43A5-475A-80CF-332C9F6DCF35}" type="datetimeFigureOut">
               <a:rPr lang="en-US" smtClean="0"/>
-              <a:t>7/29/17</a:t>
+              <a:t>8/16/17</a:t>
             </a:fld>
             <a:endParaRPr lang="en-US" dirty="0"/>
           </a:p>
@@ -4351,10 +4359,12 @@
         </p:nvSpPr>
         <p:spPr/>
         <p:txBody>
-          <a:bodyPr/>
-          <a:lstStyle/>
-          <a:p>
-            <a:pPr marL="0" marR="0" lvl="0" indent="0" defTabSz="914400" eaLnBrk="1" fontAlgn="auto" latinLnBrk="0" hangingPunct="1">
+          <a:bodyPr>
+            <a:normAutofit lnSpcReduction="10000"/>
+          </a:bodyPr>
+          <a:lstStyle/>
+          <a:p>
+            <a:pPr marL="0" indent="0">
               <a:lnSpc>
                 <a:spcPct val="100000"/>
               </a:lnSpc>
@@ -4366,12 +4376,327 @@
               </a:spcAft>
               <a:buClrTx/>
               <a:buSzTx/>
-              <a:buFontTx/>
-              <a:buNone/>
-              <a:tabLst/>
+              <a:buNone/>
               <a:defRPr/>
             </a:pPr>
-            <a:endParaRPr lang="en-US" dirty="0"/>
+            <a:r>
+              <a:rPr lang="en-US" dirty="0" smtClean="0"/>
+              <a:t>Different types of plots are used to represent different types of data</a:t>
+            </a:r>
+          </a:p>
+          <a:p>
+            <a:pPr marL="609473" lvl="1" indent="-457200">
+              <a:lnSpc>
+                <a:spcPct val="100000"/>
+              </a:lnSpc>
+              <a:spcBef>
+                <a:spcPts val="0"/>
+              </a:spcBef>
+              <a:spcAft>
+                <a:spcPts val="0"/>
+              </a:spcAft>
+              <a:buClrTx/>
+              <a:buSzTx/>
+              <a:defRPr/>
+            </a:pPr>
+            <a:endParaRPr lang="en-US" dirty="0" smtClean="0"/>
+          </a:p>
+          <a:p>
+            <a:pPr marL="152273" lvl="1" indent="0">
+              <a:lnSpc>
+                <a:spcPct val="100000"/>
+              </a:lnSpc>
+              <a:spcBef>
+                <a:spcPts val="0"/>
+              </a:spcBef>
+              <a:spcAft>
+                <a:spcPts val="0"/>
+              </a:spcAft>
+              <a:buClrTx/>
+              <a:buSzTx/>
+              <a:buNone/>
+              <a:defRPr/>
+            </a:pPr>
+            <a:r>
+              <a:rPr lang="en-US" b="1" dirty="0" smtClean="0"/>
+              <a:t>Continuous data				Categorical data</a:t>
+            </a:r>
+          </a:p>
+          <a:p>
+            <a:pPr marL="335153" lvl="2" indent="0">
+              <a:lnSpc>
+                <a:spcPct val="100000"/>
+              </a:lnSpc>
+              <a:spcBef>
+                <a:spcPts val="0"/>
+              </a:spcBef>
+              <a:spcAft>
+                <a:spcPts val="0"/>
+              </a:spcAft>
+              <a:buClrTx/>
+              <a:buSzTx/>
+              <a:buNone/>
+              <a:defRPr/>
+            </a:pPr>
+            <a:r>
+              <a:rPr lang="en-US" dirty="0" smtClean="0"/>
+              <a:t>Histogram/density plot		   		    Bar plot</a:t>
+            </a:r>
+          </a:p>
+          <a:p>
+            <a:pPr marL="335153" lvl="2" indent="0">
+              <a:lnSpc>
+                <a:spcPct val="100000"/>
+              </a:lnSpc>
+              <a:spcBef>
+                <a:spcPts val="0"/>
+              </a:spcBef>
+              <a:spcAft>
+                <a:spcPts val="0"/>
+              </a:spcAft>
+              <a:buClrTx/>
+              <a:buSzTx/>
+              <a:buNone/>
+              <a:defRPr/>
+            </a:pPr>
+            <a:r>
+              <a:rPr lang="en-US" dirty="0" smtClean="0"/>
+              <a:t>Boxplot                                                                                         Line plot*</a:t>
+            </a:r>
+          </a:p>
+          <a:p>
+            <a:pPr marL="335153" lvl="2" indent="0">
+              <a:lnSpc>
+                <a:spcPct val="100000"/>
+              </a:lnSpc>
+              <a:spcBef>
+                <a:spcPts val="0"/>
+              </a:spcBef>
+              <a:spcAft>
+                <a:spcPts val="0"/>
+              </a:spcAft>
+              <a:buClrTx/>
+              <a:buSzTx/>
+              <a:buNone/>
+              <a:defRPr/>
+            </a:pPr>
+            <a:r>
+              <a:rPr lang="en-US" dirty="0" smtClean="0"/>
+              <a:t>Violin plot</a:t>
+            </a:r>
+            <a:endParaRPr lang="en-US" dirty="0"/>
+          </a:p>
+          <a:p>
+            <a:pPr marL="152273" lvl="1" indent="0">
+              <a:lnSpc>
+                <a:spcPct val="100000"/>
+              </a:lnSpc>
+              <a:spcBef>
+                <a:spcPts val="0"/>
+              </a:spcBef>
+              <a:spcAft>
+                <a:spcPts val="0"/>
+              </a:spcAft>
+              <a:buClrTx/>
+              <a:buSzTx/>
+              <a:buNone/>
+              <a:defRPr/>
+            </a:pPr>
+            <a:endParaRPr lang="en-US" b="1" dirty="0" smtClean="0"/>
+          </a:p>
+          <a:p>
+            <a:pPr marL="152273" lvl="1" indent="0">
+              <a:lnSpc>
+                <a:spcPct val="100000"/>
+              </a:lnSpc>
+              <a:spcBef>
+                <a:spcPts val="0"/>
+              </a:spcBef>
+              <a:spcAft>
+                <a:spcPts val="0"/>
+              </a:spcAft>
+              <a:buClrTx/>
+              <a:buSzTx/>
+              <a:buNone/>
+              <a:defRPr/>
+            </a:pPr>
+            <a:r>
+              <a:rPr lang="en-US" b="1" dirty="0" smtClean="0"/>
+              <a:t>Comparing two continuous variables		</a:t>
+            </a:r>
+            <a:r>
+              <a:rPr lang="en-US" b="1" dirty="0">
+                <a:solidFill>
+                  <a:schemeClr val="bg1">
+                    <a:lumMod val="75000"/>
+                  </a:schemeClr>
+                </a:solidFill>
+              </a:rPr>
+              <a:t>Comparing two categorical </a:t>
+            </a:r>
+            <a:r>
+              <a:rPr lang="en-US" b="1" dirty="0" smtClean="0">
+                <a:solidFill>
+                  <a:schemeClr val="bg1">
+                    <a:lumMod val="75000"/>
+                  </a:schemeClr>
+                </a:solidFill>
+              </a:rPr>
+              <a:t>variables</a:t>
+            </a:r>
+            <a:endParaRPr lang="en-US" b="1" dirty="0" smtClean="0"/>
+          </a:p>
+          <a:p>
+            <a:pPr marL="335153" lvl="2" indent="0">
+              <a:lnSpc>
+                <a:spcPct val="100000"/>
+              </a:lnSpc>
+              <a:spcBef>
+                <a:spcPts val="0"/>
+              </a:spcBef>
+              <a:spcAft>
+                <a:spcPts val="0"/>
+              </a:spcAft>
+              <a:buClrTx/>
+              <a:buSzTx/>
+              <a:buNone/>
+              <a:defRPr/>
+            </a:pPr>
+            <a:r>
+              <a:rPr lang="en-US" dirty="0" smtClean="0"/>
+              <a:t>Scatterplot					     </a:t>
+            </a:r>
+            <a:r>
+              <a:rPr lang="en-US" dirty="0" smtClean="0">
+                <a:solidFill>
+                  <a:schemeClr val="bg1">
+                    <a:lumMod val="75000"/>
+                  </a:schemeClr>
+                </a:solidFill>
+              </a:rPr>
+              <a:t>Interaction </a:t>
+            </a:r>
+            <a:r>
+              <a:rPr lang="en-US" dirty="0">
+                <a:solidFill>
+                  <a:schemeClr val="bg1">
+                    <a:lumMod val="75000"/>
+                  </a:schemeClr>
+                </a:solidFill>
+              </a:rPr>
+              <a:t>plot</a:t>
+            </a:r>
+          </a:p>
+          <a:p>
+            <a:pPr marL="335153" lvl="2" indent="0">
+              <a:lnSpc>
+                <a:spcPct val="100000"/>
+              </a:lnSpc>
+              <a:spcBef>
+                <a:spcPts val="0"/>
+              </a:spcBef>
+              <a:spcAft>
+                <a:spcPts val="0"/>
+              </a:spcAft>
+              <a:buClrTx/>
+              <a:buSzTx/>
+              <a:buNone/>
+              <a:defRPr/>
+            </a:pPr>
+            <a:endParaRPr lang="en-US" dirty="0"/>
+          </a:p>
+          <a:p>
+            <a:pPr marL="335153" lvl="2" indent="0">
+              <a:lnSpc>
+                <a:spcPct val="100000"/>
+              </a:lnSpc>
+              <a:spcBef>
+                <a:spcPts val="0"/>
+              </a:spcBef>
+              <a:spcAft>
+                <a:spcPts val="0"/>
+              </a:spcAft>
+              <a:buClrTx/>
+              <a:buSzTx/>
+              <a:buNone/>
+              <a:defRPr/>
+            </a:pPr>
+            <a:endParaRPr lang="en-US" dirty="0" smtClean="0"/>
+          </a:p>
+          <a:p>
+            <a:pPr marL="335153" lvl="2" indent="0">
+              <a:lnSpc>
+                <a:spcPct val="100000"/>
+              </a:lnSpc>
+              <a:spcBef>
+                <a:spcPts val="0"/>
+              </a:spcBef>
+              <a:spcAft>
+                <a:spcPts val="0"/>
+              </a:spcAft>
+              <a:buClrTx/>
+              <a:buSzTx/>
+              <a:buNone/>
+              <a:defRPr/>
+            </a:pPr>
+            <a:endParaRPr lang="en-US" dirty="0"/>
+          </a:p>
+          <a:p>
+            <a:pPr marL="335153" lvl="2" indent="0">
+              <a:lnSpc>
+                <a:spcPct val="100000"/>
+              </a:lnSpc>
+              <a:spcBef>
+                <a:spcPts val="0"/>
+              </a:spcBef>
+              <a:spcAft>
+                <a:spcPts val="0"/>
+              </a:spcAft>
+              <a:buClrTx/>
+              <a:buSzTx/>
+              <a:buNone/>
+              <a:defRPr/>
+            </a:pPr>
+            <a:endParaRPr lang="en-US" dirty="0" smtClean="0"/>
+          </a:p>
+          <a:p>
+            <a:pPr marL="335153" lvl="2" indent="0">
+              <a:lnSpc>
+                <a:spcPct val="100000"/>
+              </a:lnSpc>
+              <a:spcBef>
+                <a:spcPts val="0"/>
+              </a:spcBef>
+              <a:spcAft>
+                <a:spcPts val="0"/>
+              </a:spcAft>
+              <a:buClrTx/>
+              <a:buSzTx/>
+              <a:buNone/>
+              <a:defRPr/>
+            </a:pPr>
+            <a:r>
+              <a:rPr lang="en-US" dirty="0"/>
+              <a:t>*Line plots can do a lot, though</a:t>
+            </a:r>
+          </a:p>
+          <a:p>
+            <a:pPr marL="335153" lvl="2" indent="0">
+              <a:lnSpc>
+                <a:spcPct val="100000"/>
+              </a:lnSpc>
+              <a:spcBef>
+                <a:spcPts val="0"/>
+              </a:spcBef>
+              <a:spcAft>
+                <a:spcPts val="0"/>
+              </a:spcAft>
+              <a:buClrTx/>
+              <a:buSzTx/>
+              <a:buNone/>
+              <a:defRPr/>
+            </a:pPr>
+            <a:endParaRPr lang="en-US" dirty="0" smtClean="0"/>
           </a:p>
         </p:txBody>
       </p:sp>
@@ -4379,6 +4704,347 @@
     <p:extLst>
       <p:ext uri="{BB962C8B-B14F-4D97-AF65-F5344CB8AC3E}">
         <p14:creationId xmlns:p14="http://schemas.microsoft.com/office/powerpoint/2010/main" val="1113429801"/>
+      </p:ext>
+    </p:extLst>
+  </p:cSld>
+  <p:clrMapOvr>
+    <a:masterClrMapping/>
+  </p:clrMapOvr>
+</p:sld>
+</file>
+
+<file path=ppt/slides/slide12.xml><?xml version="1.0" encoding="utf-8"?>
+<p:sld xmlns:a="http://schemas.openxmlformats.org/drawingml/2006/main" xmlns:r="http://schemas.openxmlformats.org/officeDocument/2006/relationships" xmlns:p="http://schemas.openxmlformats.org/presentationml/2006/main">
+  <p:cSld>
+    <p:spTree>
+      <p:nvGrpSpPr>
+        <p:cNvPr id="1" name=""/>
+        <p:cNvGrpSpPr/>
+        <p:nvPr/>
+      </p:nvGrpSpPr>
+      <p:grpSpPr>
+        <a:xfrm>
+          <a:off x="0" y="0"/>
+          <a:ext cx="0" cy="0"/>
+          <a:chOff x="0" y="0"/>
+          <a:chExt cx="0" cy="0"/>
+        </a:xfrm>
+      </p:grpSpPr>
+      <p:sp>
+        <p:nvSpPr>
+          <p:cNvPr id="2" name="Title 1"/>
+          <p:cNvSpPr>
+            <a:spLocks noGrp="1"/>
+          </p:cNvSpPr>
+          <p:nvPr>
+            <p:ph type="title"/>
+          </p:nvPr>
+        </p:nvSpPr>
+        <p:spPr/>
+        <p:txBody>
+          <a:bodyPr/>
+          <a:lstStyle/>
+          <a:p>
+            <a:r>
+              <a:rPr lang="en-US" dirty="0" smtClean="0"/>
+              <a:t>Fig of all the plots</a:t>
+            </a:r>
+            <a:endParaRPr lang="en-US" dirty="0"/>
+          </a:p>
+        </p:txBody>
+      </p:sp>
+      <p:sp>
+        <p:nvSpPr>
+          <p:cNvPr id="3" name="Content Placeholder 2"/>
+          <p:cNvSpPr>
+            <a:spLocks noGrp="1"/>
+          </p:cNvSpPr>
+          <p:nvPr>
+            <p:ph idx="1"/>
+          </p:nvPr>
+        </p:nvSpPr>
+        <p:spPr/>
+        <p:txBody>
+          <a:bodyPr/>
+          <a:lstStyle/>
+          <a:p>
+            <a:endParaRPr lang="en-US"/>
+          </a:p>
+        </p:txBody>
+      </p:sp>
+    </p:spTree>
+    <p:extLst>
+      <p:ext uri="{BB962C8B-B14F-4D97-AF65-F5344CB8AC3E}">
+        <p14:creationId xmlns:p14="http://schemas.microsoft.com/office/powerpoint/2010/main" val="1893663922"/>
+      </p:ext>
+    </p:extLst>
+  </p:cSld>
+  <p:clrMapOvr>
+    <a:masterClrMapping/>
+  </p:clrMapOvr>
+</p:sld>
+</file>
+
+<file path=ppt/slides/slide13.xml><?xml version="1.0" encoding="utf-8"?>
+<p:sld xmlns:a="http://schemas.openxmlformats.org/drawingml/2006/main" xmlns:r="http://schemas.openxmlformats.org/officeDocument/2006/relationships" xmlns:p="http://schemas.openxmlformats.org/presentationml/2006/main">
+  <p:cSld>
+    <p:spTree>
+      <p:nvGrpSpPr>
+        <p:cNvPr id="1" name=""/>
+        <p:cNvGrpSpPr/>
+        <p:nvPr/>
+      </p:nvGrpSpPr>
+      <p:grpSpPr>
+        <a:xfrm>
+          <a:off x="0" y="0"/>
+          <a:ext cx="0" cy="0"/>
+          <a:chOff x="0" y="0"/>
+          <a:chExt cx="0" cy="0"/>
+        </a:xfrm>
+      </p:grpSpPr>
+      <p:sp>
+        <p:nvSpPr>
+          <p:cNvPr id="2" name="Title 1"/>
+          <p:cNvSpPr>
+            <a:spLocks noGrp="1"/>
+          </p:cNvSpPr>
+          <p:nvPr>
+            <p:ph type="title"/>
+          </p:nvPr>
+        </p:nvSpPr>
+        <p:spPr/>
+        <p:txBody>
+          <a:bodyPr/>
+          <a:lstStyle/>
+          <a:p>
+            <a:r>
+              <a:rPr lang="en-US" dirty="0" smtClean="0"/>
+              <a:t>Types of variables</a:t>
+            </a:r>
+            <a:endParaRPr lang="en-US" dirty="0"/>
+          </a:p>
+        </p:txBody>
+      </p:sp>
+      <p:sp>
+        <p:nvSpPr>
+          <p:cNvPr id="3" name="Content Placeholder 2"/>
+          <p:cNvSpPr>
+            <a:spLocks noGrp="1"/>
+          </p:cNvSpPr>
+          <p:nvPr>
+            <p:ph idx="1"/>
+          </p:nvPr>
+        </p:nvSpPr>
+        <p:spPr/>
+        <p:txBody>
+          <a:bodyPr/>
+          <a:lstStyle/>
+          <a:p>
+            <a:r>
+              <a:rPr lang="en-US" dirty="0" smtClean="0">
+                <a:solidFill>
+                  <a:srgbClr val="FF0000"/>
+                </a:solidFill>
+              </a:rPr>
+              <a:t>Response</a:t>
+            </a:r>
+            <a:r>
+              <a:rPr lang="en-US" dirty="0" smtClean="0"/>
+              <a:t> vs </a:t>
+            </a:r>
+            <a:r>
+              <a:rPr lang="en-US" dirty="0" smtClean="0">
+                <a:solidFill>
+                  <a:schemeClr val="accent4">
+                    <a:lumMod val="75000"/>
+                  </a:schemeClr>
+                </a:solidFill>
+              </a:rPr>
+              <a:t>Explanatory </a:t>
+            </a:r>
+          </a:p>
+          <a:p>
+            <a:pPr lvl="1"/>
+            <a:r>
+              <a:rPr lang="en-US" dirty="0"/>
+              <a:t>T</a:t>
+            </a:r>
+            <a:r>
+              <a:rPr lang="en-US" dirty="0" smtClean="0"/>
+              <a:t>he </a:t>
+            </a:r>
+            <a:r>
+              <a:rPr lang="en-US" dirty="0" smtClean="0">
+                <a:solidFill>
+                  <a:srgbClr val="FF0000"/>
+                </a:solidFill>
+              </a:rPr>
+              <a:t>response</a:t>
+            </a:r>
+            <a:r>
+              <a:rPr lang="en-US" dirty="0" smtClean="0"/>
+              <a:t> is what we’d like to predict, and the </a:t>
+            </a:r>
+            <a:r>
+              <a:rPr lang="en-US" dirty="0" smtClean="0">
+                <a:solidFill>
+                  <a:schemeClr val="accent4">
+                    <a:lumMod val="75000"/>
+                  </a:schemeClr>
+                </a:solidFill>
+              </a:rPr>
+              <a:t>explanatory</a:t>
+            </a:r>
+            <a:r>
+              <a:rPr lang="en-US" dirty="0" smtClean="0"/>
+              <a:t> is what we’re using to predict</a:t>
+            </a:r>
+          </a:p>
+          <a:p>
+            <a:pPr lvl="1"/>
+            <a:r>
+              <a:rPr lang="en-US" dirty="0" smtClean="0"/>
+              <a:t>Also known as </a:t>
+            </a:r>
+            <a:r>
+              <a:rPr lang="en-US" dirty="0" smtClean="0">
+                <a:solidFill>
+                  <a:srgbClr val="FF0000"/>
+                </a:solidFill>
+              </a:rPr>
+              <a:t>independent </a:t>
+            </a:r>
+            <a:r>
+              <a:rPr lang="en-US" dirty="0"/>
+              <a:t>and</a:t>
+            </a:r>
+            <a:r>
+              <a:rPr lang="en-US" dirty="0" smtClean="0"/>
+              <a:t> </a:t>
+            </a:r>
+            <a:r>
+              <a:rPr lang="en-US" dirty="0" smtClean="0">
+                <a:solidFill>
+                  <a:schemeClr val="accent4">
+                    <a:lumMod val="75000"/>
+                  </a:schemeClr>
+                </a:solidFill>
+              </a:rPr>
+              <a:t>dependent</a:t>
+            </a:r>
+          </a:p>
+          <a:p>
+            <a:pPr lvl="1"/>
+            <a:endParaRPr lang="en-US" dirty="0">
+              <a:solidFill>
+                <a:schemeClr val="accent4">
+                  <a:lumMod val="75000"/>
+                </a:schemeClr>
+              </a:solidFill>
+            </a:endParaRPr>
+          </a:p>
+          <a:p>
+            <a:pPr lvl="1"/>
+            <a:endParaRPr lang="en-US" dirty="0" smtClean="0">
+              <a:solidFill>
+                <a:schemeClr val="accent4">
+                  <a:lumMod val="75000"/>
+                </a:schemeClr>
+              </a:solidFill>
+            </a:endParaRPr>
+          </a:p>
+          <a:p>
+            <a:pPr lvl="1"/>
+            <a:r>
+              <a:rPr lang="en-US" dirty="0" smtClean="0">
+                <a:solidFill>
+                  <a:schemeClr val="accent4">
+                    <a:lumMod val="75000"/>
+                  </a:schemeClr>
+                </a:solidFill>
+              </a:rPr>
+              <a:t>[scatter plot]</a:t>
+            </a:r>
+            <a:endParaRPr lang="en-US" dirty="0"/>
+          </a:p>
+        </p:txBody>
+      </p:sp>
+    </p:spTree>
+    <p:extLst>
+      <p:ext uri="{BB962C8B-B14F-4D97-AF65-F5344CB8AC3E}">
+        <p14:creationId xmlns:p14="http://schemas.microsoft.com/office/powerpoint/2010/main" val="158604534"/>
+      </p:ext>
+    </p:extLst>
+  </p:cSld>
+  <p:clrMapOvr>
+    <a:masterClrMapping/>
+  </p:clrMapOvr>
+</p:sld>
+</file>
+
+<file path=ppt/slides/slide14.xml><?xml version="1.0" encoding="utf-8"?>
+<p:sld xmlns:a="http://schemas.openxmlformats.org/drawingml/2006/main" xmlns:r="http://schemas.openxmlformats.org/officeDocument/2006/relationships" xmlns:p="http://schemas.openxmlformats.org/presentationml/2006/main">
+  <p:cSld>
+    <p:spTree>
+      <p:nvGrpSpPr>
+        <p:cNvPr id="1" name=""/>
+        <p:cNvGrpSpPr/>
+        <p:nvPr/>
+      </p:nvGrpSpPr>
+      <p:grpSpPr>
+        <a:xfrm>
+          <a:off x="0" y="0"/>
+          <a:ext cx="0" cy="0"/>
+          <a:chOff x="0" y="0"/>
+          <a:chExt cx="0" cy="0"/>
+        </a:xfrm>
+      </p:grpSpPr>
+      <p:sp>
+        <p:nvSpPr>
+          <p:cNvPr id="2" name="Title 1"/>
+          <p:cNvSpPr>
+            <a:spLocks noGrp="1"/>
+          </p:cNvSpPr>
+          <p:nvPr>
+            <p:ph type="title"/>
+          </p:nvPr>
+        </p:nvSpPr>
+        <p:spPr/>
+        <p:txBody>
+          <a:bodyPr/>
+          <a:lstStyle/>
+          <a:p>
+            <a:r>
+              <a:rPr lang="en-US" dirty="0" smtClean="0"/>
+              <a:t>Worksheet break, then R time</a:t>
+            </a:r>
+            <a:endParaRPr lang="en-US" dirty="0"/>
+          </a:p>
+        </p:txBody>
+      </p:sp>
+      <p:sp>
+        <p:nvSpPr>
+          <p:cNvPr id="3" name="Content Placeholder 2"/>
+          <p:cNvSpPr>
+            <a:spLocks noGrp="1"/>
+          </p:cNvSpPr>
+          <p:nvPr>
+            <p:ph idx="1"/>
+          </p:nvPr>
+        </p:nvSpPr>
+        <p:spPr/>
+        <p:txBody>
+          <a:bodyPr/>
+          <a:lstStyle/>
+          <a:p>
+            <a:endParaRPr lang="en-US"/>
+          </a:p>
+        </p:txBody>
+      </p:sp>
+    </p:spTree>
+    <p:extLst>
+      <p:ext uri="{BB962C8B-B14F-4D97-AF65-F5344CB8AC3E}">
+        <p14:creationId xmlns:p14="http://schemas.microsoft.com/office/powerpoint/2010/main" val="31488772"/>
       </p:ext>
     </p:extLst>
   </p:cSld>
@@ -5025,7 +5691,11 @@
           <a:p>
             <a:r>
               <a:rPr lang="en-US" dirty="0" smtClean="0"/>
-              <a:t>Types of data/variables</a:t>
+              <a:t>Types of </a:t>
+            </a:r>
+            <a:r>
+              <a:rPr lang="en-US" dirty="0" smtClean="0"/>
+              <a:t>data</a:t>
             </a:r>
             <a:endParaRPr lang="en-US" dirty="0"/>
           </a:p>
@@ -5275,6 +5945,18 @@
               <a:rPr lang="en-US" dirty="0" smtClean="0"/>
               <a:t>Mode</a:t>
             </a:r>
+          </a:p>
+          <a:p>
+            <a:endParaRPr lang="en-US" dirty="0"/>
+          </a:p>
+          <a:p>
+            <a:endParaRPr lang="en-US" dirty="0" smtClean="0"/>
+          </a:p>
+          <a:p>
+            <a:r>
+              <a:rPr lang="en-US" dirty="0" smtClean="0"/>
+              <a:t>Have some distributions and figure out what is where, discuss skew</a:t>
+            </a:r>
             <a:endParaRPr lang="en-US" dirty="0"/>
           </a:p>
         </p:txBody>
@@ -5363,6 +6045,31 @@
               <a:rPr lang="en-US" dirty="0" smtClean="0"/>
               <a:t>Range</a:t>
             </a:r>
+          </a:p>
+          <a:p>
+            <a:endParaRPr lang="en-US" dirty="0"/>
+          </a:p>
+          <a:p>
+            <a:endParaRPr lang="en-US" dirty="0" smtClean="0"/>
+          </a:p>
+          <a:p>
+            <a:r>
+              <a:rPr lang="en-US" dirty="0" err="1" smtClean="0"/>
+              <a:t>Sd</a:t>
+            </a:r>
+            <a:r>
+              <a:rPr lang="en-US" dirty="0" smtClean="0"/>
+              <a:t> generally in context of mean and </a:t>
+            </a:r>
+            <a:r>
+              <a:rPr lang="en-US" dirty="0" err="1" smtClean="0"/>
+              <a:t>iqr</a:t>
+            </a:r>
+            <a:r>
+              <a:rPr lang="en-US" smtClean="0"/>
+              <a:t> in context of median.</a:t>
+            </a:r>
+            <a:endParaRPr lang="en-US" dirty="0" smtClean="0"/>
           </a:p>
         </p:txBody>
       </p:sp>

--- a/slides/intro.pptx
+++ b/slides/intro.pptx
@@ -5,7 +5,7 @@
     <p:sldMasterId id="2147484003" r:id="rId1"/>
   </p:sldMasterIdLst>
   <p:notesMasterIdLst>
-    <p:notesMasterId r:id="rId16"/>
+    <p:notesMasterId r:id="rId29"/>
   </p:notesMasterIdLst>
   <p:sldIdLst>
     <p:sldId id="256" r:id="rId2"/>
@@ -13,15 +13,28 @@
     <p:sldId id="260" r:id="rId4"/>
     <p:sldId id="263" r:id="rId5"/>
     <p:sldId id="264" r:id="rId6"/>
-    <p:sldId id="261" r:id="rId7"/>
-    <p:sldId id="265" r:id="rId8"/>
-    <p:sldId id="266" r:id="rId9"/>
-    <p:sldId id="267" r:id="rId10"/>
-    <p:sldId id="268" r:id="rId11"/>
-    <p:sldId id="262" r:id="rId12"/>
-    <p:sldId id="272" r:id="rId13"/>
-    <p:sldId id="269" r:id="rId14"/>
-    <p:sldId id="270" r:id="rId15"/>
+    <p:sldId id="281" r:id="rId7"/>
+    <p:sldId id="282" r:id="rId8"/>
+    <p:sldId id="283" r:id="rId9"/>
+    <p:sldId id="284" r:id="rId10"/>
+    <p:sldId id="286" r:id="rId11"/>
+    <p:sldId id="273" r:id="rId12"/>
+    <p:sldId id="261" r:id="rId13"/>
+    <p:sldId id="265" r:id="rId14"/>
+    <p:sldId id="288" r:id="rId15"/>
+    <p:sldId id="287" r:id="rId16"/>
+    <p:sldId id="266" r:id="rId17"/>
+    <p:sldId id="276" r:id="rId18"/>
+    <p:sldId id="267" r:id="rId19"/>
+    <p:sldId id="278" r:id="rId20"/>
+    <p:sldId id="277" r:id="rId21"/>
+    <p:sldId id="279" r:id="rId22"/>
+    <p:sldId id="280" r:id="rId23"/>
+    <p:sldId id="268" r:id="rId24"/>
+    <p:sldId id="262" r:id="rId25"/>
+    <p:sldId id="272" r:id="rId26"/>
+    <p:sldId id="269" r:id="rId27"/>
+    <p:sldId id="270" r:id="rId28"/>
   </p:sldIdLst>
   <p:sldSz cx="12192000" cy="6858000"/>
   <p:notesSz cx="6858000" cy="9144000"/>
@@ -210,7 +223,7 @@
           <a:p>
             <a:fld id="{CF39A833-E765-7D41-96DE-4BE65F7DBB91}" type="datetimeFigureOut">
               <a:rPr lang="en-US" smtClean="0"/>
-              <a:t>8/16/17</a:t>
+              <a:t>8/21/17</a:t>
             </a:fld>
             <a:endParaRPr lang="en-US"/>
           </a:p>
@@ -478,6 +491,90 @@
 </p:notesMaster>
 </file>
 
+<file path=ppt/notesSlides/notesSlide1.xml><?xml version="1.0" encoding="utf-8"?>
+<p:notes xmlns:a="http://schemas.openxmlformats.org/drawingml/2006/main" xmlns:r="http://schemas.openxmlformats.org/officeDocument/2006/relationships" xmlns:p="http://schemas.openxmlformats.org/presentationml/2006/main">
+  <p:cSld>
+    <p:spTree>
+      <p:nvGrpSpPr>
+        <p:cNvPr id="1" name=""/>
+        <p:cNvGrpSpPr/>
+        <p:nvPr/>
+      </p:nvGrpSpPr>
+      <p:grpSpPr>
+        <a:xfrm>
+          <a:off x="0" y="0"/>
+          <a:ext cx="0" cy="0"/>
+          <a:chOff x="0" y="0"/>
+          <a:chExt cx="0" cy="0"/>
+        </a:xfrm>
+      </p:grpSpPr>
+      <p:sp>
+        <p:nvSpPr>
+          <p:cNvPr id="2" name="Slide Image Placeholder 1"/>
+          <p:cNvSpPr>
+            <a:spLocks noGrp="1" noRot="1" noChangeAspect="1"/>
+          </p:cNvSpPr>
+          <p:nvPr>
+            <p:ph type="sldImg"/>
+          </p:nvPr>
+        </p:nvSpPr>
+        <p:spPr/>
+      </p:sp>
+      <p:sp>
+        <p:nvSpPr>
+          <p:cNvPr id="3" name="Notes Placeholder 2"/>
+          <p:cNvSpPr>
+            <a:spLocks noGrp="1"/>
+          </p:cNvSpPr>
+          <p:nvPr>
+            <p:ph type="body" idx="1"/>
+          </p:nvPr>
+        </p:nvSpPr>
+        <p:spPr/>
+        <p:txBody>
+          <a:bodyPr/>
+          <a:lstStyle/>
+          <a:p>
+            <a:endParaRPr lang="en-US" dirty="0"/>
+          </a:p>
+        </p:txBody>
+      </p:sp>
+      <p:sp>
+        <p:nvSpPr>
+          <p:cNvPr id="4" name="Slide Number Placeholder 3"/>
+          <p:cNvSpPr>
+            <a:spLocks noGrp="1"/>
+          </p:cNvSpPr>
+          <p:nvPr>
+            <p:ph type="sldNum" sz="quarter" idx="10"/>
+          </p:nvPr>
+        </p:nvSpPr>
+        <p:spPr/>
+        <p:txBody>
+          <a:bodyPr/>
+          <a:lstStyle/>
+          <a:p>
+            <a:fld id="{E32609A5-9C0D-AB4F-B692-674CF9666E27}" type="slidenum">
+              <a:rPr lang="en-US" smtClean="0"/>
+              <a:t>8</a:t>
+            </a:fld>
+            <a:endParaRPr lang="en-US"/>
+          </a:p>
+        </p:txBody>
+      </p:sp>
+    </p:spTree>
+    <p:extLst>
+      <p:ext uri="{BB962C8B-B14F-4D97-AF65-F5344CB8AC3E}">
+        <p14:creationId xmlns:p14="http://schemas.microsoft.com/office/powerpoint/2010/main" val="96538514"/>
+      </p:ext>
+    </p:extLst>
+  </p:cSld>
+  <p:clrMapOvr>
+    <a:masterClrMapping/>
+  </p:clrMapOvr>
+</p:notes>
+</file>
+
 <file path=ppt/slideLayouts/slideLayout1.xml><?xml version="1.0" encoding="utf-8"?>
 <p:sldLayout xmlns:a="http://schemas.openxmlformats.org/drawingml/2006/main" xmlns:r="http://schemas.openxmlformats.org/officeDocument/2006/relationships" xmlns:p="http://schemas.openxmlformats.org/presentationml/2006/main" showMasterSp="0" type="title" preserve="1">
   <p:cSld name="Title Slide">
@@ -704,7 +801,7 @@
           <a:p>
             <a:fld id="{4BDF68E2-58F2-4D09-BE8B-E3BD06533059}" type="datetimeFigureOut">
               <a:rPr lang="en-US" smtClean="0"/>
-              <a:t>8/16/17</a:t>
+              <a:t>8/21/17</a:t>
             </a:fld>
             <a:endParaRPr lang="en-US" dirty="0"/>
           </a:p>
@@ -907,7 +1004,7 @@
           <a:p>
             <a:fld id="{2E2D6473-DF6D-4702-B328-E0DD40540A4E}" type="datetimeFigureOut">
               <a:rPr lang="en-US" smtClean="0"/>
-              <a:t>8/16/17</a:t>
+              <a:t>8/21/17</a:t>
             </a:fld>
             <a:endParaRPr lang="en-US" dirty="0"/>
           </a:p>
@@ -1158,7 +1255,7 @@
           <a:p>
             <a:fld id="{E26F7E3A-B166-407D-9866-32884E7D5B37}" type="datetimeFigureOut">
               <a:rPr lang="en-US" smtClean="0"/>
-              <a:t>8/16/17</a:t>
+              <a:t>8/21/17</a:t>
             </a:fld>
             <a:endParaRPr lang="en-US" dirty="0"/>
           </a:p>
@@ -1357,7 +1454,7 @@
           <a:p>
             <a:fld id="{528FC5F6-F338-4AE4-BB23-26385BCFC423}" type="datetimeFigureOut">
               <a:rPr lang="en-US" smtClean="0"/>
-              <a:t>8/16/17</a:t>
+              <a:t>8/21/17</a:t>
             </a:fld>
             <a:endParaRPr lang="en-US" dirty="0"/>
           </a:p>
@@ -1695,7 +1792,7 @@
           <a:p>
             <a:fld id="{20EBB0C4-6273-4C6E-B9BD-2EDC30F1CD52}" type="datetimeFigureOut">
               <a:rPr lang="en-US" smtClean="0"/>
-              <a:t>8/16/17</a:t>
+              <a:t>8/21/17</a:t>
             </a:fld>
             <a:endParaRPr lang="en-US" dirty="0"/>
           </a:p>
@@ -1965,7 +2062,7 @@
           <a:p>
             <a:fld id="{19AB4D41-86C1-4908-B66A-0B50CEB3BF29}" type="datetimeFigureOut">
               <a:rPr lang="en-US" smtClean="0"/>
-              <a:t>8/16/17</a:t>
+              <a:t>8/21/17</a:t>
             </a:fld>
             <a:endParaRPr lang="en-US" dirty="0"/>
           </a:p>
@@ -2339,7 +2436,7 @@
           <a:p>
             <a:fld id="{E6426E2C-56C1-4E0D-A793-0088A7FDD37E}" type="datetimeFigureOut">
               <a:rPr lang="en-US" smtClean="0"/>
-              <a:t>8/16/17</a:t>
+              <a:t>8/21/17</a:t>
             </a:fld>
             <a:endParaRPr lang="en-US" dirty="0"/>
           </a:p>
@@ -2452,7 +2549,7 @@
           <a:p>
             <a:fld id="{C8C39B41-D8B5-4052-B551-9B5525EAA8B6}" type="datetimeFigureOut">
               <a:rPr lang="en-US" smtClean="0"/>
-              <a:t>8/16/17</a:t>
+              <a:t>8/21/17</a:t>
             </a:fld>
             <a:endParaRPr lang="en-US" dirty="0"/>
           </a:p>
@@ -2618,7 +2715,7 @@
           <a:p>
             <a:fld id="{4D94136C-8742-45B2-AF27-D93DF72833A9}" type="datetimeFigureOut">
               <a:rPr lang="en-US" smtClean="0"/>
-              <a:t>8/16/17</a:t>
+              <a:t>8/21/17</a:t>
             </a:fld>
             <a:endParaRPr lang="en-US" dirty="0"/>
           </a:p>
@@ -2968,7 +3065,7 @@
           <a:p>
             <a:fld id="{32ABBEA6-7C60-4B02-AE87-00D78D8422AF}" type="datetimeFigureOut">
               <a:rPr lang="en-US" smtClean="0"/>
-              <a:t>8/16/17</a:t>
+              <a:t>8/21/17</a:t>
             </a:fld>
             <a:endParaRPr lang="en-US" dirty="0"/>
           </a:p>
@@ -3341,7 +3438,7 @@
           <a:p>
             <a:fld id="{C9CAD897-D46E-4AD2-BD9B-49DD3E640873}" type="datetimeFigureOut">
               <a:rPr lang="en-US" smtClean="0"/>
-              <a:t>8/16/17</a:t>
+              <a:t>8/21/17</a:t>
             </a:fld>
             <a:endParaRPr lang="en-US" dirty="0"/>
           </a:p>
@@ -3623,7 +3720,7 @@
           <a:p>
             <a:fld id="{98624D31-43A5-475A-80CF-332C9F6DCF35}" type="datetimeFigureOut">
               <a:rPr lang="en-US" smtClean="0"/>
-              <a:t>8/16/17</a:t>
+              <a:t>8/21/17</a:t>
             </a:fld>
             <a:endParaRPr lang="en-US" dirty="0"/>
           </a:p>
@@ -4265,7 +4362,7 @@
           <a:p>
             <a:r>
               <a:rPr lang="en-US" dirty="0" smtClean="0"/>
-              <a:t>Measures of variability</a:t>
+              <a:t>Pop quiz: Is it random?</a:t>
             </a:r>
             <a:endParaRPr lang="en-US" dirty="0"/>
           </a:p>
@@ -4283,13 +4380,55 @@
         </p:nvSpPr>
         <p:spPr/>
         <p:txBody>
-          <a:bodyPr/>
-          <a:lstStyle/>
-          <a:p>
-            <a:r>
-              <a:rPr lang="en-US" dirty="0" smtClean="0"/>
-              <a:t>COV</a:t>
-            </a:r>
+          <a:bodyPr>
+            <a:normAutofit/>
+          </a:bodyPr>
+          <a:lstStyle/>
+          <a:p>
+            <a:r>
+              <a:rPr lang="en-US" strike="sngStrike" dirty="0" smtClean="0"/>
+              <a:t>A </a:t>
+            </a:r>
+            <a:r>
+              <a:rPr lang="en-US" strike="sngStrike" dirty="0"/>
+              <a:t>researcher selects the first 58 student volunteers that sign up for a study </a:t>
+            </a:r>
+          </a:p>
+          <a:p>
+            <a:r>
+              <a:rPr lang="en-US" b="1" dirty="0"/>
+              <a:t>A computer program numbers all residents in a community, and then uses a random-number </a:t>
+            </a:r>
+            <a:r>
+              <a:rPr lang="en-US" b="1" dirty="0" smtClean="0"/>
+              <a:t>generator </a:t>
+            </a:r>
+            <a:r>
+              <a:rPr lang="en-US" b="1" dirty="0"/>
+              <a:t>to select 26 residents </a:t>
+            </a:r>
+          </a:p>
+          <a:p>
+            <a:r>
+              <a:rPr lang="en-US" b="1" dirty="0"/>
+              <a:t>A researcher vigorously shakes a box containing equally sized balls and takes the first 3 that fall </a:t>
+            </a:r>
+            <a:r>
+              <a:rPr lang="en-US" b="1" dirty="0" smtClean="0"/>
+              <a:t>out of </a:t>
+            </a:r>
+            <a:r>
+              <a:rPr lang="en-US" b="1" dirty="0"/>
+              <a:t>the box. </a:t>
+            </a:r>
+          </a:p>
+          <a:p>
+            <a:r>
+              <a:rPr lang="en-US" strike="sngStrike" dirty="0"/>
+              <a:t>A researcher selects all study participants whose first name starts with an A, B, K, M, or O. </a:t>
+            </a:r>
+          </a:p>
+          <a:p>
             <a:endParaRPr lang="en-US" dirty="0"/>
           </a:p>
         </p:txBody>
@@ -4297,7 +4436,7 @@
     </p:spTree>
     <p:extLst>
       <p:ext uri="{BB962C8B-B14F-4D97-AF65-F5344CB8AC3E}">
-        <p14:creationId xmlns:p14="http://schemas.microsoft.com/office/powerpoint/2010/main" val="1702360421"/>
+        <p14:creationId xmlns:p14="http://schemas.microsoft.com/office/powerpoint/2010/main" val="1297966968"/>
       </p:ext>
     </p:extLst>
   </p:cSld>
@@ -4340,8 +4479,12 @@
           <a:lstStyle/>
           <a:p>
             <a:r>
-              <a:rPr lang="en-US" dirty="0" smtClean="0"/>
-              <a:t>Visualizing data</a:t>
+              <a:rPr lang="en-US" dirty="0"/>
+              <a:t>Descriptive and Summary </a:t>
+            </a:r>
+            <a:r>
+              <a:rPr lang="en-US" dirty="0" smtClean="0"/>
+              <a:t>Statistics</a:t>
             </a:r>
             <a:endParaRPr lang="en-US" dirty="0"/>
           </a:p>
@@ -4360,350 +4503,51 @@
         <p:spPr/>
         <p:txBody>
           <a:bodyPr>
-            <a:normAutofit lnSpcReduction="10000"/>
+            <a:normAutofit/>
           </a:bodyPr>
           <a:lstStyle/>
           <a:p>
-            <a:pPr marL="0" indent="0">
-              <a:lnSpc>
-                <a:spcPct val="100000"/>
-              </a:lnSpc>
-              <a:spcBef>
-                <a:spcPts val="0"/>
-              </a:spcBef>
-              <a:spcAft>
-                <a:spcPts val="0"/>
-              </a:spcAft>
-              <a:buClrTx/>
-              <a:buSzTx/>
-              <a:buNone/>
-              <a:defRPr/>
-            </a:pPr>
-            <a:r>
-              <a:rPr lang="en-US" dirty="0" smtClean="0"/>
-              <a:t>Different types of plots are used to represent different types of data</a:t>
-            </a:r>
-          </a:p>
-          <a:p>
-            <a:pPr marL="609473" lvl="1" indent="-457200">
-              <a:lnSpc>
-                <a:spcPct val="100000"/>
-              </a:lnSpc>
-              <a:spcBef>
-                <a:spcPts val="0"/>
-              </a:spcBef>
-              <a:spcAft>
-                <a:spcPts val="0"/>
-              </a:spcAft>
-              <a:buClrTx/>
-              <a:buSzTx/>
-              <a:defRPr/>
-            </a:pPr>
+            <a:r>
+              <a:rPr lang="en-US" dirty="0" smtClean="0"/>
+              <a:t>Tools to concisely describe data, numerically and visually</a:t>
+            </a:r>
+          </a:p>
+          <a:p>
             <a:endParaRPr lang="en-US" dirty="0" smtClean="0"/>
           </a:p>
           <a:p>
-            <a:pPr marL="152273" lvl="1" indent="0">
-              <a:lnSpc>
-                <a:spcPct val="100000"/>
-              </a:lnSpc>
-              <a:spcBef>
-                <a:spcPts val="0"/>
-              </a:spcBef>
-              <a:spcAft>
-                <a:spcPts val="0"/>
-              </a:spcAft>
-              <a:buClrTx/>
-              <a:buSzTx/>
-              <a:buNone/>
-              <a:defRPr/>
-            </a:pPr>
-            <a:r>
-              <a:rPr lang="en-US" b="1" dirty="0" smtClean="0"/>
-              <a:t>Continuous data				Categorical data</a:t>
-            </a:r>
-          </a:p>
-          <a:p>
-            <a:pPr marL="335153" lvl="2" indent="0">
-              <a:lnSpc>
-                <a:spcPct val="100000"/>
-              </a:lnSpc>
-              <a:spcBef>
-                <a:spcPts val="0"/>
-              </a:spcBef>
-              <a:spcAft>
-                <a:spcPts val="0"/>
-              </a:spcAft>
-              <a:buClrTx/>
-              <a:buSzTx/>
-              <a:buNone/>
-              <a:defRPr/>
-            </a:pPr>
-            <a:r>
-              <a:rPr lang="en-US" dirty="0" smtClean="0"/>
-              <a:t>Histogram/density plot		   		    Bar plot</a:t>
-            </a:r>
-          </a:p>
-          <a:p>
-            <a:pPr marL="335153" lvl="2" indent="0">
-              <a:lnSpc>
-                <a:spcPct val="100000"/>
-              </a:lnSpc>
-              <a:spcBef>
-                <a:spcPts val="0"/>
-              </a:spcBef>
-              <a:spcAft>
-                <a:spcPts val="0"/>
-              </a:spcAft>
-              <a:buClrTx/>
-              <a:buSzTx/>
-              <a:buNone/>
-              <a:defRPr/>
-            </a:pPr>
-            <a:r>
-              <a:rPr lang="en-US" dirty="0" smtClean="0"/>
-              <a:t>Boxplot                                                                                         Line plot*</a:t>
-            </a:r>
-          </a:p>
-          <a:p>
-            <a:pPr marL="335153" lvl="2" indent="0">
-              <a:lnSpc>
-                <a:spcPct val="100000"/>
-              </a:lnSpc>
-              <a:spcBef>
-                <a:spcPts val="0"/>
-              </a:spcBef>
-              <a:spcAft>
-                <a:spcPts val="0"/>
-              </a:spcAft>
-              <a:buClrTx/>
-              <a:buSzTx/>
-              <a:buNone/>
-              <a:defRPr/>
-            </a:pPr>
-            <a:r>
-              <a:rPr lang="en-US" dirty="0" smtClean="0"/>
-              <a:t>Violin plot</a:t>
-            </a:r>
-            <a:endParaRPr lang="en-US" dirty="0"/>
-          </a:p>
-          <a:p>
-            <a:pPr marL="152273" lvl="1" indent="0">
-              <a:lnSpc>
-                <a:spcPct val="100000"/>
-              </a:lnSpc>
-              <a:spcBef>
-                <a:spcPts val="0"/>
-              </a:spcBef>
-              <a:spcAft>
-                <a:spcPts val="0"/>
-              </a:spcAft>
-              <a:buClrTx/>
-              <a:buSzTx/>
-              <a:buNone/>
-              <a:defRPr/>
-            </a:pPr>
-            <a:endParaRPr lang="en-US" b="1" dirty="0" smtClean="0"/>
-          </a:p>
-          <a:p>
-            <a:pPr marL="152273" lvl="1" indent="0">
-              <a:lnSpc>
-                <a:spcPct val="100000"/>
-              </a:lnSpc>
-              <a:spcBef>
-                <a:spcPts val="0"/>
-              </a:spcBef>
-              <a:spcAft>
-                <a:spcPts val="0"/>
-              </a:spcAft>
-              <a:buClrTx/>
-              <a:buSzTx/>
-              <a:buNone/>
-              <a:defRPr/>
-            </a:pPr>
-            <a:r>
-              <a:rPr lang="en-US" b="1" dirty="0" smtClean="0"/>
-              <a:t>Comparing two continuous variables		</a:t>
-            </a:r>
-            <a:r>
-              <a:rPr lang="en-US" b="1" dirty="0">
-                <a:solidFill>
-                  <a:schemeClr val="bg1">
-                    <a:lumMod val="75000"/>
-                  </a:schemeClr>
-                </a:solidFill>
-              </a:rPr>
-              <a:t>Comparing two categorical </a:t>
-            </a:r>
-            <a:r>
-              <a:rPr lang="en-US" b="1" dirty="0" smtClean="0">
-                <a:solidFill>
-                  <a:schemeClr val="bg1">
-                    <a:lumMod val="75000"/>
-                  </a:schemeClr>
-                </a:solidFill>
-              </a:rPr>
-              <a:t>variables</a:t>
-            </a:r>
-            <a:endParaRPr lang="en-US" b="1" dirty="0" smtClean="0"/>
-          </a:p>
-          <a:p>
-            <a:pPr marL="335153" lvl="2" indent="0">
-              <a:lnSpc>
-                <a:spcPct val="100000"/>
-              </a:lnSpc>
-              <a:spcBef>
-                <a:spcPts val="0"/>
-              </a:spcBef>
-              <a:spcAft>
-                <a:spcPts val="0"/>
-              </a:spcAft>
-              <a:buClrTx/>
-              <a:buSzTx/>
-              <a:buNone/>
-              <a:defRPr/>
-            </a:pPr>
-            <a:r>
-              <a:rPr lang="en-US" dirty="0" smtClean="0"/>
-              <a:t>Scatterplot					     </a:t>
-            </a:r>
-            <a:r>
-              <a:rPr lang="en-US" dirty="0" smtClean="0">
-                <a:solidFill>
-                  <a:schemeClr val="bg1">
-                    <a:lumMod val="75000"/>
-                  </a:schemeClr>
-                </a:solidFill>
-              </a:rPr>
-              <a:t>Interaction </a:t>
-            </a:r>
-            <a:r>
-              <a:rPr lang="en-US" dirty="0">
-                <a:solidFill>
-                  <a:schemeClr val="bg1">
-                    <a:lumMod val="75000"/>
-                  </a:schemeClr>
-                </a:solidFill>
-              </a:rPr>
-              <a:t>plot</a:t>
-            </a:r>
-          </a:p>
-          <a:p>
-            <a:pPr marL="335153" lvl="2" indent="0">
-              <a:lnSpc>
-                <a:spcPct val="100000"/>
-              </a:lnSpc>
-              <a:spcBef>
-                <a:spcPts val="0"/>
-              </a:spcBef>
-              <a:spcAft>
-                <a:spcPts val="0"/>
-              </a:spcAft>
-              <a:buClrTx/>
-              <a:buSzTx/>
-              <a:buNone/>
-              <a:defRPr/>
-            </a:pPr>
-            <a:endParaRPr lang="en-US" dirty="0"/>
-          </a:p>
-          <a:p>
-            <a:pPr marL="335153" lvl="2" indent="0">
-              <a:lnSpc>
-                <a:spcPct val="100000"/>
-              </a:lnSpc>
-              <a:spcBef>
-                <a:spcPts val="0"/>
-              </a:spcBef>
-              <a:spcAft>
-                <a:spcPts val="0"/>
-              </a:spcAft>
-              <a:buClrTx/>
-              <a:buSzTx/>
-              <a:buNone/>
-              <a:defRPr/>
-            </a:pPr>
-            <a:endParaRPr lang="en-US" dirty="0" smtClean="0"/>
-          </a:p>
-          <a:p>
-            <a:pPr marL="335153" lvl="2" indent="0">
-              <a:lnSpc>
-                <a:spcPct val="100000"/>
-              </a:lnSpc>
-              <a:spcBef>
-                <a:spcPts val="0"/>
-              </a:spcBef>
-              <a:spcAft>
-                <a:spcPts val="0"/>
-              </a:spcAft>
-              <a:buClrTx/>
-              <a:buSzTx/>
-              <a:buNone/>
-              <a:defRPr/>
-            </a:pPr>
-            <a:endParaRPr lang="en-US" dirty="0"/>
-          </a:p>
-          <a:p>
-            <a:pPr marL="335153" lvl="2" indent="0">
-              <a:lnSpc>
-                <a:spcPct val="100000"/>
-              </a:lnSpc>
-              <a:spcBef>
-                <a:spcPts val="0"/>
-              </a:spcBef>
-              <a:spcAft>
-                <a:spcPts val="0"/>
-              </a:spcAft>
-              <a:buClrTx/>
-              <a:buSzTx/>
-              <a:buNone/>
-              <a:defRPr/>
-            </a:pPr>
-            <a:endParaRPr lang="en-US" dirty="0" smtClean="0"/>
-          </a:p>
-          <a:p>
-            <a:pPr marL="335153" lvl="2" indent="0">
-              <a:lnSpc>
-                <a:spcPct val="100000"/>
-              </a:lnSpc>
-              <a:spcBef>
-                <a:spcPts val="0"/>
-              </a:spcBef>
-              <a:spcAft>
-                <a:spcPts val="0"/>
-              </a:spcAft>
-              <a:buClrTx/>
-              <a:buSzTx/>
-              <a:buNone/>
-              <a:defRPr/>
-            </a:pPr>
-            <a:r>
-              <a:rPr lang="en-US" dirty="0"/>
-              <a:t>*Line plots can do a lot, though</a:t>
-            </a:r>
-          </a:p>
-          <a:p>
-            <a:pPr marL="335153" lvl="2" indent="0">
-              <a:lnSpc>
-                <a:spcPct val="100000"/>
-              </a:lnSpc>
-              <a:spcBef>
-                <a:spcPts val="0"/>
-              </a:spcBef>
-              <a:spcAft>
-                <a:spcPts val="0"/>
-              </a:spcAft>
-              <a:buClrTx/>
-              <a:buSzTx/>
-              <a:buNone/>
-              <a:defRPr/>
-            </a:pPr>
-            <a:endParaRPr lang="en-US" dirty="0" smtClean="0"/>
+            <a:r>
+              <a:rPr lang="en-US" dirty="0" smtClean="0"/>
+              <a:t>Generally the first step in data exploration and statistical analysis</a:t>
+            </a:r>
+          </a:p>
+          <a:p>
+            <a:pPr lvl="1"/>
+            <a:r>
+              <a:rPr lang="en-US" dirty="0" smtClean="0"/>
+              <a:t>Identify missing values, outliers, etc.</a:t>
+            </a:r>
+          </a:p>
+          <a:p>
+            <a:pPr lvl="1"/>
+            <a:r>
+              <a:rPr lang="en-US" dirty="0" smtClean="0"/>
+              <a:t>Check assumptions required to fit models or perform statistical tests</a:t>
+            </a:r>
+          </a:p>
+          <a:p>
+            <a:pPr lvl="1"/>
+            <a:r>
+              <a:rPr lang="en-US" dirty="0" smtClean="0"/>
+              <a:t>Identify trends that merit further study</a:t>
+            </a:r>
           </a:p>
         </p:txBody>
       </p:sp>
     </p:spTree>
     <p:extLst>
       <p:ext uri="{BB962C8B-B14F-4D97-AF65-F5344CB8AC3E}">
-        <p14:creationId xmlns:p14="http://schemas.microsoft.com/office/powerpoint/2010/main" val="1113429801"/>
+        <p14:creationId xmlns:p14="http://schemas.microsoft.com/office/powerpoint/2010/main" val="351045467"/>
       </p:ext>
     </p:extLst>
   </p:cSld>
@@ -4747,7 +4591,7 @@
           <a:p>
             <a:r>
               <a:rPr lang="en-US" dirty="0" smtClean="0"/>
-              <a:t>Fig of all the plots</a:t>
+              <a:t>Descriptive and Summary Statistics</a:t>
             </a:r>
             <a:endParaRPr lang="en-US" dirty="0"/>
           </a:p>
@@ -4768,14 +4612,51 @@
           <a:bodyPr/>
           <a:lstStyle/>
           <a:p>
-            <a:endParaRPr lang="en-US"/>
+            <a:pPr lvl="1"/>
+            <a:endParaRPr lang="en-US" dirty="0"/>
+          </a:p>
+          <a:p>
+            <a:r>
+              <a:rPr lang="en-US" dirty="0" smtClean="0"/>
+              <a:t>Types of data</a:t>
+            </a:r>
+          </a:p>
+          <a:p>
+            <a:r>
+              <a:rPr lang="en-US" dirty="0" smtClean="0"/>
+              <a:t>Descriptors of distributions</a:t>
+            </a:r>
+          </a:p>
+          <a:p>
+            <a:pPr lvl="1"/>
+            <a:r>
+              <a:rPr lang="en-US" dirty="0" smtClean="0"/>
+              <a:t>Measures of </a:t>
+            </a:r>
+            <a:r>
+              <a:rPr lang="en-US" b="1" dirty="0" smtClean="0"/>
+              <a:t>location</a:t>
+            </a:r>
+            <a:endParaRPr lang="en-US" dirty="0"/>
+          </a:p>
+          <a:p>
+            <a:pPr lvl="1"/>
+            <a:r>
+              <a:rPr lang="en-US" dirty="0" smtClean="0"/>
+              <a:t>Measures of </a:t>
+            </a:r>
+            <a:r>
+              <a:rPr lang="en-US" b="1" dirty="0" smtClean="0"/>
+              <a:t>spread</a:t>
+            </a:r>
+            <a:endParaRPr lang="en-US" dirty="0"/>
           </a:p>
         </p:txBody>
       </p:sp>
     </p:spTree>
     <p:extLst>
       <p:ext uri="{BB962C8B-B14F-4D97-AF65-F5344CB8AC3E}">
-        <p14:creationId xmlns:p14="http://schemas.microsoft.com/office/powerpoint/2010/main" val="1893663922"/>
+        <p14:creationId xmlns:p14="http://schemas.microsoft.com/office/powerpoint/2010/main" val="1499461375"/>
       </p:ext>
     </p:extLst>
   </p:cSld>
@@ -4819,7 +4700,7 @@
           <a:p>
             <a:r>
               <a:rPr lang="en-US" dirty="0" smtClean="0"/>
-              <a:t>Types of variables</a:t>
+              <a:t>Types of data</a:t>
             </a:r>
             <a:endParaRPr lang="en-US" dirty="0"/>
           </a:p>
@@ -4835,136 +4716,157 @@
             <p:ph idx="1"/>
           </p:nvPr>
         </p:nvSpPr>
-        <p:spPr/>
-        <p:txBody>
-          <a:bodyPr/>
-          <a:lstStyle/>
-          <a:p>
-            <a:r>
-              <a:rPr lang="en-US" dirty="0" smtClean="0">
-                <a:solidFill>
-                  <a:srgbClr val="FF0000"/>
-                </a:solidFill>
-              </a:rPr>
-              <a:t>Response</a:t>
-            </a:r>
-            <a:r>
-              <a:rPr lang="en-US" dirty="0" smtClean="0"/>
-              <a:t> vs </a:t>
-            </a:r>
-            <a:r>
-              <a:rPr lang="en-US" dirty="0" smtClean="0">
-                <a:solidFill>
-                  <a:schemeClr val="accent4">
-                    <a:lumMod val="75000"/>
-                  </a:schemeClr>
-                </a:solidFill>
-              </a:rPr>
-              <a:t>Explanatory </a:t>
-            </a:r>
-          </a:p>
-          <a:p>
-            <a:pPr lvl="1"/>
-            <a:r>
-              <a:rPr lang="en-US" dirty="0"/>
-              <a:t>T</a:t>
-            </a:r>
-            <a:r>
-              <a:rPr lang="en-US" dirty="0" smtClean="0"/>
-              <a:t>he </a:t>
-            </a:r>
-            <a:r>
-              <a:rPr lang="en-US" dirty="0" smtClean="0">
-                <a:solidFill>
-                  <a:srgbClr val="FF0000"/>
-                </a:solidFill>
-              </a:rPr>
-              <a:t>response</a:t>
-            </a:r>
-            <a:r>
-              <a:rPr lang="en-US" dirty="0" smtClean="0"/>
-              <a:t> is what we’d like to predict, and the </a:t>
-            </a:r>
-            <a:r>
-              <a:rPr lang="en-US" dirty="0" smtClean="0">
-                <a:solidFill>
-                  <a:schemeClr val="accent4">
-                    <a:lumMod val="75000"/>
-                  </a:schemeClr>
-                </a:solidFill>
-              </a:rPr>
-              <a:t>explanatory</a:t>
-            </a:r>
-            <a:r>
-              <a:rPr lang="en-US" dirty="0" smtClean="0"/>
-              <a:t> is what we’re using to predict</a:t>
-            </a:r>
-          </a:p>
-          <a:p>
-            <a:pPr lvl="1"/>
-            <a:r>
-              <a:rPr lang="en-US" dirty="0" smtClean="0"/>
-              <a:t>Also known as </a:t>
-            </a:r>
-            <a:r>
-              <a:rPr lang="en-US" dirty="0" smtClean="0">
-                <a:solidFill>
-                  <a:srgbClr val="FF0000"/>
-                </a:solidFill>
-              </a:rPr>
-              <a:t>independent </a:t>
-            </a:r>
-            <a:r>
-              <a:rPr lang="en-US" dirty="0"/>
-              <a:t>and</a:t>
-            </a:r>
-            <a:r>
-              <a:rPr lang="en-US" dirty="0" smtClean="0"/>
-              <a:t> </a:t>
-            </a:r>
-            <a:r>
-              <a:rPr lang="en-US" dirty="0" smtClean="0">
-                <a:solidFill>
-                  <a:schemeClr val="accent4">
-                    <a:lumMod val="75000"/>
-                  </a:schemeClr>
-                </a:solidFill>
-              </a:rPr>
-              <a:t>dependent</a:t>
-            </a:r>
-          </a:p>
-          <a:p>
-            <a:pPr lvl="1"/>
-            <a:endParaRPr lang="en-US" dirty="0">
-              <a:solidFill>
-                <a:schemeClr val="accent4">
-                  <a:lumMod val="75000"/>
-                </a:schemeClr>
-              </a:solidFill>
-            </a:endParaRPr>
-          </a:p>
-          <a:p>
-            <a:pPr lvl="1"/>
-            <a:endParaRPr lang="en-US" dirty="0" smtClean="0">
-              <a:solidFill>
-                <a:schemeClr val="accent4">
-                  <a:lumMod val="75000"/>
-                </a:schemeClr>
-              </a:solidFill>
-            </a:endParaRPr>
-          </a:p>
-          <a:p>
-            <a:pPr lvl="1"/>
-            <a:r>
-              <a:rPr lang="en-US" dirty="0" smtClean="0">
-                <a:solidFill>
-                  <a:schemeClr val="accent4">
-                    <a:lumMod val="75000"/>
-                  </a:schemeClr>
-                </a:solidFill>
-              </a:rPr>
-              <a:t>[scatter plot]</a:t>
-            </a:r>
+        <p:spPr>
+          <a:xfrm>
+            <a:off x="1097280" y="2478156"/>
+            <a:ext cx="10485120" cy="3390937"/>
+          </a:xfrm>
+        </p:spPr>
+        <p:txBody>
+          <a:bodyPr numCol="2">
+            <a:normAutofit/>
+          </a:bodyPr>
+          <a:lstStyle/>
+          <a:p>
+            <a:pPr marL="11112" indent="0">
+              <a:buNone/>
+            </a:pPr>
+            <a:r>
+              <a:rPr lang="en-US" b="1" dirty="0" smtClean="0"/>
+              <a:t>Quantitative data</a:t>
+            </a:r>
+          </a:p>
+          <a:p>
+            <a:pPr marL="201168" lvl="1" indent="0">
+              <a:buNone/>
+            </a:pPr>
+            <a:r>
+              <a:rPr lang="en-US" dirty="0" smtClean="0"/>
+              <a:t>Continuous </a:t>
+            </a:r>
+          </a:p>
+          <a:p>
+            <a:pPr marL="201168" lvl="1" indent="0">
+              <a:buNone/>
+            </a:pPr>
+            <a:r>
+              <a:rPr lang="en-US" dirty="0" smtClean="0"/>
+              <a:t>Discrete (includes count data)</a:t>
+            </a:r>
+            <a:endParaRPr lang="en-US" dirty="0" smtClean="0"/>
+          </a:p>
+          <a:p>
+            <a:pPr marL="11112" indent="0">
+              <a:buNone/>
+            </a:pPr>
+            <a:endParaRPr lang="en-US" dirty="0" smtClean="0"/>
+          </a:p>
+          <a:p>
+            <a:pPr marL="11112" indent="0">
+              <a:buNone/>
+            </a:pPr>
+            <a:endParaRPr lang="en-US" dirty="0"/>
+          </a:p>
+          <a:p>
+            <a:pPr marL="11112" indent="0">
+              <a:buNone/>
+            </a:pPr>
+            <a:endParaRPr lang="en-US" dirty="0" smtClean="0"/>
+          </a:p>
+          <a:p>
+            <a:pPr marL="11112" indent="0">
+              <a:buNone/>
+            </a:pPr>
+            <a:endParaRPr lang="en-US" dirty="0"/>
+          </a:p>
+          <a:p>
+            <a:pPr marL="11112" indent="0">
+              <a:buNone/>
+            </a:pPr>
+            <a:r>
+              <a:rPr lang="en-US" b="1" dirty="0" smtClean="0"/>
+              <a:t>Categorical </a:t>
+            </a:r>
+            <a:r>
+              <a:rPr lang="en-US" b="1" dirty="0" smtClean="0"/>
+              <a:t>data</a:t>
+            </a:r>
+          </a:p>
+          <a:p>
+            <a:pPr marL="201168" lvl="1" indent="0">
+              <a:buNone/>
+            </a:pPr>
+            <a:r>
+              <a:rPr lang="en-US" dirty="0" smtClean="0"/>
+              <a:t>Nominal</a:t>
+            </a:r>
+          </a:p>
+          <a:p>
+            <a:pPr marL="201168" lvl="1" indent="0">
+              <a:buNone/>
+            </a:pPr>
+            <a:r>
+              <a:rPr lang="en-US" dirty="0" smtClean="0"/>
+              <a:t>Ordinal</a:t>
+            </a:r>
+          </a:p>
+          <a:p>
+            <a:pPr marL="201168" lvl="1" indent="0">
+              <a:buNone/>
+            </a:pPr>
+            <a:r>
+              <a:rPr lang="en-US" dirty="0" smtClean="0"/>
+              <a:t>Binary*</a:t>
+            </a:r>
+          </a:p>
+          <a:p>
+            <a:pPr marL="201168" lvl="1" indent="0">
+              <a:buNone/>
+            </a:pPr>
+            <a:endParaRPr lang="en-US" dirty="0"/>
+          </a:p>
+        </p:txBody>
+      </p:sp>
+      <p:sp>
+        <p:nvSpPr>
+          <p:cNvPr id="5" name="TextBox 4"/>
+          <p:cNvSpPr txBox="1"/>
+          <p:nvPr/>
+        </p:nvSpPr>
+        <p:spPr>
+          <a:xfrm>
+            <a:off x="1097280" y="1880795"/>
+            <a:ext cx="10058400" cy="769441"/>
+          </a:xfrm>
+          <a:prstGeom prst="rect">
+            <a:avLst/>
+          </a:prstGeom>
+          <a:noFill/>
+          <a:ln>
+            <a:noFill/>
+          </a:ln>
+        </p:spPr>
+        <p:txBody>
+          <a:bodyPr wrap="square" rtlCol="0">
+            <a:spAutoFit/>
+          </a:bodyPr>
+          <a:lstStyle/>
+          <a:p>
+            <a:r>
+              <a:rPr lang="en-US" sz="2600" dirty="0" smtClean="0"/>
+              <a:t>How you analyze and visualize data depends on the </a:t>
+            </a:r>
+            <a:r>
+              <a:rPr lang="en-US" sz="2600" i="1" dirty="0" smtClean="0"/>
+              <a:t>type</a:t>
+            </a:r>
+            <a:r>
+              <a:rPr lang="en-US" sz="2600" dirty="0" smtClean="0"/>
+              <a:t> of data you have</a:t>
+            </a:r>
+            <a:endParaRPr lang="en-US" sz="2600" dirty="0"/>
+          </a:p>
+          <a:p>
             <a:endParaRPr lang="en-US" dirty="0"/>
           </a:p>
         </p:txBody>
@@ -4972,7 +4874,7 @@
     </p:spTree>
     <p:extLst>
       <p:ext uri="{BB962C8B-B14F-4D97-AF65-F5344CB8AC3E}">
-        <p14:creationId xmlns:p14="http://schemas.microsoft.com/office/powerpoint/2010/main" val="158604534"/>
+        <p14:creationId xmlns:p14="http://schemas.microsoft.com/office/powerpoint/2010/main" val="748807992"/>
       </p:ext>
     </p:extLst>
   </p:cSld>
@@ -5016,7 +4918,7 @@
           <a:p>
             <a:r>
               <a:rPr lang="en-US" dirty="0" smtClean="0"/>
-              <a:t>Worksheet break, then R time</a:t>
+              <a:t>Quantitative data</a:t>
             </a:r>
             <a:endParaRPr lang="en-US" dirty="0"/>
           </a:p>
@@ -5037,14 +4939,1211 @@
           <a:bodyPr/>
           <a:lstStyle/>
           <a:p>
-            <a:endParaRPr lang="en-US"/>
+            <a:r>
+              <a:rPr lang="en-US" dirty="0" smtClean="0"/>
+              <a:t>Continuous </a:t>
+            </a:r>
+          </a:p>
+          <a:p>
+            <a:pPr lvl="1"/>
+            <a:r>
+              <a:rPr lang="en-US" dirty="0" smtClean="0"/>
+              <a:t>Any real-number value within some range</a:t>
+            </a:r>
+          </a:p>
+          <a:p>
+            <a:pPr lvl="1"/>
+            <a:endParaRPr lang="en-US" dirty="0"/>
+          </a:p>
+          <a:p>
+            <a:r>
+              <a:rPr lang="en-US" dirty="0" smtClean="0"/>
+              <a:t>Discrete </a:t>
+            </a:r>
+          </a:p>
+          <a:p>
+            <a:pPr lvl="1"/>
+            <a:r>
+              <a:rPr lang="en-US" dirty="0" smtClean="0"/>
+              <a:t>Values are in indivisible units, i.e. whole or counting numbers</a:t>
+            </a:r>
+          </a:p>
+          <a:p>
+            <a:pPr lvl="1"/>
+            <a:r>
+              <a:rPr lang="en-US" dirty="0" smtClean="0"/>
+              <a:t>Includes </a:t>
+            </a:r>
+            <a:r>
+              <a:rPr lang="en-US" b="1" dirty="0" smtClean="0"/>
+              <a:t>count data </a:t>
+            </a:r>
+            <a:r>
+              <a:rPr lang="en-US" dirty="0" smtClean="0"/>
+              <a:t>(number of cups of coffee per day, number of amino acids in a protein</a:t>
+            </a:r>
+            <a:r>
+              <a:rPr lang="mr-IN" dirty="0" smtClean="0"/>
+              <a:t>…</a:t>
+            </a:r>
+            <a:r>
+              <a:rPr lang="en-US" dirty="0" smtClean="0"/>
+              <a:t>)</a:t>
+            </a:r>
           </a:p>
         </p:txBody>
       </p:sp>
     </p:spTree>
     <p:extLst>
       <p:ext uri="{BB962C8B-B14F-4D97-AF65-F5344CB8AC3E}">
-        <p14:creationId xmlns:p14="http://schemas.microsoft.com/office/powerpoint/2010/main" val="31488772"/>
+        <p14:creationId xmlns:p14="http://schemas.microsoft.com/office/powerpoint/2010/main" val="494109554"/>
+      </p:ext>
+    </p:extLst>
+  </p:cSld>
+  <p:clrMapOvr>
+    <a:masterClrMapping/>
+  </p:clrMapOvr>
+</p:sld>
+</file>
+
+<file path=ppt/slides/slide15.xml><?xml version="1.0" encoding="utf-8"?>
+<p:sld xmlns:a="http://schemas.openxmlformats.org/drawingml/2006/main" xmlns:r="http://schemas.openxmlformats.org/officeDocument/2006/relationships" xmlns:p="http://schemas.openxmlformats.org/presentationml/2006/main">
+  <p:cSld>
+    <p:spTree>
+      <p:nvGrpSpPr>
+        <p:cNvPr id="1" name=""/>
+        <p:cNvGrpSpPr/>
+        <p:nvPr/>
+      </p:nvGrpSpPr>
+      <p:grpSpPr>
+        <a:xfrm>
+          <a:off x="0" y="0"/>
+          <a:ext cx="0" cy="0"/>
+          <a:chOff x="0" y="0"/>
+          <a:chExt cx="0" cy="0"/>
+        </a:xfrm>
+      </p:grpSpPr>
+      <p:sp>
+        <p:nvSpPr>
+          <p:cNvPr id="2" name="Title 1"/>
+          <p:cNvSpPr>
+            <a:spLocks noGrp="1"/>
+          </p:cNvSpPr>
+          <p:nvPr>
+            <p:ph type="title"/>
+          </p:nvPr>
+        </p:nvSpPr>
+        <p:spPr/>
+        <p:txBody>
+          <a:bodyPr/>
+          <a:lstStyle/>
+          <a:p>
+            <a:r>
+              <a:rPr lang="en-US" dirty="0" smtClean="0"/>
+              <a:t>Categorical data</a:t>
+            </a:r>
+            <a:endParaRPr lang="en-US" dirty="0"/>
+          </a:p>
+        </p:txBody>
+      </p:sp>
+      <p:sp>
+        <p:nvSpPr>
+          <p:cNvPr id="3" name="Content Placeholder 2"/>
+          <p:cNvSpPr>
+            <a:spLocks noGrp="1"/>
+          </p:cNvSpPr>
+          <p:nvPr>
+            <p:ph idx="1"/>
+          </p:nvPr>
+        </p:nvSpPr>
+        <p:spPr/>
+        <p:txBody>
+          <a:bodyPr/>
+          <a:lstStyle/>
+          <a:p>
+            <a:pPr marL="457200" indent="-457200">
+              <a:lnSpc>
+                <a:spcPct val="100000"/>
+              </a:lnSpc>
+              <a:spcBef>
+                <a:spcPts val="0"/>
+              </a:spcBef>
+              <a:spcAft>
+                <a:spcPts val="0"/>
+              </a:spcAft>
+              <a:buClrTx/>
+              <a:buSzTx/>
+            </a:pPr>
+            <a:r>
+              <a:rPr lang="en-US" dirty="0" smtClean="0"/>
+              <a:t>Nominal</a:t>
+            </a:r>
+          </a:p>
+          <a:p>
+            <a:pPr marL="609473" lvl="1" indent="-457200">
+              <a:lnSpc>
+                <a:spcPct val="100000"/>
+              </a:lnSpc>
+              <a:spcBef>
+                <a:spcPts val="0"/>
+              </a:spcBef>
+              <a:spcAft>
+                <a:spcPts val="0"/>
+              </a:spcAft>
+              <a:buClrTx/>
+              <a:buSzTx/>
+            </a:pPr>
+            <a:r>
+              <a:rPr lang="en-US" dirty="0" smtClean="0"/>
+              <a:t>Hair color, eye color, sex chromosome genotype (XX, XY, XO, XXY, XYY)</a:t>
+            </a:r>
+          </a:p>
+          <a:p>
+            <a:pPr marL="457200" indent="-457200">
+              <a:lnSpc>
+                <a:spcPct val="100000"/>
+              </a:lnSpc>
+              <a:spcBef>
+                <a:spcPts val="0"/>
+              </a:spcBef>
+              <a:spcAft>
+                <a:spcPts val="0"/>
+              </a:spcAft>
+              <a:buClrTx/>
+              <a:buSzTx/>
+            </a:pPr>
+            <a:endParaRPr lang="en-US" dirty="0"/>
+          </a:p>
+          <a:p>
+            <a:pPr marL="457200" indent="-457200">
+              <a:lnSpc>
+                <a:spcPct val="100000"/>
+              </a:lnSpc>
+              <a:spcBef>
+                <a:spcPts val="0"/>
+              </a:spcBef>
+              <a:spcAft>
+                <a:spcPts val="0"/>
+              </a:spcAft>
+              <a:buClrTx/>
+              <a:buSzTx/>
+            </a:pPr>
+            <a:r>
+              <a:rPr lang="en-US" dirty="0" smtClean="0"/>
+              <a:t>Ordinal</a:t>
+            </a:r>
+          </a:p>
+          <a:p>
+            <a:pPr marL="609473" lvl="1" indent="-457200">
+              <a:lnSpc>
+                <a:spcPct val="100000"/>
+              </a:lnSpc>
+              <a:spcBef>
+                <a:spcPts val="0"/>
+              </a:spcBef>
+              <a:spcAft>
+                <a:spcPts val="0"/>
+              </a:spcAft>
+              <a:buClrTx/>
+              <a:buSzTx/>
+            </a:pPr>
+            <a:r>
+              <a:rPr lang="en-US" dirty="0" smtClean="0"/>
+              <a:t>Categories with a </a:t>
+            </a:r>
+            <a:r>
+              <a:rPr lang="en-US" i="1" dirty="0" smtClean="0"/>
+              <a:t>natural ordering</a:t>
+            </a:r>
+            <a:endParaRPr lang="en-US" dirty="0" smtClean="0"/>
+          </a:p>
+          <a:p>
+            <a:pPr marL="609473" lvl="1" indent="-457200">
+              <a:lnSpc>
+                <a:spcPct val="100000"/>
+              </a:lnSpc>
+              <a:spcBef>
+                <a:spcPts val="0"/>
+              </a:spcBef>
+              <a:spcAft>
+                <a:spcPts val="0"/>
+              </a:spcAft>
+              <a:buClrTx/>
+              <a:buSzTx/>
+            </a:pPr>
+            <a:r>
+              <a:rPr lang="en-US" dirty="0" smtClean="0"/>
+              <a:t>Bad, fair, good, excellent</a:t>
+            </a:r>
+          </a:p>
+          <a:p>
+            <a:pPr marL="609473" lvl="1" indent="-457200">
+              <a:lnSpc>
+                <a:spcPct val="100000"/>
+              </a:lnSpc>
+              <a:spcBef>
+                <a:spcPts val="0"/>
+              </a:spcBef>
+              <a:spcAft>
+                <a:spcPts val="0"/>
+              </a:spcAft>
+              <a:buClrTx/>
+              <a:buSzTx/>
+            </a:pPr>
+            <a:r>
+              <a:rPr lang="en-US" dirty="0" smtClean="0"/>
+              <a:t>A, B, C, D</a:t>
+            </a:r>
+          </a:p>
+          <a:p>
+            <a:pPr marL="457200" indent="-457200">
+              <a:lnSpc>
+                <a:spcPct val="100000"/>
+              </a:lnSpc>
+              <a:spcBef>
+                <a:spcPts val="0"/>
+              </a:spcBef>
+              <a:spcAft>
+                <a:spcPts val="0"/>
+              </a:spcAft>
+              <a:buClrTx/>
+              <a:buSzTx/>
+            </a:pPr>
+            <a:endParaRPr lang="en-US" dirty="0"/>
+          </a:p>
+          <a:p>
+            <a:pPr marL="457200" indent="-457200">
+              <a:lnSpc>
+                <a:spcPct val="100000"/>
+              </a:lnSpc>
+              <a:spcBef>
+                <a:spcPts val="0"/>
+              </a:spcBef>
+              <a:spcAft>
+                <a:spcPts val="0"/>
+              </a:spcAft>
+              <a:buClrTx/>
+              <a:buSzTx/>
+            </a:pPr>
+            <a:r>
+              <a:rPr lang="en-US" dirty="0" smtClean="0"/>
+              <a:t>Binary</a:t>
+            </a:r>
+          </a:p>
+          <a:p>
+            <a:pPr marL="609473" lvl="1" indent="-457200">
+              <a:lnSpc>
+                <a:spcPct val="100000"/>
+              </a:lnSpc>
+              <a:spcBef>
+                <a:spcPts val="0"/>
+              </a:spcBef>
+              <a:spcAft>
+                <a:spcPts val="0"/>
+              </a:spcAft>
+              <a:buClrTx/>
+              <a:buSzTx/>
+            </a:pPr>
+            <a:r>
+              <a:rPr lang="en-US" dirty="0" smtClean="0"/>
+              <a:t>Yes/no, True/False</a:t>
+            </a:r>
+          </a:p>
+        </p:txBody>
+      </p:sp>
+    </p:spTree>
+    <p:extLst>
+      <p:ext uri="{BB962C8B-B14F-4D97-AF65-F5344CB8AC3E}">
+        <p14:creationId xmlns:p14="http://schemas.microsoft.com/office/powerpoint/2010/main" val="713694539"/>
+      </p:ext>
+    </p:extLst>
+  </p:cSld>
+  <p:clrMapOvr>
+    <a:masterClrMapping/>
+  </p:clrMapOvr>
+</p:sld>
+</file>
+
+<file path=ppt/slides/slide16.xml><?xml version="1.0" encoding="utf-8"?>
+<p:sld xmlns:a="http://schemas.openxmlformats.org/drawingml/2006/main" xmlns:r="http://schemas.openxmlformats.org/officeDocument/2006/relationships" xmlns:p="http://schemas.openxmlformats.org/presentationml/2006/main">
+  <p:cSld>
+    <p:spTree>
+      <p:nvGrpSpPr>
+        <p:cNvPr id="1" name=""/>
+        <p:cNvGrpSpPr/>
+        <p:nvPr/>
+      </p:nvGrpSpPr>
+      <p:grpSpPr>
+        <a:xfrm>
+          <a:off x="0" y="0"/>
+          <a:ext cx="0" cy="0"/>
+          <a:chOff x="0" y="0"/>
+          <a:chExt cx="0" cy="0"/>
+        </a:xfrm>
+      </p:grpSpPr>
+      <p:sp>
+        <p:nvSpPr>
+          <p:cNvPr id="2" name="Title 1"/>
+          <p:cNvSpPr>
+            <a:spLocks noGrp="1"/>
+          </p:cNvSpPr>
+          <p:nvPr>
+            <p:ph type="title"/>
+          </p:nvPr>
+        </p:nvSpPr>
+        <p:spPr/>
+        <p:txBody>
+          <a:bodyPr/>
+          <a:lstStyle/>
+          <a:p>
+            <a:r>
+              <a:rPr lang="en-US" dirty="0" smtClean="0"/>
+              <a:t>Measures of Location</a:t>
+            </a:r>
+            <a:endParaRPr lang="en-US" dirty="0"/>
+          </a:p>
+        </p:txBody>
+      </p:sp>
+      <mc:AlternateContent xmlns:mc="http://schemas.openxmlformats.org/markup-compatibility/2006">
+        <mc:Choice xmlns:a14="http://schemas.microsoft.com/office/drawing/2010/main" Requires="a14">
+          <p:sp>
+            <p:nvSpPr>
+              <p:cNvPr id="3" name="Content Placeholder 2"/>
+              <p:cNvSpPr>
+                <a:spLocks noGrp="1"/>
+              </p:cNvSpPr>
+              <p:nvPr>
+                <p:ph idx="1"/>
+              </p:nvPr>
+            </p:nvSpPr>
+            <p:spPr/>
+            <p:txBody>
+              <a:bodyPr numCol="2" spcCol="914400">
+                <a:normAutofit lnSpcReduction="10000"/>
+              </a:bodyPr>
+              <a:lstStyle/>
+              <a:p>
+                <a:pPr marL="11112" indent="0">
+                  <a:buNone/>
+                </a:pPr>
+                <a:r>
+                  <a:rPr lang="en-US" b="1" dirty="0" smtClean="0"/>
+                  <a:t>Continuous</a:t>
+                </a:r>
+                <a:endParaRPr lang="en-US" dirty="0" smtClean="0"/>
+              </a:p>
+              <a:p>
+                <a:pPr marL="11112" indent="0">
+                  <a:buNone/>
+                </a:pPr>
+                <a:endParaRPr lang="en-US" i="1" dirty="0" smtClean="0"/>
+              </a:p>
+              <a:p>
+                <a:pPr marL="11112" indent="0">
+                  <a:buNone/>
+                </a:pPr>
+                <a:r>
+                  <a:rPr lang="en-US" i="1" dirty="0" smtClean="0"/>
+                  <a:t>Mean</a:t>
+                </a:r>
+                <a:r>
+                  <a:rPr lang="en-US" dirty="0" smtClean="0"/>
+                  <a:t>:  </a:t>
+                </a:r>
+                <a14:m>
+                  <m:oMath xmlns:m="http://schemas.openxmlformats.org/officeDocument/2006/math">
+                    <m:acc>
+                      <m:accPr>
+                        <m:chr m:val="̅"/>
+                        <m:ctrlPr>
+                          <a:rPr lang="en-US" i="1" smtClean="0">
+                            <a:latin typeface="Cambria Math" charset="0"/>
+                          </a:rPr>
+                        </m:ctrlPr>
+                      </m:accPr>
+                      <m:e>
+                        <m:r>
+                          <a:rPr lang="en-US" b="0" i="1" smtClean="0">
+                            <a:latin typeface="Cambria Math" charset="0"/>
+                          </a:rPr>
+                          <m:t>𝑌</m:t>
+                        </m:r>
+                      </m:e>
+                    </m:acc>
+                    <m:r>
+                      <a:rPr lang="en-US" b="0" i="1" smtClean="0">
+                        <a:latin typeface="Cambria Math" charset="0"/>
+                      </a:rPr>
+                      <m:t>=</m:t>
+                    </m:r>
+                  </m:oMath>
+                </a14:m>
+                <a:r>
+                  <a:rPr lang="en-US" dirty="0" smtClean="0"/>
+                  <a:t> </a:t>
+                </a:r>
+                <a14:m>
+                  <m:oMath xmlns:m="http://schemas.openxmlformats.org/officeDocument/2006/math">
+                    <m:f>
+                      <m:fPr>
+                        <m:ctrlPr>
+                          <a:rPr lang="mr-IN" i="1">
+                            <a:latin typeface="Cambria Math" charset="0"/>
+                          </a:rPr>
+                        </m:ctrlPr>
+                      </m:fPr>
+                      <m:num>
+                        <m:r>
+                          <a:rPr lang="en-US" i="1">
+                            <a:latin typeface="Cambria Math" charset="0"/>
+                          </a:rPr>
+                          <m:t>1</m:t>
+                        </m:r>
+                      </m:num>
+                      <m:den>
+                        <m:r>
+                          <a:rPr lang="en-US" i="1">
+                            <a:latin typeface="Cambria Math" charset="0"/>
+                          </a:rPr>
+                          <m:t>𝑛</m:t>
+                        </m:r>
+                      </m:den>
+                    </m:f>
+                    <m:r>
+                      <a:rPr lang="en-US" b="0" i="1" smtClean="0">
+                        <a:latin typeface="Cambria Math" charset="0"/>
+                      </a:rPr>
+                      <m:t> </m:t>
+                    </m:r>
+                    <m:nary>
+                      <m:naryPr>
+                        <m:chr m:val="∑"/>
+                        <m:ctrlPr>
+                          <a:rPr lang="is-IS" i="1">
+                            <a:latin typeface="Cambria Math" charset="0"/>
+                          </a:rPr>
+                        </m:ctrlPr>
+                      </m:naryPr>
+                      <m:sub>
+                        <m:r>
+                          <m:rPr>
+                            <m:brk m:alnAt="23"/>
+                          </m:rPr>
+                          <a:rPr lang="en-US" i="1">
+                            <a:latin typeface="Cambria Math" charset="0"/>
+                          </a:rPr>
+                          <m:t>𝑖</m:t>
+                        </m:r>
+                        <m:r>
+                          <a:rPr lang="en-US" i="1">
+                            <a:latin typeface="Cambria Math" charset="0"/>
+                          </a:rPr>
+                          <m:t>=1</m:t>
+                        </m:r>
+                      </m:sub>
+                      <m:sup>
+                        <m:r>
+                          <a:rPr lang="en-US" i="1">
+                            <a:latin typeface="Cambria Math" charset="0"/>
+                          </a:rPr>
+                          <m:t>𝑛</m:t>
+                        </m:r>
+                      </m:sup>
+                      <m:e>
+                        <m:sSub>
+                          <m:sSubPr>
+                            <m:ctrlPr>
+                              <a:rPr lang="en-US" i="1">
+                                <a:latin typeface="Cambria Math" charset="0"/>
+                              </a:rPr>
+                            </m:ctrlPr>
+                          </m:sSubPr>
+                          <m:e>
+                            <m:r>
+                              <a:rPr lang="en-US" b="0" i="1" smtClean="0">
+                                <a:latin typeface="Cambria Math" charset="0"/>
+                              </a:rPr>
+                              <m:t>𝑌</m:t>
+                            </m:r>
+                          </m:e>
+                          <m:sub>
+                            <m:r>
+                              <a:rPr lang="en-US" i="1">
+                                <a:latin typeface="Cambria Math" charset="0"/>
+                              </a:rPr>
+                              <m:t>𝑖</m:t>
+                            </m:r>
+                          </m:sub>
+                        </m:sSub>
+                      </m:e>
+                    </m:nary>
+                  </m:oMath>
+                </a14:m>
+                <a:endParaRPr lang="en-US" dirty="0" smtClean="0"/>
+              </a:p>
+              <a:p>
+                <a:pPr marL="11112" indent="0">
+                  <a:buNone/>
+                </a:pPr>
+                <a:endParaRPr lang="en-US" dirty="0" smtClean="0"/>
+              </a:p>
+              <a:p>
+                <a:pPr marL="11112" indent="0">
+                  <a:buNone/>
+                </a:pPr>
+                <a:r>
+                  <a:rPr lang="en-US" i="1" dirty="0" smtClean="0"/>
+                  <a:t>Median</a:t>
+                </a:r>
+              </a:p>
+              <a:p>
+                <a:pPr lvl="1"/>
+                <a:r>
+                  <a:rPr lang="en-US" dirty="0" smtClean="0"/>
+                  <a:t>For odd </a:t>
+                </a:r>
+                <a:r>
+                  <a:rPr lang="en-US" i="1" dirty="0" smtClean="0"/>
+                  <a:t>n, </a:t>
+                </a:r>
+                <a:r>
+                  <a:rPr lang="en-US" dirty="0" smtClean="0"/>
+                  <a:t>the </a:t>
+                </a:r>
+                <a14:m>
+                  <m:oMath xmlns:m="http://schemas.openxmlformats.org/officeDocument/2006/math">
+                    <m:d>
+                      <m:dPr>
+                        <m:ctrlPr>
+                          <a:rPr lang="mr-IN" i="1" smtClean="0">
+                            <a:latin typeface="Cambria Math" charset="0"/>
+                          </a:rPr>
+                        </m:ctrlPr>
+                      </m:dPr>
+                      <m:e>
+                        <m:f>
+                          <m:fPr>
+                            <m:ctrlPr>
+                              <a:rPr lang="mr-IN" i="1">
+                                <a:latin typeface="Cambria Math" charset="0"/>
+                              </a:rPr>
+                            </m:ctrlPr>
+                          </m:fPr>
+                          <m:num>
+                            <m:r>
+                              <a:rPr lang="en-US" i="1">
+                                <a:latin typeface="Cambria Math" charset="0"/>
+                              </a:rPr>
+                              <m:t>𝑛</m:t>
+                            </m:r>
+                            <m:r>
+                              <a:rPr lang="en-US" i="1">
+                                <a:latin typeface="Cambria Math" charset="0"/>
+                              </a:rPr>
+                              <m:t>+1</m:t>
+                            </m:r>
+                          </m:num>
+                          <m:den>
+                            <m:r>
+                              <a:rPr lang="en-US" i="1">
+                                <a:latin typeface="Cambria Math" charset="0"/>
+                              </a:rPr>
+                              <m:t>2</m:t>
+                            </m:r>
+                          </m:den>
+                        </m:f>
+                      </m:e>
+                    </m:d>
+                  </m:oMath>
+                </a14:m>
+                <a:r>
+                  <a:rPr lang="en-US" i="1" dirty="0" err="1" smtClean="0"/>
+                  <a:t>th</a:t>
+                </a:r>
+                <a:r>
+                  <a:rPr lang="en-US" i="1" dirty="0" smtClean="0"/>
+                  <a:t> </a:t>
+                </a:r>
+                <a:r>
+                  <a:rPr lang="en-US" dirty="0" smtClean="0"/>
+                  <a:t>observation </a:t>
+                </a:r>
+              </a:p>
+              <a:p>
+                <a:pPr lvl="1"/>
+                <a:r>
+                  <a:rPr lang="en-US" dirty="0" smtClean="0"/>
+                  <a:t>For even </a:t>
+                </a:r>
+                <a:r>
+                  <a:rPr lang="en-US" i="1" dirty="0" smtClean="0"/>
+                  <a:t>n</a:t>
+                </a:r>
+                <a:r>
+                  <a:rPr lang="en-US" i="1" dirty="0"/>
+                  <a:t>, </a:t>
+                </a:r>
+                <a:r>
+                  <a:rPr lang="en-US" dirty="0"/>
+                  <a:t>the </a:t>
+                </a:r>
+                <a:r>
+                  <a:rPr lang="en-US" dirty="0" smtClean="0"/>
+                  <a:t>average of the  </a:t>
+                </a:r>
+                <a14:m>
+                  <m:oMath xmlns:m="http://schemas.openxmlformats.org/officeDocument/2006/math">
+                    <m:d>
+                      <m:dPr>
+                        <m:ctrlPr>
+                          <a:rPr lang="mr-IN" i="1">
+                            <a:latin typeface="Cambria Math" charset="0"/>
+                          </a:rPr>
+                        </m:ctrlPr>
+                      </m:dPr>
+                      <m:e>
+                        <m:f>
+                          <m:fPr>
+                            <m:ctrlPr>
+                              <a:rPr lang="mr-IN" i="1">
+                                <a:latin typeface="Cambria Math" charset="0"/>
+                              </a:rPr>
+                            </m:ctrlPr>
+                          </m:fPr>
+                          <m:num>
+                            <m:r>
+                              <a:rPr lang="en-US" i="1">
+                                <a:latin typeface="Cambria Math" charset="0"/>
+                              </a:rPr>
+                              <m:t>𝑛</m:t>
+                            </m:r>
+                          </m:num>
+                          <m:den>
+                            <m:r>
+                              <a:rPr lang="en-US" i="1">
+                                <a:latin typeface="Cambria Math" charset="0"/>
+                              </a:rPr>
+                              <m:t>2</m:t>
+                            </m:r>
+                          </m:den>
+                        </m:f>
+                      </m:e>
+                    </m:d>
+                  </m:oMath>
+                </a14:m>
+                <a:r>
+                  <a:rPr lang="en-US" i="1" dirty="0" err="1"/>
+                  <a:t>t</a:t>
+                </a:r>
+                <a:r>
+                  <a:rPr lang="en-US" i="1" dirty="0" smtClean="0"/>
+                  <a:t>h </a:t>
+                </a:r>
+                <a:r>
+                  <a:rPr lang="en-US" dirty="0" smtClean="0"/>
+                  <a:t>and</a:t>
+                </a:r>
+                <a:r>
+                  <a:rPr lang="en-US" i="1" dirty="0" smtClean="0"/>
+                  <a:t> </a:t>
+                </a:r>
+                <a14:m>
+                  <m:oMath xmlns:m="http://schemas.openxmlformats.org/officeDocument/2006/math">
+                    <m:r>
+                      <a:rPr lang="en-US" b="0" i="1" smtClean="0">
+                        <a:latin typeface="Cambria Math" charset="0"/>
+                      </a:rPr>
+                      <m:t> </m:t>
+                    </m:r>
+                    <m:d>
+                      <m:dPr>
+                        <m:ctrlPr>
+                          <a:rPr lang="mr-IN" i="1">
+                            <a:latin typeface="Cambria Math" charset="0"/>
+                          </a:rPr>
+                        </m:ctrlPr>
+                      </m:dPr>
+                      <m:e>
+                        <m:f>
+                          <m:fPr>
+                            <m:ctrlPr>
+                              <a:rPr lang="mr-IN" i="1" smtClean="0">
+                                <a:latin typeface="Cambria Math" charset="0"/>
+                              </a:rPr>
+                            </m:ctrlPr>
+                          </m:fPr>
+                          <m:num>
+                            <m:r>
+                              <a:rPr lang="en-US" i="1">
+                                <a:latin typeface="Cambria Math" charset="0"/>
+                              </a:rPr>
+                              <m:t>𝑛</m:t>
+                            </m:r>
+                          </m:num>
+                          <m:den>
+                            <m:r>
+                              <a:rPr lang="en-US" i="1">
+                                <a:latin typeface="Cambria Math" charset="0"/>
+                              </a:rPr>
+                              <m:t>2</m:t>
+                            </m:r>
+                          </m:den>
+                        </m:f>
+                        <m:r>
+                          <a:rPr lang="en-US" b="0" i="1" smtClean="0">
+                            <a:latin typeface="Cambria Math" charset="0"/>
+                          </a:rPr>
+                          <m:t>+1</m:t>
+                        </m:r>
+                      </m:e>
+                    </m:d>
+                  </m:oMath>
+                </a14:m>
+                <a:r>
+                  <a:rPr lang="en-US" i="1" dirty="0" err="1"/>
+                  <a:t>th</a:t>
+                </a:r>
+                <a:r>
+                  <a:rPr lang="en-US" i="1" dirty="0"/>
+                  <a:t> </a:t>
+                </a:r>
+                <a:r>
+                  <a:rPr lang="en-US" dirty="0"/>
+                  <a:t>observation </a:t>
+                </a:r>
+              </a:p>
+              <a:p>
+                <a:pPr marL="201168" lvl="1" indent="0">
+                  <a:buNone/>
+                </a:pPr>
+                <a:r>
+                  <a:rPr lang="en-US" sz="2600" b="1" dirty="0" smtClean="0"/>
+                  <a:t>Discrete</a:t>
+                </a:r>
+                <a:endParaRPr lang="en-US" sz="2600" b="1" dirty="0"/>
+              </a:p>
+              <a:p>
+                <a:pPr marL="201168" lvl="1" indent="0">
+                  <a:buNone/>
+                </a:pPr>
+                <a:endParaRPr lang="en-US" sz="2600" b="1" dirty="0" smtClean="0"/>
+              </a:p>
+              <a:p>
+                <a:pPr marL="201168" lvl="1" indent="0">
+                  <a:buNone/>
+                </a:pPr>
+                <a:endParaRPr lang="en-US" sz="2600" i="1" dirty="0" smtClean="0"/>
+              </a:p>
+              <a:p>
+                <a:pPr marL="201168" lvl="1" indent="0">
+                  <a:buNone/>
+                </a:pPr>
+                <a:r>
+                  <a:rPr lang="en-US" sz="2600" i="1" dirty="0" smtClean="0"/>
+                  <a:t>Median</a:t>
+                </a:r>
+                <a:endParaRPr lang="en-US" sz="2600" dirty="0" smtClean="0"/>
+              </a:p>
+              <a:p>
+                <a:pPr lvl="1"/>
+                <a:r>
+                  <a:rPr lang="en-US" dirty="0" smtClean="0"/>
+                  <a:t>The most frequent appearing observation in the distribution (commonly used for discrete data)</a:t>
+                </a:r>
+              </a:p>
+              <a:p>
+                <a:pPr lvl="1"/>
+                <a:r>
+                  <a:rPr lang="en-US" dirty="0" smtClean="0"/>
+                  <a:t>1, 2, 2, 2, 3, 4, 4, 5, 6  </a:t>
+                </a:r>
+                <a:r>
+                  <a:rPr lang="en-US" b="1" dirty="0" smtClean="0">
+                    <a:sym typeface="Wingdings"/>
+                  </a:rPr>
+                  <a:t> 2</a:t>
+                </a:r>
+                <a:endParaRPr lang="en-US" b="1" dirty="0" smtClean="0"/>
+              </a:p>
+              <a:p>
+                <a:endParaRPr lang="en-US" dirty="0"/>
+              </a:p>
+              <a:p>
+                <a:endParaRPr lang="en-US" dirty="0" smtClean="0"/>
+              </a:p>
+            </p:txBody>
+          </p:sp>
+        </mc:Choice>
+        <mc:Fallback>
+          <p:sp>
+            <p:nvSpPr>
+              <p:cNvPr id="3" name="Content Placeholder 2"/>
+              <p:cNvSpPr>
+                <a:spLocks noGrp="1" noRot="1" noChangeAspect="1" noMove="1" noResize="1" noEditPoints="1" noAdjustHandles="1" noChangeArrowheads="1" noChangeShapeType="1" noTextEdit="1"/>
+              </p:cNvSpPr>
+              <p:nvPr>
+                <p:ph idx="1"/>
+              </p:nvPr>
+            </p:nvSpPr>
+            <p:spPr>
+              <a:blipFill rotWithShape="0">
+                <a:blip r:embed="rId2"/>
+                <a:stretch>
+                  <a:fillRect l="-1879" t="-3030"/>
+                </a:stretch>
+              </a:blipFill>
+            </p:spPr>
+            <p:txBody>
+              <a:bodyPr/>
+              <a:lstStyle/>
+              <a:p>
+                <a:r>
+                  <a:rPr lang="en-US">
+                    <a:noFill/>
+                  </a:rPr>
+                  <a:t> </a:t>
+                </a:r>
+              </a:p>
+            </p:txBody>
+          </p:sp>
+        </mc:Fallback>
+      </mc:AlternateContent>
+    </p:spTree>
+    <p:extLst>
+      <p:ext uri="{BB962C8B-B14F-4D97-AF65-F5344CB8AC3E}">
+        <p14:creationId xmlns:p14="http://schemas.microsoft.com/office/powerpoint/2010/main" val="928041671"/>
+      </p:ext>
+    </p:extLst>
+  </p:cSld>
+  <p:clrMapOvr>
+    <a:masterClrMapping/>
+  </p:clrMapOvr>
+</p:sld>
+</file>
+
+<file path=ppt/slides/slide17.xml><?xml version="1.0" encoding="utf-8"?>
+<p:sld xmlns:a="http://schemas.openxmlformats.org/drawingml/2006/main" xmlns:r="http://schemas.openxmlformats.org/officeDocument/2006/relationships" xmlns:p="http://schemas.openxmlformats.org/presentationml/2006/main">
+  <p:cSld>
+    <p:spTree>
+      <p:nvGrpSpPr>
+        <p:cNvPr id="1" name=""/>
+        <p:cNvGrpSpPr/>
+        <p:nvPr/>
+      </p:nvGrpSpPr>
+      <p:grpSpPr>
+        <a:xfrm>
+          <a:off x="0" y="0"/>
+          <a:ext cx="0" cy="0"/>
+          <a:chOff x="0" y="0"/>
+          <a:chExt cx="0" cy="0"/>
+        </a:xfrm>
+      </p:grpSpPr>
+      <p:sp>
+        <p:nvSpPr>
+          <p:cNvPr id="2" name="Title 1"/>
+          <p:cNvSpPr>
+            <a:spLocks noGrp="1"/>
+          </p:cNvSpPr>
+          <p:nvPr>
+            <p:ph type="title"/>
+          </p:nvPr>
+        </p:nvSpPr>
+        <p:spPr/>
+        <p:txBody>
+          <a:bodyPr/>
+          <a:lstStyle/>
+          <a:p>
+            <a:r>
+              <a:rPr lang="en-US" dirty="0" smtClean="0"/>
+              <a:t>Measures of location in distributions</a:t>
+            </a:r>
+            <a:endParaRPr lang="en-US" dirty="0"/>
+          </a:p>
+        </p:txBody>
+      </p:sp>
+      <p:pic>
+        <p:nvPicPr>
+          <p:cNvPr id="4" name="Content Placeholder 3"/>
+          <p:cNvPicPr>
+            <a:picLocks noGrp="1" noChangeAspect="1"/>
+          </p:cNvPicPr>
+          <p:nvPr>
+            <p:ph idx="1"/>
+          </p:nvPr>
+        </p:nvPicPr>
+        <p:blipFill>
+          <a:blip r:embed="rId2">
+            <a:extLst>
+              <a:ext uri="{28A0092B-C50C-407E-A947-70E740481C1C}">
+                <a14:useLocalDpi xmlns:a14="http://schemas.microsoft.com/office/drawing/2010/main" val="0"/>
+              </a:ext>
+            </a:extLst>
+          </a:blip>
+          <a:stretch>
+            <a:fillRect/>
+          </a:stretch>
+        </p:blipFill>
+        <p:spPr>
+          <a:xfrm>
+            <a:off x="1723304" y="2055379"/>
+            <a:ext cx="8445500" cy="3632200"/>
+          </a:xfrm>
+        </p:spPr>
+      </p:pic>
+      <p:sp>
+        <p:nvSpPr>
+          <p:cNvPr id="5" name="TextBox 4"/>
+          <p:cNvSpPr txBox="1"/>
+          <p:nvPr/>
+        </p:nvSpPr>
+        <p:spPr>
+          <a:xfrm>
+            <a:off x="9492343" y="5181600"/>
+            <a:ext cx="2209800" cy="215444"/>
+          </a:xfrm>
+          <a:prstGeom prst="rect">
+            <a:avLst/>
+          </a:prstGeom>
+          <a:noFill/>
+        </p:spPr>
+        <p:txBody>
+          <a:bodyPr wrap="square" rtlCol="0">
+            <a:spAutoFit/>
+          </a:bodyPr>
+          <a:lstStyle/>
+          <a:p>
+            <a:r>
+              <a:rPr lang="en-US" sz="800" dirty="0"/>
+              <a:t>http://</a:t>
+            </a:r>
+            <a:r>
+              <a:rPr lang="en-US" sz="800" dirty="0" err="1"/>
+              <a:t>i.imgur.com</a:t>
+            </a:r>
+            <a:r>
+              <a:rPr lang="en-US" sz="800" dirty="0"/>
+              <a:t>/</a:t>
+            </a:r>
+            <a:r>
+              <a:rPr lang="en-US" sz="800" dirty="0" err="1"/>
+              <a:t>YSEYhha.jpg</a:t>
+            </a:r>
+            <a:endParaRPr lang="en-US" sz="800" dirty="0"/>
+          </a:p>
+        </p:txBody>
+      </p:sp>
+    </p:spTree>
+    <p:extLst>
+      <p:ext uri="{BB962C8B-B14F-4D97-AF65-F5344CB8AC3E}">
+        <p14:creationId xmlns:p14="http://schemas.microsoft.com/office/powerpoint/2010/main" val="1334062084"/>
+      </p:ext>
+    </p:extLst>
+  </p:cSld>
+  <p:clrMapOvr>
+    <a:masterClrMapping/>
+  </p:clrMapOvr>
+</p:sld>
+</file>
+
+<file path=ppt/slides/slide18.xml><?xml version="1.0" encoding="utf-8"?>
+<p:sld xmlns:a="http://schemas.openxmlformats.org/drawingml/2006/main" xmlns:r="http://schemas.openxmlformats.org/officeDocument/2006/relationships" xmlns:p="http://schemas.openxmlformats.org/presentationml/2006/main">
+  <p:cSld>
+    <p:spTree>
+      <p:nvGrpSpPr>
+        <p:cNvPr id="1" name=""/>
+        <p:cNvGrpSpPr/>
+        <p:nvPr/>
+      </p:nvGrpSpPr>
+      <p:grpSpPr>
+        <a:xfrm>
+          <a:off x="0" y="0"/>
+          <a:ext cx="0" cy="0"/>
+          <a:chOff x="0" y="0"/>
+          <a:chExt cx="0" cy="0"/>
+        </a:xfrm>
+      </p:grpSpPr>
+      <p:sp>
+        <p:nvSpPr>
+          <p:cNvPr id="2" name="Title 1"/>
+          <p:cNvSpPr>
+            <a:spLocks noGrp="1"/>
+          </p:cNvSpPr>
+          <p:nvPr>
+            <p:ph type="title"/>
+          </p:nvPr>
+        </p:nvSpPr>
+        <p:spPr/>
+        <p:txBody>
+          <a:bodyPr/>
+          <a:lstStyle/>
+          <a:p>
+            <a:r>
+              <a:rPr lang="en-US" dirty="0" smtClean="0"/>
+              <a:t>Measures of spread</a:t>
+            </a:r>
+            <a:endParaRPr lang="en-US" dirty="0"/>
+          </a:p>
+        </p:txBody>
+      </p:sp>
+      <p:sp>
+        <p:nvSpPr>
+          <p:cNvPr id="3" name="Content Placeholder 2"/>
+          <p:cNvSpPr>
+            <a:spLocks noGrp="1"/>
+          </p:cNvSpPr>
+          <p:nvPr>
+            <p:ph idx="1"/>
+          </p:nvPr>
+        </p:nvSpPr>
+        <p:spPr/>
+        <p:txBody>
+          <a:bodyPr/>
+          <a:lstStyle/>
+          <a:p>
+            <a:r>
+              <a:rPr lang="en-US" dirty="0" smtClean="0"/>
+              <a:t>Range</a:t>
+            </a:r>
+          </a:p>
+          <a:p>
+            <a:r>
+              <a:rPr lang="en-US" dirty="0" smtClean="0"/>
+              <a:t>Standard deviation and variance</a:t>
+            </a:r>
+            <a:endParaRPr lang="en-US" dirty="0" smtClean="0"/>
+          </a:p>
+          <a:p>
+            <a:r>
+              <a:rPr lang="en-US" dirty="0" smtClean="0"/>
+              <a:t>Interquartile range</a:t>
+            </a:r>
+            <a:endParaRPr lang="en-US" dirty="0" smtClean="0"/>
+          </a:p>
+          <a:p>
+            <a:endParaRPr lang="en-US" dirty="0"/>
+          </a:p>
+          <a:p>
+            <a:endParaRPr lang="en-US" dirty="0" smtClean="0"/>
+          </a:p>
+        </p:txBody>
+      </p:sp>
+    </p:spTree>
+    <p:extLst>
+      <p:ext uri="{BB962C8B-B14F-4D97-AF65-F5344CB8AC3E}">
+        <p14:creationId xmlns:p14="http://schemas.microsoft.com/office/powerpoint/2010/main" val="635756196"/>
+      </p:ext>
+    </p:extLst>
+  </p:cSld>
+  <p:clrMapOvr>
+    <a:masterClrMapping/>
+  </p:clrMapOvr>
+</p:sld>
+</file>
+
+<file path=ppt/slides/slide19.xml><?xml version="1.0" encoding="utf-8"?>
+<p:sld xmlns:a="http://schemas.openxmlformats.org/drawingml/2006/main" xmlns:r="http://schemas.openxmlformats.org/officeDocument/2006/relationships" xmlns:p="http://schemas.openxmlformats.org/presentationml/2006/main">
+  <p:cSld>
+    <p:spTree>
+      <p:nvGrpSpPr>
+        <p:cNvPr id="1" name=""/>
+        <p:cNvGrpSpPr/>
+        <p:nvPr/>
+      </p:nvGrpSpPr>
+      <p:grpSpPr>
+        <a:xfrm>
+          <a:off x="0" y="0"/>
+          <a:ext cx="0" cy="0"/>
+          <a:chOff x="0" y="0"/>
+          <a:chExt cx="0" cy="0"/>
+        </a:xfrm>
+      </p:grpSpPr>
+      <p:sp>
+        <p:nvSpPr>
+          <p:cNvPr id="2" name="Title 1"/>
+          <p:cNvSpPr>
+            <a:spLocks noGrp="1"/>
+          </p:cNvSpPr>
+          <p:nvPr>
+            <p:ph type="title"/>
+          </p:nvPr>
+        </p:nvSpPr>
+        <p:spPr/>
+        <p:txBody>
+          <a:bodyPr/>
+          <a:lstStyle/>
+          <a:p>
+            <a:r>
+              <a:rPr lang="en-US" dirty="0" smtClean="0"/>
+              <a:t>Range</a:t>
+            </a:r>
+            <a:endParaRPr lang="en-US" dirty="0"/>
+          </a:p>
+        </p:txBody>
+      </p:sp>
+      <p:sp>
+        <p:nvSpPr>
+          <p:cNvPr id="3" name="Content Placeholder 2"/>
+          <p:cNvSpPr>
+            <a:spLocks noGrp="1"/>
+          </p:cNvSpPr>
+          <p:nvPr>
+            <p:ph idx="1"/>
+          </p:nvPr>
+        </p:nvSpPr>
+        <p:spPr/>
+        <p:txBody>
+          <a:bodyPr/>
+          <a:lstStyle/>
+          <a:p>
+            <a:r>
+              <a:rPr lang="en-US" dirty="0" smtClean="0"/>
+              <a:t>2, 4, 6, 7, 9, 100, 105, 122, 500 </a:t>
+            </a:r>
+            <a:r>
+              <a:rPr lang="en-US" dirty="0" smtClean="0">
+                <a:sym typeface="Wingdings"/>
+              </a:rPr>
+              <a:t> </a:t>
+            </a:r>
+            <a:r>
+              <a:rPr lang="en-US" b="1" dirty="0" smtClean="0">
+                <a:sym typeface="Wingdings"/>
+              </a:rPr>
+              <a:t>498</a:t>
+            </a:r>
+          </a:p>
+          <a:p>
+            <a:endParaRPr lang="en-US" b="1" dirty="0">
+              <a:sym typeface="Wingdings"/>
+            </a:endParaRPr>
+          </a:p>
+          <a:p>
+            <a:r>
+              <a:rPr lang="en-US" dirty="0" smtClean="0">
+                <a:sym typeface="Wingdings"/>
+              </a:rPr>
+              <a:t>Not the most fantastic descriptor </a:t>
+            </a:r>
+            <a:r>
+              <a:rPr lang="mr-IN" dirty="0" smtClean="0">
+                <a:sym typeface="Wingdings"/>
+              </a:rPr>
+              <a:t>–</a:t>
+            </a:r>
+            <a:r>
+              <a:rPr lang="en-US" dirty="0" smtClean="0">
+                <a:sym typeface="Wingdings"/>
+              </a:rPr>
+              <a:t> hard to compare distributions with this quantity</a:t>
+            </a:r>
+            <a:endParaRPr lang="en-US" dirty="0"/>
+          </a:p>
+        </p:txBody>
+      </p:sp>
+    </p:spTree>
+    <p:extLst>
+      <p:ext uri="{BB962C8B-B14F-4D97-AF65-F5344CB8AC3E}">
+        <p14:creationId xmlns:p14="http://schemas.microsoft.com/office/powerpoint/2010/main" val="1058569576"/>
       </p:ext>
     </p:extLst>
   </p:cSld>
@@ -5169,6 +6268,2158 @@
     <p:extLst>
       <p:ext uri="{BB962C8B-B14F-4D97-AF65-F5344CB8AC3E}">
         <p14:creationId xmlns:p14="http://schemas.microsoft.com/office/powerpoint/2010/main" val="336754791"/>
+      </p:ext>
+    </p:extLst>
+  </p:cSld>
+  <p:clrMapOvr>
+    <a:masterClrMapping/>
+  </p:clrMapOvr>
+</p:sld>
+</file>
+
+<file path=ppt/slides/slide20.xml><?xml version="1.0" encoding="utf-8"?>
+<p:sld xmlns:a="http://schemas.openxmlformats.org/drawingml/2006/main" xmlns:r="http://schemas.openxmlformats.org/officeDocument/2006/relationships" xmlns:p="http://schemas.openxmlformats.org/presentationml/2006/main">
+  <p:cSld>
+    <p:spTree>
+      <p:nvGrpSpPr>
+        <p:cNvPr id="1" name=""/>
+        <p:cNvGrpSpPr/>
+        <p:nvPr/>
+      </p:nvGrpSpPr>
+      <p:grpSpPr>
+        <a:xfrm>
+          <a:off x="0" y="0"/>
+          <a:ext cx="0" cy="0"/>
+          <a:chOff x="0" y="0"/>
+          <a:chExt cx="0" cy="0"/>
+        </a:xfrm>
+      </p:grpSpPr>
+      <p:sp>
+        <p:nvSpPr>
+          <p:cNvPr id="2" name="Title 1"/>
+          <p:cNvSpPr>
+            <a:spLocks noGrp="1"/>
+          </p:cNvSpPr>
+          <p:nvPr>
+            <p:ph type="title"/>
+          </p:nvPr>
+        </p:nvSpPr>
+        <p:spPr/>
+        <p:txBody>
+          <a:bodyPr/>
+          <a:lstStyle/>
+          <a:p>
+            <a:r>
+              <a:rPr lang="en-US" dirty="0" smtClean="0"/>
+              <a:t>Standard deviation and variance</a:t>
+            </a:r>
+            <a:endParaRPr lang="en-US" dirty="0"/>
+          </a:p>
+        </p:txBody>
+      </p:sp>
+      <mc:AlternateContent xmlns:mc="http://schemas.openxmlformats.org/markup-compatibility/2006">
+        <mc:Choice xmlns:a14="http://schemas.microsoft.com/office/drawing/2010/main" Requires="a14">
+          <p:sp>
+            <p:nvSpPr>
+              <p:cNvPr id="3" name="Content Placeholder 2"/>
+              <p:cNvSpPr>
+                <a:spLocks noGrp="1"/>
+              </p:cNvSpPr>
+              <p:nvPr>
+                <p:ph idx="1"/>
+              </p:nvPr>
+            </p:nvSpPr>
+            <p:spPr/>
+            <p:txBody>
+              <a:bodyPr/>
+              <a:lstStyle/>
+              <a:p>
+                <a:r>
+                  <a:rPr lang="en-US" dirty="0" smtClean="0"/>
+                  <a:t>Generally discussed in the context of </a:t>
+                </a:r>
+                <a:r>
+                  <a:rPr lang="en-US" b="1" dirty="0" smtClean="0"/>
+                  <a:t>mean</a:t>
+                </a:r>
+              </a:p>
+              <a:p>
+                <a:endParaRPr lang="en-US" b="1" dirty="0"/>
+              </a:p>
+              <a:p>
+                <a:r>
+                  <a:rPr lang="en-US" b="1" dirty="0" smtClean="0"/>
+                  <a:t>Deviance</a:t>
+                </a:r>
+                <a:r>
+                  <a:rPr lang="en-US" dirty="0" smtClean="0"/>
+                  <a:t> describes how each </a:t>
+                </a:r>
+                <a:r>
+                  <a:rPr lang="en-US" i="1" dirty="0" smtClean="0"/>
+                  <a:t>n</a:t>
+                </a:r>
+                <a:r>
+                  <a:rPr lang="en-US" dirty="0" smtClean="0"/>
+                  <a:t>th data point </a:t>
+                </a:r>
+                <a:r>
+                  <a:rPr lang="en-US" i="1" dirty="0" smtClean="0"/>
+                  <a:t>deviates</a:t>
+                </a:r>
+                <a:r>
+                  <a:rPr lang="en-US" dirty="0" smtClean="0"/>
+                  <a:t> from mean </a:t>
+                </a:r>
+                <a14:m>
+                  <m:oMath xmlns:m="http://schemas.openxmlformats.org/officeDocument/2006/math">
+                    <m:acc>
+                      <m:accPr>
+                        <m:chr m:val="̅"/>
+                        <m:ctrlPr>
+                          <a:rPr lang="en-US" i="1" smtClean="0">
+                            <a:latin typeface="Cambria Math" charset="0"/>
+                          </a:rPr>
+                        </m:ctrlPr>
+                      </m:accPr>
+                      <m:e>
+                        <m:r>
+                          <a:rPr lang="en-US" b="0" i="1" smtClean="0">
+                            <a:latin typeface="Cambria Math" charset="0"/>
+                          </a:rPr>
+                          <m:t>𝑌</m:t>
+                        </m:r>
+                      </m:e>
+                    </m:acc>
+                  </m:oMath>
+                </a14:m>
+                <a:r>
+                  <a:rPr lang="en-US" dirty="0" smtClean="0"/>
+                  <a:t>: </a:t>
+                </a:r>
+              </a:p>
+              <a:p>
+                <a:pPr lvl="1"/>
+                <a14:m>
+                  <m:oMath xmlns:m="http://schemas.openxmlformats.org/officeDocument/2006/math">
+                    <m:sSub>
+                      <m:sSubPr>
+                        <m:ctrlPr>
+                          <a:rPr lang="en-US" i="1" smtClean="0">
+                            <a:latin typeface="Cambria Math" charset="0"/>
+                          </a:rPr>
+                        </m:ctrlPr>
+                      </m:sSubPr>
+                      <m:e>
+                        <m:r>
+                          <a:rPr lang="en-US" b="0" i="1" smtClean="0">
+                            <a:latin typeface="Cambria Math" charset="0"/>
+                          </a:rPr>
+                          <m:t>𝑌</m:t>
+                        </m:r>
+                      </m:e>
+                      <m:sub>
+                        <m:r>
+                          <a:rPr lang="en-US" b="0" i="1" smtClean="0">
+                            <a:latin typeface="Cambria Math" charset="0"/>
+                          </a:rPr>
+                          <m:t>1</m:t>
+                        </m:r>
+                      </m:sub>
+                    </m:sSub>
+                    <m:r>
+                      <a:rPr lang="en-US" b="1" i="0" smtClean="0">
+                        <a:latin typeface="Cambria Math" charset="0"/>
+                      </a:rPr>
+                      <m:t>− </m:t>
+                    </m:r>
+                    <m:acc>
+                      <m:accPr>
+                        <m:chr m:val="̅"/>
+                        <m:ctrlPr>
+                          <a:rPr lang="en-US" b="1" i="1" smtClean="0">
+                            <a:latin typeface="Cambria Math" charset="0"/>
+                          </a:rPr>
+                        </m:ctrlPr>
+                      </m:accPr>
+                      <m:e>
+                        <m:r>
+                          <a:rPr lang="en-US" b="0" i="1" smtClean="0">
+                            <a:latin typeface="Cambria Math" charset="0"/>
+                          </a:rPr>
+                          <m:t>𝑌</m:t>
+                        </m:r>
+                      </m:e>
+                    </m:acc>
+                    <m:r>
+                      <a:rPr lang="en-US" b="0" i="1" smtClean="0">
+                        <a:latin typeface="Cambria Math" charset="0"/>
+                      </a:rPr>
+                      <m:t>,  </m:t>
+                    </m:r>
+                    <m:sSub>
+                      <m:sSubPr>
+                        <m:ctrlPr>
+                          <a:rPr lang="en-US" i="1">
+                            <a:latin typeface="Cambria Math" charset="0"/>
+                          </a:rPr>
+                        </m:ctrlPr>
+                      </m:sSubPr>
+                      <m:e>
+                        <m:r>
+                          <a:rPr lang="en-US" b="0" i="1" smtClean="0">
+                            <a:latin typeface="Cambria Math" charset="0"/>
+                          </a:rPr>
+                          <m:t>𝑌</m:t>
+                        </m:r>
+                      </m:e>
+                      <m:sub>
+                        <m:r>
+                          <a:rPr lang="en-US" b="0" i="1" smtClean="0">
+                            <a:latin typeface="Cambria Math" charset="0"/>
+                          </a:rPr>
+                          <m:t>2</m:t>
+                        </m:r>
+                      </m:sub>
+                    </m:sSub>
+                    <m:r>
+                      <a:rPr lang="en-US" b="1">
+                        <a:latin typeface="Cambria Math" charset="0"/>
+                      </a:rPr>
+                      <m:t>− </m:t>
+                    </m:r>
+                    <m:acc>
+                      <m:accPr>
+                        <m:chr m:val="̅"/>
+                        <m:ctrlPr>
+                          <a:rPr lang="en-US" b="1" i="1">
+                            <a:latin typeface="Cambria Math" charset="0"/>
+                          </a:rPr>
+                        </m:ctrlPr>
+                      </m:accPr>
+                      <m:e>
+                        <m:r>
+                          <a:rPr lang="en-US" b="0" i="1" smtClean="0">
+                            <a:latin typeface="Cambria Math" charset="0"/>
+                          </a:rPr>
+                          <m:t>𝑌</m:t>
+                        </m:r>
+                      </m:e>
+                    </m:acc>
+                  </m:oMath>
+                </a14:m>
+                <a:r>
+                  <a:rPr lang="en-US" b="1" dirty="0" smtClean="0"/>
+                  <a:t>,  </a:t>
+                </a:r>
+                <a14:m>
+                  <m:oMath xmlns:m="http://schemas.openxmlformats.org/officeDocument/2006/math">
+                    <m:sSub>
+                      <m:sSubPr>
+                        <m:ctrlPr>
+                          <a:rPr lang="en-US" i="1">
+                            <a:latin typeface="Cambria Math" charset="0"/>
+                          </a:rPr>
+                        </m:ctrlPr>
+                      </m:sSubPr>
+                      <m:e>
+                        <m:r>
+                          <a:rPr lang="en-US" b="0" i="1" smtClean="0">
+                            <a:latin typeface="Cambria Math" charset="0"/>
+                          </a:rPr>
+                          <m:t>𝑌</m:t>
+                        </m:r>
+                      </m:e>
+                      <m:sub>
+                        <m:r>
+                          <a:rPr lang="en-US" b="0" i="1" smtClean="0">
+                            <a:latin typeface="Cambria Math" charset="0"/>
+                          </a:rPr>
+                          <m:t>3</m:t>
+                        </m:r>
+                      </m:sub>
+                    </m:sSub>
+                    <m:r>
+                      <a:rPr lang="en-US" b="1">
+                        <a:latin typeface="Cambria Math" charset="0"/>
+                      </a:rPr>
+                      <m:t>− </m:t>
+                    </m:r>
+                    <m:acc>
+                      <m:accPr>
+                        <m:chr m:val="̅"/>
+                        <m:ctrlPr>
+                          <a:rPr lang="en-US" b="1" i="1">
+                            <a:latin typeface="Cambria Math" charset="0"/>
+                          </a:rPr>
+                        </m:ctrlPr>
+                      </m:accPr>
+                      <m:e>
+                        <m:r>
+                          <a:rPr lang="en-US" b="0" i="1" smtClean="0">
+                            <a:latin typeface="Cambria Math" charset="0"/>
+                          </a:rPr>
+                          <m:t>𝑌</m:t>
+                        </m:r>
+                      </m:e>
+                    </m:acc>
+                  </m:oMath>
+                </a14:m>
+                <a:r>
+                  <a:rPr lang="en-US" b="1" dirty="0" smtClean="0"/>
+                  <a:t>, </a:t>
+                </a:r>
+                <a:r>
+                  <a:rPr lang="mr-IN" b="1" dirty="0" smtClean="0"/>
+                  <a:t>…</a:t>
+                </a:r>
+                <a:r>
+                  <a:rPr lang="en-US" b="1" dirty="0" smtClean="0"/>
+                  <a:t>,  </a:t>
+                </a:r>
+                <a14:m>
+                  <m:oMath xmlns:m="http://schemas.openxmlformats.org/officeDocument/2006/math">
+                    <m:sSub>
+                      <m:sSubPr>
+                        <m:ctrlPr>
+                          <a:rPr lang="en-US" i="1">
+                            <a:latin typeface="Cambria Math" charset="0"/>
+                          </a:rPr>
+                        </m:ctrlPr>
+                      </m:sSubPr>
+                      <m:e>
+                        <m:r>
+                          <a:rPr lang="en-US" b="0" i="1" smtClean="0">
+                            <a:latin typeface="Cambria Math" charset="0"/>
+                          </a:rPr>
+                          <m:t>𝑌</m:t>
+                        </m:r>
+                      </m:e>
+                      <m:sub>
+                        <m:r>
+                          <a:rPr lang="en-US" b="0" i="1" smtClean="0">
+                            <a:latin typeface="Cambria Math" charset="0"/>
+                          </a:rPr>
+                          <m:t>𝑛</m:t>
+                        </m:r>
+                      </m:sub>
+                    </m:sSub>
+                    <m:r>
+                      <a:rPr lang="en-US" b="1">
+                        <a:latin typeface="Cambria Math" charset="0"/>
+                      </a:rPr>
+                      <m:t>− </m:t>
+                    </m:r>
+                    <m:acc>
+                      <m:accPr>
+                        <m:chr m:val="̅"/>
+                        <m:ctrlPr>
+                          <a:rPr lang="en-US" b="1" i="1">
+                            <a:latin typeface="Cambria Math" charset="0"/>
+                          </a:rPr>
+                        </m:ctrlPr>
+                      </m:accPr>
+                      <m:e>
+                        <m:r>
+                          <a:rPr lang="en-US" b="0" i="1" smtClean="0">
+                            <a:latin typeface="Cambria Math" charset="0"/>
+                          </a:rPr>
+                          <m:t>𝑌</m:t>
+                        </m:r>
+                      </m:e>
+                    </m:acc>
+                  </m:oMath>
+                </a14:m>
+                <a:endParaRPr lang="en-US" b="1" dirty="0" smtClean="0"/>
+              </a:p>
+              <a:p>
+                <a:r>
+                  <a:rPr lang="en-US" b="1" dirty="0" smtClean="0"/>
+                  <a:t>Standard deviation</a:t>
+                </a:r>
+                <a:r>
+                  <a:rPr lang="en-US" dirty="0" smtClean="0"/>
+                  <a:t> of a sample</a:t>
+                </a:r>
+              </a:p>
+              <a:p>
+                <a:pPr lvl="1"/>
+                <a14:m>
+                  <m:oMath xmlns:m="http://schemas.openxmlformats.org/officeDocument/2006/math">
+                    <m:r>
+                      <a:rPr lang="en-US" b="0" i="1" smtClean="0">
+                        <a:latin typeface="Cambria Math" charset="0"/>
+                        <a:ea typeface="Cambria Math" charset="0"/>
+                        <a:cs typeface="Cambria Math" charset="0"/>
+                      </a:rPr>
+                      <m:t>𝑠</m:t>
+                    </m:r>
+                  </m:oMath>
+                </a14:m>
+                <a:r>
+                  <a:rPr lang="en-US" dirty="0" smtClean="0"/>
+                  <a:t> = </a:t>
+                </a:r>
+                <a14:m>
+                  <m:oMath xmlns:m="http://schemas.openxmlformats.org/officeDocument/2006/math">
+                    <m:f>
+                      <m:fPr>
+                        <m:ctrlPr>
+                          <a:rPr lang="mr-IN" i="1" smtClean="0">
+                            <a:latin typeface="Cambria Math" charset="0"/>
+                          </a:rPr>
+                        </m:ctrlPr>
+                      </m:fPr>
+                      <m:num>
+                        <m:r>
+                          <a:rPr lang="en-US" b="0" i="1" smtClean="0">
+                            <a:latin typeface="Cambria Math" charset="0"/>
+                          </a:rPr>
+                          <m:t>1</m:t>
+                        </m:r>
+                      </m:num>
+                      <m:den>
+                        <m:r>
+                          <a:rPr lang="en-US" b="0" i="1" smtClean="0">
+                            <a:latin typeface="Cambria Math" charset="0"/>
+                          </a:rPr>
+                          <m:t>𝑛</m:t>
+                        </m:r>
+                        <m:r>
+                          <a:rPr lang="en-US" b="0" i="1" smtClean="0">
+                            <a:latin typeface="Cambria Math" charset="0"/>
+                          </a:rPr>
+                          <m:t>−1</m:t>
+                        </m:r>
+                      </m:den>
+                    </m:f>
+                    <m:r>
+                      <a:rPr lang="en-US" b="0" i="1" smtClean="0">
+                        <a:latin typeface="Cambria Math" charset="0"/>
+                      </a:rPr>
+                      <m:t> </m:t>
+                    </m:r>
+                    <m:rad>
+                      <m:radPr>
+                        <m:degHide m:val="on"/>
+                        <m:ctrlPr>
+                          <a:rPr lang="en-US" i="1" smtClean="0">
+                            <a:latin typeface="Cambria Math" charset="0"/>
+                          </a:rPr>
+                        </m:ctrlPr>
+                      </m:radPr>
+                      <m:deg/>
+                      <m:e>
+                        <m:nary>
+                          <m:naryPr>
+                            <m:chr m:val="∑"/>
+                            <m:ctrlPr>
+                              <a:rPr lang="is-IS" i="1">
+                                <a:latin typeface="Cambria Math" charset="0"/>
+                              </a:rPr>
+                            </m:ctrlPr>
+                          </m:naryPr>
+                          <m:sub>
+                            <m:r>
+                              <m:rPr>
+                                <m:brk m:alnAt="23"/>
+                              </m:rPr>
+                              <a:rPr lang="en-US" b="0" i="1">
+                                <a:latin typeface="Cambria Math" charset="0"/>
+                              </a:rPr>
+                              <m:t>𝑖</m:t>
+                            </m:r>
+                            <m:r>
+                              <a:rPr lang="en-US" b="0" i="1">
+                                <a:latin typeface="Cambria Math" charset="0"/>
+                              </a:rPr>
+                              <m:t>=1</m:t>
+                            </m:r>
+                          </m:sub>
+                          <m:sup>
+                            <m:r>
+                              <a:rPr lang="en-US" b="0" i="1">
+                                <a:latin typeface="Cambria Math" charset="0"/>
+                              </a:rPr>
+                              <m:t>𝑛</m:t>
+                            </m:r>
+                          </m:sup>
+                          <m:e>
+                            <m:sSup>
+                              <m:sSupPr>
+                                <m:ctrlPr>
+                                  <a:rPr lang="en-US" i="1">
+                                    <a:latin typeface="Cambria Math" charset="0"/>
+                                  </a:rPr>
+                                </m:ctrlPr>
+                              </m:sSupPr>
+                              <m:e>
+                                <m:sSub>
+                                  <m:sSubPr>
+                                    <m:ctrlPr>
+                                      <a:rPr lang="en-US" i="1">
+                                        <a:latin typeface="Cambria Math" charset="0"/>
+                                      </a:rPr>
+                                    </m:ctrlPr>
+                                  </m:sSubPr>
+                                  <m:e>
+                                    <m:r>
+                                      <a:rPr lang="en-US" b="0" i="1">
+                                        <a:latin typeface="Cambria Math" charset="0"/>
+                                      </a:rPr>
+                                      <m:t>(</m:t>
+                                    </m:r>
+                                    <m:r>
+                                      <a:rPr lang="en-US" b="0" i="1" smtClean="0">
+                                        <a:latin typeface="Cambria Math" charset="0"/>
+                                      </a:rPr>
+                                      <m:t>𝑌</m:t>
+                                    </m:r>
+                                  </m:e>
+                                  <m:sub>
+                                    <m:r>
+                                      <a:rPr lang="en-US" b="0" i="1">
+                                        <a:latin typeface="Cambria Math" charset="0"/>
+                                      </a:rPr>
+                                      <m:t>𝑖</m:t>
+                                    </m:r>
+                                  </m:sub>
+                                </m:sSub>
+                                <m:r>
+                                  <a:rPr lang="en-US" b="0" i="1">
+                                    <a:latin typeface="Cambria Math" charset="0"/>
+                                  </a:rPr>
+                                  <m:t>−</m:t>
+                                </m:r>
+                                <m:acc>
+                                  <m:accPr>
+                                    <m:chr m:val="̅"/>
+                                    <m:ctrlPr>
+                                      <a:rPr lang="en-US" i="1" smtClean="0">
+                                        <a:latin typeface="Cambria Math" charset="0"/>
+                                      </a:rPr>
+                                    </m:ctrlPr>
+                                  </m:accPr>
+                                  <m:e>
+                                    <m:r>
+                                      <a:rPr lang="en-US" b="0" i="1" smtClean="0">
+                                        <a:latin typeface="Cambria Math" charset="0"/>
+                                      </a:rPr>
+                                      <m:t>𝑌</m:t>
+                                    </m:r>
+                                  </m:e>
+                                </m:acc>
+                                <m:r>
+                                  <a:rPr lang="en-US" b="0" i="1">
+                                    <a:latin typeface="Cambria Math" charset="0"/>
+                                  </a:rPr>
+                                  <m:t>)</m:t>
+                                </m:r>
+                              </m:e>
+                              <m:sup>
+                                <m:r>
+                                  <a:rPr lang="en-US" b="0" i="1">
+                                    <a:latin typeface="Cambria Math" charset="0"/>
+                                  </a:rPr>
+                                  <m:t>2</m:t>
+                                </m:r>
+                              </m:sup>
+                            </m:sSup>
+                          </m:e>
+                        </m:nary>
+                      </m:e>
+                    </m:rad>
+                    <m:r>
+                      <a:rPr lang="en-US" b="0" i="0" smtClean="0">
+                        <a:latin typeface="Cambria Math" charset="0"/>
+                      </a:rPr>
+                      <m:t>      </m:t>
+                    </m:r>
+                  </m:oMath>
+                </a14:m>
+                <a:endParaRPr lang="en-US" dirty="0" smtClean="0"/>
+              </a:p>
+              <a:p>
+                <a:r>
+                  <a:rPr lang="en-US" b="1" dirty="0" smtClean="0"/>
+                  <a:t>Variance</a:t>
+                </a:r>
+              </a:p>
+              <a:p>
+                <a:pPr lvl="1"/>
+                <a14:m>
+                  <m:oMath xmlns:m="http://schemas.openxmlformats.org/officeDocument/2006/math">
+                    <m:sSup>
+                      <m:sSupPr>
+                        <m:ctrlPr>
+                          <a:rPr lang="en-US" i="1" smtClean="0">
+                            <a:latin typeface="Cambria Math" charset="0"/>
+                          </a:rPr>
+                        </m:ctrlPr>
+                      </m:sSupPr>
+                      <m:e>
+                        <m:r>
+                          <a:rPr lang="en-US" b="0" i="1" smtClean="0">
+                            <a:latin typeface="Cambria Math" charset="0"/>
+                            <a:ea typeface="Cambria Math" charset="0"/>
+                            <a:cs typeface="Cambria Math" charset="0"/>
+                          </a:rPr>
+                          <m:t>𝑠</m:t>
+                        </m:r>
+                      </m:e>
+                      <m:sup>
+                        <m:r>
+                          <a:rPr lang="en-US" b="0" i="1" smtClean="0">
+                            <a:latin typeface="Cambria Math" charset="0"/>
+                          </a:rPr>
+                          <m:t>2</m:t>
+                        </m:r>
+                      </m:sup>
+                    </m:sSup>
+                  </m:oMath>
+                </a14:m>
+                <a:endParaRPr lang="en-US" dirty="0" smtClean="0"/>
+              </a:p>
+            </p:txBody>
+          </p:sp>
+        </mc:Choice>
+        <mc:Fallback>
+          <p:sp>
+            <p:nvSpPr>
+              <p:cNvPr id="3" name="Content Placeholder 2"/>
+              <p:cNvSpPr>
+                <a:spLocks noGrp="1" noRot="1" noChangeAspect="1" noMove="1" noResize="1" noEditPoints="1" noAdjustHandles="1" noChangeArrowheads="1" noChangeShapeType="1" noTextEdit="1"/>
+              </p:cNvSpPr>
+              <p:nvPr>
+                <p:ph idx="1"/>
+              </p:nvPr>
+            </p:nvSpPr>
+            <p:spPr>
+              <a:blipFill rotWithShape="0">
+                <a:blip r:embed="rId2"/>
+                <a:stretch>
+                  <a:fillRect l="-1939" t="-3030" b="-3333"/>
+                </a:stretch>
+              </a:blipFill>
+            </p:spPr>
+            <p:txBody>
+              <a:bodyPr/>
+              <a:lstStyle/>
+              <a:p>
+                <a:r>
+                  <a:rPr lang="en-US">
+                    <a:noFill/>
+                  </a:rPr>
+                  <a:t> </a:t>
+                </a:r>
+              </a:p>
+            </p:txBody>
+          </p:sp>
+        </mc:Fallback>
+      </mc:AlternateContent>
+    </p:spTree>
+    <p:extLst>
+      <p:ext uri="{BB962C8B-B14F-4D97-AF65-F5344CB8AC3E}">
+        <p14:creationId xmlns:p14="http://schemas.microsoft.com/office/powerpoint/2010/main" val="1851409238"/>
+      </p:ext>
+    </p:extLst>
+  </p:cSld>
+  <p:clrMapOvr>
+    <a:masterClrMapping/>
+  </p:clrMapOvr>
+</p:sld>
+</file>
+
+<file path=ppt/slides/slide21.xml><?xml version="1.0" encoding="utf-8"?>
+<p:sld xmlns:a="http://schemas.openxmlformats.org/drawingml/2006/main" xmlns:r="http://schemas.openxmlformats.org/officeDocument/2006/relationships" xmlns:p="http://schemas.openxmlformats.org/presentationml/2006/main">
+  <p:cSld>
+    <p:spTree>
+      <p:nvGrpSpPr>
+        <p:cNvPr id="1" name=""/>
+        <p:cNvGrpSpPr/>
+        <p:nvPr/>
+      </p:nvGrpSpPr>
+      <p:grpSpPr>
+        <a:xfrm>
+          <a:off x="0" y="0"/>
+          <a:ext cx="0" cy="0"/>
+          <a:chOff x="0" y="0"/>
+          <a:chExt cx="0" cy="0"/>
+        </a:xfrm>
+      </p:grpSpPr>
+      <p:sp>
+        <p:nvSpPr>
+          <p:cNvPr id="2" name="Title 1"/>
+          <p:cNvSpPr>
+            <a:spLocks noGrp="1"/>
+          </p:cNvSpPr>
+          <p:nvPr>
+            <p:ph type="title"/>
+          </p:nvPr>
+        </p:nvSpPr>
+        <p:spPr/>
+        <p:txBody>
+          <a:bodyPr/>
+          <a:lstStyle/>
+          <a:p>
+            <a:r>
+              <a:rPr lang="en-US" dirty="0" smtClean="0"/>
+              <a:t>Interquartile range</a:t>
+            </a:r>
+            <a:endParaRPr lang="en-US" dirty="0"/>
+          </a:p>
+        </p:txBody>
+      </p:sp>
+      <p:sp>
+        <p:nvSpPr>
+          <p:cNvPr id="3" name="Content Placeholder 2"/>
+          <p:cNvSpPr>
+            <a:spLocks noGrp="1"/>
+          </p:cNvSpPr>
+          <p:nvPr>
+            <p:ph idx="1"/>
+          </p:nvPr>
+        </p:nvSpPr>
+        <p:spPr>
+          <a:xfrm>
+            <a:off x="1097280" y="1845734"/>
+            <a:ext cx="10058400" cy="4337352"/>
+          </a:xfrm>
+        </p:spPr>
+        <p:txBody>
+          <a:bodyPr>
+            <a:normAutofit fontScale="92500" lnSpcReduction="20000"/>
+          </a:bodyPr>
+          <a:lstStyle/>
+          <a:p>
+            <a:r>
+              <a:rPr lang="en-US" dirty="0"/>
+              <a:t>Generally discussed in the context of </a:t>
+            </a:r>
+            <a:r>
+              <a:rPr lang="en-US" b="1" dirty="0" smtClean="0"/>
+              <a:t>median</a:t>
+            </a:r>
+          </a:p>
+          <a:p>
+            <a:endParaRPr lang="en-US" b="1" dirty="0"/>
+          </a:p>
+          <a:p>
+            <a:r>
+              <a:rPr lang="en-US" b="1" dirty="0" smtClean="0"/>
+              <a:t>Quartiles</a:t>
+            </a:r>
+            <a:r>
+              <a:rPr lang="en-US" b="1" i="1" dirty="0" smtClean="0"/>
+              <a:t> </a:t>
+            </a:r>
+            <a:r>
+              <a:rPr lang="en-US" dirty="0" smtClean="0"/>
+              <a:t>divide the data into four equal parts (“</a:t>
+            </a:r>
+            <a:r>
+              <a:rPr lang="en-US" dirty="0" err="1" smtClean="0"/>
+              <a:t>quar</a:t>
+            </a:r>
+            <a:r>
+              <a:rPr lang="en-US" dirty="0" smtClean="0"/>
+              <a:t>”!)</a:t>
+            </a:r>
+          </a:p>
+          <a:p>
+            <a:endParaRPr lang="en-US" dirty="0" smtClean="0"/>
+          </a:p>
+          <a:p>
+            <a:pPr marL="11112" indent="0" algn="ctr">
+              <a:buNone/>
+            </a:pPr>
+            <a:r>
+              <a:rPr lang="en-US" dirty="0" smtClean="0"/>
+              <a:t>62 64 68 </a:t>
+            </a:r>
+            <a:r>
+              <a:rPr lang="en-US" b="1" dirty="0" smtClean="0">
+                <a:solidFill>
+                  <a:srgbClr val="FF0000"/>
+                </a:solidFill>
+              </a:rPr>
+              <a:t>|</a:t>
+            </a:r>
+            <a:r>
+              <a:rPr lang="en-US" dirty="0" smtClean="0"/>
+              <a:t> 70 70 74 </a:t>
+            </a:r>
+            <a:r>
+              <a:rPr lang="en-US" b="1" dirty="0">
+                <a:solidFill>
+                  <a:srgbClr val="FF0000"/>
+                </a:solidFill>
+              </a:rPr>
+              <a:t>| </a:t>
+            </a:r>
+            <a:r>
+              <a:rPr lang="en-US" dirty="0" smtClean="0"/>
+              <a:t>74 75 76 </a:t>
+            </a:r>
+            <a:r>
+              <a:rPr lang="en-US" b="1" dirty="0">
+                <a:solidFill>
+                  <a:srgbClr val="FF0000"/>
+                </a:solidFill>
+              </a:rPr>
+              <a:t>|</a:t>
+            </a:r>
+            <a:r>
+              <a:rPr lang="en-US" dirty="0" smtClean="0"/>
+              <a:t> 78 78 80</a:t>
+            </a:r>
+          </a:p>
+          <a:p>
+            <a:pPr lvl="1"/>
+            <a:endParaRPr lang="en-US" dirty="0"/>
+          </a:p>
+          <a:p>
+            <a:endParaRPr lang="en-US" dirty="0" smtClean="0"/>
+          </a:p>
+          <a:p>
+            <a:r>
+              <a:rPr lang="en-US" b="1" dirty="0" smtClean="0"/>
+              <a:t>Interquartile range (IQR) </a:t>
+            </a:r>
+            <a:r>
+              <a:rPr lang="en-US" dirty="0" smtClean="0"/>
+              <a:t>is the difference between the third and first quartile</a:t>
+            </a:r>
+          </a:p>
+          <a:p>
+            <a:pPr lvl="1"/>
+            <a:r>
+              <a:rPr lang="en-US" dirty="0" smtClean="0">
+                <a:solidFill>
+                  <a:srgbClr val="FF0000"/>
+                </a:solidFill>
+              </a:rPr>
+              <a:t>Q3 </a:t>
+            </a:r>
+            <a:r>
+              <a:rPr lang="mr-IN" dirty="0" smtClean="0">
+                <a:solidFill>
+                  <a:srgbClr val="FF0000"/>
+                </a:solidFill>
+              </a:rPr>
+              <a:t>–</a:t>
+            </a:r>
+            <a:r>
+              <a:rPr lang="en-US" dirty="0" smtClean="0">
+                <a:solidFill>
+                  <a:srgbClr val="FF0000"/>
+                </a:solidFill>
+              </a:rPr>
+              <a:t> Q1 = 77 </a:t>
+            </a:r>
+            <a:r>
+              <a:rPr lang="mr-IN" dirty="0" smtClean="0">
+                <a:solidFill>
+                  <a:srgbClr val="FF0000"/>
+                </a:solidFill>
+              </a:rPr>
+              <a:t>–</a:t>
+            </a:r>
+            <a:r>
+              <a:rPr lang="en-US" dirty="0">
+                <a:solidFill>
+                  <a:srgbClr val="FF0000"/>
+                </a:solidFill>
+              </a:rPr>
+              <a:t> </a:t>
+            </a:r>
+            <a:r>
+              <a:rPr lang="en-US" dirty="0" smtClean="0">
+                <a:solidFill>
+                  <a:srgbClr val="FF0000"/>
+                </a:solidFill>
+              </a:rPr>
+              <a:t>69 = 8</a:t>
+            </a:r>
+          </a:p>
+          <a:p>
+            <a:pPr lvl="1"/>
+            <a:r>
+              <a:rPr lang="en-US" dirty="0" smtClean="0">
+                <a:solidFill>
+                  <a:schemeClr val="tx1"/>
+                </a:solidFill>
+              </a:rPr>
+              <a:t>How much of the data does the IQR encompass?</a:t>
+            </a:r>
+          </a:p>
+          <a:p>
+            <a:r>
+              <a:rPr lang="en-US" b="1" dirty="0" smtClean="0">
+                <a:solidFill>
+                  <a:schemeClr val="tx1"/>
+                </a:solidFill>
+              </a:rPr>
+              <a:t>Five number summary:</a:t>
+            </a:r>
+            <a:r>
+              <a:rPr lang="en-US" dirty="0" smtClean="0">
+                <a:solidFill>
+                  <a:schemeClr val="tx1"/>
+                </a:solidFill>
+              </a:rPr>
+              <a:t> min, Q1, median, Q3, max</a:t>
+            </a:r>
+            <a:endParaRPr lang="en-US" b="1" dirty="0">
+              <a:solidFill>
+                <a:schemeClr val="tx1"/>
+              </a:solidFill>
+            </a:endParaRPr>
+          </a:p>
+        </p:txBody>
+      </p:sp>
+      <p:sp>
+        <p:nvSpPr>
+          <p:cNvPr id="4" name="TextBox 3"/>
+          <p:cNvSpPr txBox="1"/>
+          <p:nvPr/>
+        </p:nvSpPr>
+        <p:spPr>
+          <a:xfrm>
+            <a:off x="4365171" y="4093029"/>
+            <a:ext cx="806631" cy="369332"/>
+          </a:xfrm>
+          <a:prstGeom prst="rect">
+            <a:avLst/>
+          </a:prstGeom>
+          <a:noFill/>
+        </p:spPr>
+        <p:txBody>
+          <a:bodyPr wrap="none" rtlCol="0">
+            <a:spAutoFit/>
+          </a:bodyPr>
+          <a:lstStyle/>
+          <a:p>
+            <a:r>
+              <a:rPr lang="en-US" dirty="0" smtClean="0">
+                <a:solidFill>
+                  <a:srgbClr val="FF0000"/>
+                </a:solidFill>
+              </a:rPr>
+              <a:t>Q1: 69</a:t>
+            </a:r>
+            <a:endParaRPr lang="en-US" dirty="0">
+              <a:solidFill>
+                <a:srgbClr val="FF0000"/>
+              </a:solidFill>
+            </a:endParaRPr>
+          </a:p>
+        </p:txBody>
+      </p:sp>
+      <p:sp>
+        <p:nvSpPr>
+          <p:cNvPr id="5" name="TextBox 4"/>
+          <p:cNvSpPr txBox="1"/>
+          <p:nvPr/>
+        </p:nvSpPr>
+        <p:spPr>
+          <a:xfrm>
+            <a:off x="7075714" y="4093029"/>
+            <a:ext cx="806631" cy="369332"/>
+          </a:xfrm>
+          <a:prstGeom prst="rect">
+            <a:avLst/>
+          </a:prstGeom>
+          <a:noFill/>
+        </p:spPr>
+        <p:txBody>
+          <a:bodyPr wrap="none" rtlCol="0">
+            <a:spAutoFit/>
+          </a:bodyPr>
+          <a:lstStyle/>
+          <a:p>
+            <a:r>
+              <a:rPr lang="en-US" dirty="0" smtClean="0">
+                <a:solidFill>
+                  <a:srgbClr val="FF0000"/>
+                </a:solidFill>
+              </a:rPr>
+              <a:t>Q3: 77</a:t>
+            </a:r>
+            <a:endParaRPr lang="en-US" dirty="0">
+              <a:solidFill>
+                <a:srgbClr val="FF0000"/>
+              </a:solidFill>
+            </a:endParaRPr>
+          </a:p>
+        </p:txBody>
+      </p:sp>
+      <p:sp>
+        <p:nvSpPr>
+          <p:cNvPr id="6" name="TextBox 5"/>
+          <p:cNvSpPr txBox="1"/>
+          <p:nvPr/>
+        </p:nvSpPr>
+        <p:spPr>
+          <a:xfrm>
+            <a:off x="5723164" y="3352800"/>
+            <a:ext cx="922047" cy="369332"/>
+          </a:xfrm>
+          <a:prstGeom prst="rect">
+            <a:avLst/>
+          </a:prstGeom>
+          <a:noFill/>
+        </p:spPr>
+        <p:txBody>
+          <a:bodyPr wrap="none" rtlCol="0">
+            <a:spAutoFit/>
+          </a:bodyPr>
+          <a:lstStyle/>
+          <a:p>
+            <a:r>
+              <a:rPr lang="en-US" dirty="0" smtClean="0">
+                <a:solidFill>
+                  <a:srgbClr val="FF0000"/>
+                </a:solidFill>
+              </a:rPr>
+              <a:t>Q2*: 74</a:t>
+            </a:r>
+            <a:endParaRPr lang="en-US" dirty="0">
+              <a:solidFill>
+                <a:srgbClr val="FF0000"/>
+              </a:solidFill>
+            </a:endParaRPr>
+          </a:p>
+        </p:txBody>
+      </p:sp>
+    </p:spTree>
+    <p:extLst>
+      <p:ext uri="{BB962C8B-B14F-4D97-AF65-F5344CB8AC3E}">
+        <p14:creationId xmlns:p14="http://schemas.microsoft.com/office/powerpoint/2010/main" val="1459066277"/>
+      </p:ext>
+    </p:extLst>
+  </p:cSld>
+  <p:clrMapOvr>
+    <a:masterClrMapping/>
+  </p:clrMapOvr>
+</p:sld>
+</file>
+
+<file path=ppt/slides/slide22.xml><?xml version="1.0" encoding="utf-8"?>
+<p:sld xmlns:a="http://schemas.openxmlformats.org/drawingml/2006/main" xmlns:r="http://schemas.openxmlformats.org/officeDocument/2006/relationships" xmlns:p="http://schemas.openxmlformats.org/presentationml/2006/main">
+  <p:cSld>
+    <p:spTree>
+      <p:nvGrpSpPr>
+        <p:cNvPr id="1" name=""/>
+        <p:cNvGrpSpPr/>
+        <p:nvPr/>
+      </p:nvGrpSpPr>
+      <p:grpSpPr>
+        <a:xfrm>
+          <a:off x="0" y="0"/>
+          <a:ext cx="0" cy="0"/>
+          <a:chOff x="0" y="0"/>
+          <a:chExt cx="0" cy="0"/>
+        </a:xfrm>
+      </p:grpSpPr>
+      <p:sp>
+        <p:nvSpPr>
+          <p:cNvPr id="2" name="Title 1"/>
+          <p:cNvSpPr>
+            <a:spLocks noGrp="1"/>
+          </p:cNvSpPr>
+          <p:nvPr>
+            <p:ph type="title"/>
+          </p:nvPr>
+        </p:nvSpPr>
+        <p:spPr/>
+        <p:txBody>
+          <a:bodyPr/>
+          <a:lstStyle/>
+          <a:p>
+            <a:r>
+              <a:rPr lang="en-US" dirty="0" smtClean="0"/>
+              <a:t>Comparing between “measurement families”</a:t>
+            </a:r>
+            <a:endParaRPr lang="en-US" dirty="0"/>
+          </a:p>
+        </p:txBody>
+      </p:sp>
+      <p:sp>
+        <p:nvSpPr>
+          <p:cNvPr id="3" name="Content Placeholder 2"/>
+          <p:cNvSpPr>
+            <a:spLocks noGrp="1"/>
+          </p:cNvSpPr>
+          <p:nvPr>
+            <p:ph idx="1"/>
+          </p:nvPr>
+        </p:nvSpPr>
+        <p:spPr/>
+        <p:txBody>
+          <a:bodyPr/>
+          <a:lstStyle/>
+          <a:p>
+            <a:r>
+              <a:rPr lang="en-US" dirty="0" smtClean="0"/>
+              <a:t>Median and IQR are much more robust to outliers/extremes compared to mean and </a:t>
+            </a:r>
+            <a:r>
+              <a:rPr lang="en-US" dirty="0" err="1" smtClean="0"/>
+              <a:t>sd</a:t>
+            </a:r>
+            <a:r>
+              <a:rPr lang="en-US" dirty="0" smtClean="0"/>
+              <a:t>/variance</a:t>
+            </a:r>
+          </a:p>
+          <a:p>
+            <a:endParaRPr lang="en-US" dirty="0"/>
+          </a:p>
+          <a:p>
+            <a:endParaRPr lang="en-US" dirty="0" smtClean="0"/>
+          </a:p>
+          <a:p>
+            <a:r>
+              <a:rPr lang="en-US" dirty="0" smtClean="0"/>
+              <a:t>[figure]</a:t>
+            </a:r>
+          </a:p>
+        </p:txBody>
+      </p:sp>
+    </p:spTree>
+    <p:extLst>
+      <p:ext uri="{BB962C8B-B14F-4D97-AF65-F5344CB8AC3E}">
+        <p14:creationId xmlns:p14="http://schemas.microsoft.com/office/powerpoint/2010/main" val="1312025139"/>
+      </p:ext>
+    </p:extLst>
+  </p:cSld>
+  <p:clrMapOvr>
+    <a:masterClrMapping/>
+  </p:clrMapOvr>
+</p:sld>
+</file>
+
+<file path=ppt/slides/slide23.xml><?xml version="1.0" encoding="utf-8"?>
+<p:sld xmlns:a="http://schemas.openxmlformats.org/drawingml/2006/main" xmlns:r="http://schemas.openxmlformats.org/officeDocument/2006/relationships" xmlns:p="http://schemas.openxmlformats.org/presentationml/2006/main">
+  <p:cSld>
+    <p:spTree>
+      <p:nvGrpSpPr>
+        <p:cNvPr id="1" name=""/>
+        <p:cNvGrpSpPr/>
+        <p:nvPr/>
+      </p:nvGrpSpPr>
+      <p:grpSpPr>
+        <a:xfrm>
+          <a:off x="0" y="0"/>
+          <a:ext cx="0" cy="0"/>
+          <a:chOff x="0" y="0"/>
+          <a:chExt cx="0" cy="0"/>
+        </a:xfrm>
+      </p:grpSpPr>
+      <p:sp>
+        <p:nvSpPr>
+          <p:cNvPr id="2" name="Title 1"/>
+          <p:cNvSpPr>
+            <a:spLocks noGrp="1"/>
+          </p:cNvSpPr>
+          <p:nvPr>
+            <p:ph type="title"/>
+          </p:nvPr>
+        </p:nvSpPr>
+        <p:spPr/>
+        <p:txBody>
+          <a:bodyPr/>
+          <a:lstStyle/>
+          <a:p>
+            <a:r>
+              <a:rPr lang="en-US" dirty="0" smtClean="0"/>
+              <a:t>Measures of variability</a:t>
+            </a:r>
+            <a:endParaRPr lang="en-US" dirty="0"/>
+          </a:p>
+        </p:txBody>
+      </p:sp>
+      <mc:AlternateContent xmlns:mc="http://schemas.openxmlformats.org/markup-compatibility/2006">
+        <mc:Choice xmlns:a14="http://schemas.microsoft.com/office/drawing/2010/main" Requires="a14">
+          <p:sp>
+            <p:nvSpPr>
+              <p:cNvPr id="3" name="Content Placeholder 2"/>
+              <p:cNvSpPr>
+                <a:spLocks noGrp="1"/>
+              </p:cNvSpPr>
+              <p:nvPr>
+                <p:ph idx="1"/>
+              </p:nvPr>
+            </p:nvSpPr>
+            <p:spPr/>
+            <p:txBody>
+              <a:bodyPr/>
+              <a:lstStyle/>
+              <a:p>
+                <a:r>
+                  <a:rPr lang="en-US" b="1" dirty="0" smtClean="0"/>
+                  <a:t>Coefficient of variation </a:t>
+                </a:r>
+                <a:r>
+                  <a:rPr lang="en-US" dirty="0" smtClean="0"/>
+                  <a:t>is the standard deviation expressed as a percentage of the mean (aka normalized)</a:t>
+                </a:r>
+              </a:p>
+              <a:p>
+                <a:endParaRPr lang="en-US" b="1" i="1" dirty="0" smtClean="0">
+                  <a:latin typeface="Cambria Math" charset="0"/>
+                </a:endParaRPr>
+              </a:p>
+              <a:p>
+                <a:pPr lvl="1"/>
+                <a14:m>
+                  <m:oMath xmlns:m="http://schemas.openxmlformats.org/officeDocument/2006/math">
+                    <m:r>
+                      <a:rPr lang="en-US" b="1" i="1" smtClean="0">
+                        <a:latin typeface="Cambria Math" charset="0"/>
+                      </a:rPr>
+                      <m:t>𝑪𝑶𝑽</m:t>
+                    </m:r>
+                    <m:r>
+                      <a:rPr lang="en-US" b="1" i="1" smtClean="0">
+                        <a:latin typeface="Cambria Math" charset="0"/>
+                      </a:rPr>
+                      <m:t>= </m:t>
+                    </m:r>
+                    <m:f>
+                      <m:fPr>
+                        <m:ctrlPr>
+                          <a:rPr lang="mr-IN" b="1" i="1" smtClean="0">
+                            <a:latin typeface="Cambria Math" charset="0"/>
+                          </a:rPr>
+                        </m:ctrlPr>
+                      </m:fPr>
+                      <m:num>
+                        <m:r>
+                          <a:rPr lang="en-US" b="1" i="1" smtClean="0">
+                            <a:latin typeface="Cambria Math" charset="0"/>
+                          </a:rPr>
+                          <m:t>𝒔</m:t>
+                        </m:r>
+                      </m:num>
+                      <m:den>
+                        <m:acc>
+                          <m:accPr>
+                            <m:chr m:val="̅"/>
+                            <m:ctrlPr>
+                              <a:rPr lang="mr-IN" b="1" i="1" smtClean="0">
+                                <a:latin typeface="Cambria Math" charset="0"/>
+                              </a:rPr>
+                            </m:ctrlPr>
+                          </m:accPr>
+                          <m:e>
+                            <m:r>
+                              <a:rPr lang="en-US" b="1" i="1" smtClean="0">
+                                <a:latin typeface="Cambria Math" charset="0"/>
+                              </a:rPr>
+                              <m:t>𝒀</m:t>
+                            </m:r>
+                          </m:e>
+                        </m:acc>
+                      </m:den>
+                    </m:f>
+                    <m:r>
+                      <a:rPr lang="mr-IN" b="1" i="1" smtClean="0">
+                        <a:latin typeface="Cambria Math" charset="0"/>
+                        <a:ea typeface="Cambria Math" charset="0"/>
+                        <a:cs typeface="Cambria Math" charset="0"/>
+                      </a:rPr>
+                      <m:t>×</m:t>
+                    </m:r>
+                    <m:r>
+                      <a:rPr lang="en-US" b="1" i="1" smtClean="0">
+                        <a:latin typeface="Cambria Math" charset="0"/>
+                        <a:ea typeface="Cambria Math" charset="0"/>
+                        <a:cs typeface="Cambria Math" charset="0"/>
+                      </a:rPr>
+                      <m:t>𝟏𝟎𝟎</m:t>
+                    </m:r>
+                    <m:r>
+                      <a:rPr lang="en-US" b="1" i="1" smtClean="0">
+                        <a:latin typeface="Cambria Math" charset="0"/>
+                        <a:ea typeface="Cambria Math" charset="0"/>
+                        <a:cs typeface="Cambria Math" charset="0"/>
+                      </a:rPr>
+                      <m:t>%</m:t>
+                    </m:r>
+                  </m:oMath>
+                </a14:m>
+                <a:endParaRPr lang="en-US" b="1" dirty="0" smtClean="0"/>
+              </a:p>
+              <a:p>
+                <a:pPr lvl="1"/>
+                <a:endParaRPr lang="en-US" b="1" dirty="0"/>
+              </a:p>
+              <a:p>
+                <a:pPr lvl="1"/>
+                <a:r>
+                  <a:rPr lang="en-US" dirty="0"/>
+                  <a:t>Useful measure for comparing variability between two differently-scaled </a:t>
+                </a:r>
+                <a:r>
+                  <a:rPr lang="en-US" dirty="0" smtClean="0"/>
+                  <a:t>datasets</a:t>
+                </a:r>
+                <a:r>
+                  <a:rPr lang="en-US" b="1" dirty="0" smtClean="0"/>
+                  <a:t> </a:t>
+                </a:r>
+                <a:endParaRPr lang="en-US" b="1" dirty="0"/>
+              </a:p>
+            </p:txBody>
+          </p:sp>
+        </mc:Choice>
+        <mc:Fallback>
+          <p:sp>
+            <p:nvSpPr>
+              <p:cNvPr id="3" name="Content Placeholder 2"/>
+              <p:cNvSpPr>
+                <a:spLocks noGrp="1" noRot="1" noChangeAspect="1" noMove="1" noResize="1" noEditPoints="1" noAdjustHandles="1" noChangeArrowheads="1" noChangeShapeType="1" noTextEdit="1"/>
+              </p:cNvSpPr>
+              <p:nvPr>
+                <p:ph idx="1"/>
+              </p:nvPr>
+            </p:nvSpPr>
+            <p:spPr>
+              <a:blipFill rotWithShape="0">
+                <a:blip r:embed="rId2"/>
+                <a:stretch>
+                  <a:fillRect l="-1939" t="-3030"/>
+                </a:stretch>
+              </a:blipFill>
+            </p:spPr>
+            <p:txBody>
+              <a:bodyPr/>
+              <a:lstStyle/>
+              <a:p>
+                <a:r>
+                  <a:rPr lang="en-US">
+                    <a:noFill/>
+                  </a:rPr>
+                  <a:t> </a:t>
+                </a:r>
+              </a:p>
+            </p:txBody>
+          </p:sp>
+        </mc:Fallback>
+      </mc:AlternateContent>
+    </p:spTree>
+    <p:extLst>
+      <p:ext uri="{BB962C8B-B14F-4D97-AF65-F5344CB8AC3E}">
+        <p14:creationId xmlns:p14="http://schemas.microsoft.com/office/powerpoint/2010/main" val="1702360421"/>
+      </p:ext>
+    </p:extLst>
+  </p:cSld>
+  <p:clrMapOvr>
+    <a:masterClrMapping/>
+  </p:clrMapOvr>
+</p:sld>
+</file>
+
+<file path=ppt/slides/slide24.xml><?xml version="1.0" encoding="utf-8"?>
+<p:sld xmlns:a="http://schemas.openxmlformats.org/drawingml/2006/main" xmlns:r="http://schemas.openxmlformats.org/officeDocument/2006/relationships" xmlns:p="http://schemas.openxmlformats.org/presentationml/2006/main">
+  <p:cSld>
+    <p:spTree>
+      <p:nvGrpSpPr>
+        <p:cNvPr id="1" name=""/>
+        <p:cNvGrpSpPr/>
+        <p:nvPr/>
+      </p:nvGrpSpPr>
+      <p:grpSpPr>
+        <a:xfrm>
+          <a:off x="0" y="0"/>
+          <a:ext cx="0" cy="0"/>
+          <a:chOff x="0" y="0"/>
+          <a:chExt cx="0" cy="0"/>
+        </a:xfrm>
+      </p:grpSpPr>
+      <p:sp>
+        <p:nvSpPr>
+          <p:cNvPr id="2" name="Title 1"/>
+          <p:cNvSpPr>
+            <a:spLocks noGrp="1"/>
+          </p:cNvSpPr>
+          <p:nvPr>
+            <p:ph type="title"/>
+          </p:nvPr>
+        </p:nvSpPr>
+        <p:spPr/>
+        <p:txBody>
+          <a:bodyPr/>
+          <a:lstStyle/>
+          <a:p>
+            <a:r>
+              <a:rPr lang="en-US" dirty="0" smtClean="0"/>
+              <a:t>Visualizing data</a:t>
+            </a:r>
+            <a:endParaRPr lang="en-US" dirty="0"/>
+          </a:p>
+        </p:txBody>
+      </p:sp>
+      <p:sp>
+        <p:nvSpPr>
+          <p:cNvPr id="3" name="Content Placeholder 2"/>
+          <p:cNvSpPr>
+            <a:spLocks noGrp="1"/>
+          </p:cNvSpPr>
+          <p:nvPr>
+            <p:ph idx="1"/>
+          </p:nvPr>
+        </p:nvSpPr>
+        <p:spPr/>
+        <p:txBody>
+          <a:bodyPr>
+            <a:normAutofit lnSpcReduction="10000"/>
+          </a:bodyPr>
+          <a:lstStyle/>
+          <a:p>
+            <a:pPr marL="0" indent="0">
+              <a:lnSpc>
+                <a:spcPct val="100000"/>
+              </a:lnSpc>
+              <a:spcBef>
+                <a:spcPts val="0"/>
+              </a:spcBef>
+              <a:spcAft>
+                <a:spcPts val="0"/>
+              </a:spcAft>
+              <a:buClrTx/>
+              <a:buSzTx/>
+              <a:buNone/>
+              <a:defRPr/>
+            </a:pPr>
+            <a:r>
+              <a:rPr lang="en-US" dirty="0" smtClean="0"/>
+              <a:t>Different types of plots are used to represent different types of data</a:t>
+            </a:r>
+          </a:p>
+          <a:p>
+            <a:pPr marL="609473" lvl="1" indent="-457200">
+              <a:lnSpc>
+                <a:spcPct val="100000"/>
+              </a:lnSpc>
+              <a:spcBef>
+                <a:spcPts val="0"/>
+              </a:spcBef>
+              <a:spcAft>
+                <a:spcPts val="0"/>
+              </a:spcAft>
+              <a:buClrTx/>
+              <a:buSzTx/>
+              <a:defRPr/>
+            </a:pPr>
+            <a:endParaRPr lang="en-US" dirty="0" smtClean="0"/>
+          </a:p>
+          <a:p>
+            <a:pPr marL="152273" lvl="1" indent="0">
+              <a:lnSpc>
+                <a:spcPct val="100000"/>
+              </a:lnSpc>
+              <a:spcBef>
+                <a:spcPts val="0"/>
+              </a:spcBef>
+              <a:spcAft>
+                <a:spcPts val="0"/>
+              </a:spcAft>
+              <a:buClrTx/>
+              <a:buSzTx/>
+              <a:buNone/>
+              <a:defRPr/>
+            </a:pPr>
+            <a:r>
+              <a:rPr lang="en-US" b="1" dirty="0" smtClean="0"/>
+              <a:t>Continuous data				Categorical data</a:t>
+            </a:r>
+          </a:p>
+          <a:p>
+            <a:pPr marL="335153" lvl="2" indent="0">
+              <a:lnSpc>
+                <a:spcPct val="100000"/>
+              </a:lnSpc>
+              <a:spcBef>
+                <a:spcPts val="0"/>
+              </a:spcBef>
+              <a:spcAft>
+                <a:spcPts val="0"/>
+              </a:spcAft>
+              <a:buClrTx/>
+              <a:buSzTx/>
+              <a:buNone/>
+              <a:defRPr/>
+            </a:pPr>
+            <a:r>
+              <a:rPr lang="en-US" dirty="0" smtClean="0"/>
+              <a:t>Histogram/density plot		   		    Bar plot</a:t>
+            </a:r>
+          </a:p>
+          <a:p>
+            <a:pPr marL="335153" lvl="2" indent="0">
+              <a:lnSpc>
+                <a:spcPct val="100000"/>
+              </a:lnSpc>
+              <a:spcBef>
+                <a:spcPts val="0"/>
+              </a:spcBef>
+              <a:spcAft>
+                <a:spcPts val="0"/>
+              </a:spcAft>
+              <a:buClrTx/>
+              <a:buSzTx/>
+              <a:buNone/>
+              <a:defRPr/>
+            </a:pPr>
+            <a:r>
+              <a:rPr lang="en-US" dirty="0" smtClean="0"/>
+              <a:t>Boxplot                                                                                         Line plot*</a:t>
+            </a:r>
+          </a:p>
+          <a:p>
+            <a:pPr marL="335153" lvl="2" indent="0">
+              <a:lnSpc>
+                <a:spcPct val="100000"/>
+              </a:lnSpc>
+              <a:spcBef>
+                <a:spcPts val="0"/>
+              </a:spcBef>
+              <a:spcAft>
+                <a:spcPts val="0"/>
+              </a:spcAft>
+              <a:buClrTx/>
+              <a:buSzTx/>
+              <a:buNone/>
+              <a:defRPr/>
+            </a:pPr>
+            <a:r>
+              <a:rPr lang="en-US" dirty="0" smtClean="0"/>
+              <a:t>Violin plot</a:t>
+            </a:r>
+            <a:endParaRPr lang="en-US" dirty="0"/>
+          </a:p>
+          <a:p>
+            <a:pPr marL="152273" lvl="1" indent="0">
+              <a:lnSpc>
+                <a:spcPct val="100000"/>
+              </a:lnSpc>
+              <a:spcBef>
+                <a:spcPts val="0"/>
+              </a:spcBef>
+              <a:spcAft>
+                <a:spcPts val="0"/>
+              </a:spcAft>
+              <a:buClrTx/>
+              <a:buSzTx/>
+              <a:buNone/>
+              <a:defRPr/>
+            </a:pPr>
+            <a:endParaRPr lang="en-US" b="1" dirty="0" smtClean="0"/>
+          </a:p>
+          <a:p>
+            <a:pPr marL="152273" lvl="1" indent="0">
+              <a:lnSpc>
+                <a:spcPct val="100000"/>
+              </a:lnSpc>
+              <a:spcBef>
+                <a:spcPts val="0"/>
+              </a:spcBef>
+              <a:spcAft>
+                <a:spcPts val="0"/>
+              </a:spcAft>
+              <a:buClrTx/>
+              <a:buSzTx/>
+              <a:buNone/>
+              <a:defRPr/>
+            </a:pPr>
+            <a:r>
+              <a:rPr lang="en-US" b="1" dirty="0" smtClean="0"/>
+              <a:t>Comparing two continuous variables		</a:t>
+            </a:r>
+            <a:r>
+              <a:rPr lang="en-US" b="1" dirty="0">
+                <a:solidFill>
+                  <a:schemeClr val="bg1">
+                    <a:lumMod val="75000"/>
+                  </a:schemeClr>
+                </a:solidFill>
+              </a:rPr>
+              <a:t>Comparing two categorical </a:t>
+            </a:r>
+            <a:r>
+              <a:rPr lang="en-US" b="1" dirty="0" smtClean="0">
+                <a:solidFill>
+                  <a:schemeClr val="bg1">
+                    <a:lumMod val="75000"/>
+                  </a:schemeClr>
+                </a:solidFill>
+              </a:rPr>
+              <a:t>variables</a:t>
+            </a:r>
+            <a:endParaRPr lang="en-US" b="1" dirty="0" smtClean="0"/>
+          </a:p>
+          <a:p>
+            <a:pPr marL="335153" lvl="2" indent="0">
+              <a:lnSpc>
+                <a:spcPct val="100000"/>
+              </a:lnSpc>
+              <a:spcBef>
+                <a:spcPts val="0"/>
+              </a:spcBef>
+              <a:spcAft>
+                <a:spcPts val="0"/>
+              </a:spcAft>
+              <a:buClrTx/>
+              <a:buSzTx/>
+              <a:buNone/>
+              <a:defRPr/>
+            </a:pPr>
+            <a:r>
+              <a:rPr lang="en-US" dirty="0" smtClean="0"/>
+              <a:t>Scatterplot					     </a:t>
+            </a:r>
+            <a:r>
+              <a:rPr lang="en-US" dirty="0" smtClean="0">
+                <a:solidFill>
+                  <a:schemeClr val="bg1">
+                    <a:lumMod val="75000"/>
+                  </a:schemeClr>
+                </a:solidFill>
+              </a:rPr>
+              <a:t>Interaction </a:t>
+            </a:r>
+            <a:r>
+              <a:rPr lang="en-US" dirty="0">
+                <a:solidFill>
+                  <a:schemeClr val="bg1">
+                    <a:lumMod val="75000"/>
+                  </a:schemeClr>
+                </a:solidFill>
+              </a:rPr>
+              <a:t>plot</a:t>
+            </a:r>
+          </a:p>
+          <a:p>
+            <a:pPr marL="335153" lvl="2" indent="0">
+              <a:lnSpc>
+                <a:spcPct val="100000"/>
+              </a:lnSpc>
+              <a:spcBef>
+                <a:spcPts val="0"/>
+              </a:spcBef>
+              <a:spcAft>
+                <a:spcPts val="0"/>
+              </a:spcAft>
+              <a:buClrTx/>
+              <a:buSzTx/>
+              <a:buNone/>
+              <a:defRPr/>
+            </a:pPr>
+            <a:endParaRPr lang="en-US" dirty="0"/>
+          </a:p>
+          <a:p>
+            <a:pPr marL="335153" lvl="2" indent="0">
+              <a:lnSpc>
+                <a:spcPct val="100000"/>
+              </a:lnSpc>
+              <a:spcBef>
+                <a:spcPts val="0"/>
+              </a:spcBef>
+              <a:spcAft>
+                <a:spcPts val="0"/>
+              </a:spcAft>
+              <a:buClrTx/>
+              <a:buSzTx/>
+              <a:buNone/>
+              <a:defRPr/>
+            </a:pPr>
+            <a:endParaRPr lang="en-US" dirty="0" smtClean="0"/>
+          </a:p>
+          <a:p>
+            <a:pPr marL="335153" lvl="2" indent="0">
+              <a:lnSpc>
+                <a:spcPct val="100000"/>
+              </a:lnSpc>
+              <a:spcBef>
+                <a:spcPts val="0"/>
+              </a:spcBef>
+              <a:spcAft>
+                <a:spcPts val="0"/>
+              </a:spcAft>
+              <a:buClrTx/>
+              <a:buSzTx/>
+              <a:buNone/>
+              <a:defRPr/>
+            </a:pPr>
+            <a:endParaRPr lang="en-US" dirty="0"/>
+          </a:p>
+          <a:p>
+            <a:pPr marL="335153" lvl="2" indent="0">
+              <a:lnSpc>
+                <a:spcPct val="100000"/>
+              </a:lnSpc>
+              <a:spcBef>
+                <a:spcPts val="0"/>
+              </a:spcBef>
+              <a:spcAft>
+                <a:spcPts val="0"/>
+              </a:spcAft>
+              <a:buClrTx/>
+              <a:buSzTx/>
+              <a:buNone/>
+              <a:defRPr/>
+            </a:pPr>
+            <a:endParaRPr lang="en-US" dirty="0" smtClean="0"/>
+          </a:p>
+          <a:p>
+            <a:pPr marL="335153" lvl="2" indent="0">
+              <a:lnSpc>
+                <a:spcPct val="100000"/>
+              </a:lnSpc>
+              <a:spcBef>
+                <a:spcPts val="0"/>
+              </a:spcBef>
+              <a:spcAft>
+                <a:spcPts val="0"/>
+              </a:spcAft>
+              <a:buClrTx/>
+              <a:buSzTx/>
+              <a:buNone/>
+              <a:defRPr/>
+            </a:pPr>
+            <a:r>
+              <a:rPr lang="en-US" dirty="0"/>
+              <a:t>*Line plots can do a lot, </a:t>
+            </a:r>
+            <a:r>
+              <a:rPr lang="en-US" dirty="0" smtClean="0"/>
+              <a:t>though. Trends of time </a:t>
+            </a:r>
+            <a:endParaRPr lang="en-US" dirty="0"/>
+          </a:p>
+          <a:p>
+            <a:pPr marL="335153" lvl="2" indent="0">
+              <a:lnSpc>
+                <a:spcPct val="100000"/>
+              </a:lnSpc>
+              <a:spcBef>
+                <a:spcPts val="0"/>
+              </a:spcBef>
+              <a:spcAft>
+                <a:spcPts val="0"/>
+              </a:spcAft>
+              <a:buClrTx/>
+              <a:buSzTx/>
+              <a:buNone/>
+              <a:defRPr/>
+            </a:pPr>
+            <a:endParaRPr lang="en-US" dirty="0" smtClean="0"/>
+          </a:p>
+        </p:txBody>
+      </p:sp>
+    </p:spTree>
+    <p:extLst>
+      <p:ext uri="{BB962C8B-B14F-4D97-AF65-F5344CB8AC3E}">
+        <p14:creationId xmlns:p14="http://schemas.microsoft.com/office/powerpoint/2010/main" val="1113429801"/>
+      </p:ext>
+    </p:extLst>
+  </p:cSld>
+  <p:clrMapOvr>
+    <a:masterClrMapping/>
+  </p:clrMapOvr>
+</p:sld>
+</file>
+
+<file path=ppt/slides/slide25.xml><?xml version="1.0" encoding="utf-8"?>
+<p:sld xmlns:a="http://schemas.openxmlformats.org/drawingml/2006/main" xmlns:r="http://schemas.openxmlformats.org/officeDocument/2006/relationships" xmlns:p="http://schemas.openxmlformats.org/presentationml/2006/main">
+  <p:cSld>
+    <p:spTree>
+      <p:nvGrpSpPr>
+        <p:cNvPr id="1" name=""/>
+        <p:cNvGrpSpPr/>
+        <p:nvPr/>
+      </p:nvGrpSpPr>
+      <p:grpSpPr>
+        <a:xfrm>
+          <a:off x="0" y="0"/>
+          <a:ext cx="0" cy="0"/>
+          <a:chOff x="0" y="0"/>
+          <a:chExt cx="0" cy="0"/>
+        </a:xfrm>
+      </p:grpSpPr>
+      <p:sp>
+        <p:nvSpPr>
+          <p:cNvPr id="2" name="Title 1"/>
+          <p:cNvSpPr>
+            <a:spLocks noGrp="1"/>
+          </p:cNvSpPr>
+          <p:nvPr>
+            <p:ph type="title"/>
+          </p:nvPr>
+        </p:nvSpPr>
+        <p:spPr/>
+        <p:txBody>
+          <a:bodyPr/>
+          <a:lstStyle/>
+          <a:p>
+            <a:endParaRPr lang="en-US" dirty="0"/>
+          </a:p>
+        </p:txBody>
+      </p:sp>
+      <p:sp>
+        <p:nvSpPr>
+          <p:cNvPr id="3" name="Content Placeholder 2"/>
+          <p:cNvSpPr>
+            <a:spLocks noGrp="1"/>
+          </p:cNvSpPr>
+          <p:nvPr>
+            <p:ph idx="1"/>
+          </p:nvPr>
+        </p:nvSpPr>
+        <p:spPr/>
+        <p:txBody>
+          <a:bodyPr/>
+          <a:lstStyle/>
+          <a:p>
+            <a:r>
+              <a:rPr lang="en-US" dirty="0" smtClean="0"/>
+              <a:t>Histogram and boxplot and </a:t>
+            </a:r>
+            <a:r>
+              <a:rPr lang="en-US" dirty="0" err="1" smtClean="0"/>
+              <a:t>barplot</a:t>
+            </a:r>
+            <a:endParaRPr lang="en-US" dirty="0" smtClean="0"/>
+          </a:p>
+          <a:p>
+            <a:r>
+              <a:rPr lang="en-US" dirty="0" smtClean="0"/>
+              <a:t>Discuss back and forth </a:t>
+            </a:r>
+            <a:r>
+              <a:rPr lang="en-US" dirty="0" err="1" smtClean="0"/>
+              <a:t>hist</a:t>
+            </a:r>
+            <a:r>
+              <a:rPr lang="en-US" dirty="0" smtClean="0"/>
+              <a:t> and box</a:t>
+            </a:r>
+          </a:p>
+          <a:p>
+            <a:r>
+              <a:rPr lang="en-US" dirty="0" err="1" smtClean="0"/>
+              <a:t>Barplot</a:t>
+            </a:r>
+            <a:endParaRPr lang="en-US" dirty="0" smtClean="0"/>
+          </a:p>
+          <a:p>
+            <a:pPr lvl="1"/>
+            <a:r>
+              <a:rPr lang="en-US" dirty="0" smtClean="0"/>
+              <a:t>Why </a:t>
+            </a:r>
+            <a:r>
+              <a:rPr lang="en-US" dirty="0" err="1" smtClean="0"/>
+              <a:t>barplots</a:t>
+            </a:r>
+            <a:r>
+              <a:rPr lang="en-US" dirty="0" smtClean="0"/>
+              <a:t> should not be used for numeric data</a:t>
+            </a:r>
+          </a:p>
+          <a:p>
+            <a:r>
+              <a:rPr lang="en-US" dirty="0" smtClean="0"/>
+              <a:t>Line plot</a:t>
+            </a:r>
+          </a:p>
+          <a:p>
+            <a:endParaRPr lang="en-US" dirty="0" smtClean="0"/>
+          </a:p>
+          <a:p>
+            <a:endParaRPr lang="en-US" dirty="0" smtClean="0"/>
+          </a:p>
+          <a:p>
+            <a:endParaRPr lang="en-US" dirty="0"/>
+          </a:p>
+        </p:txBody>
+      </p:sp>
+    </p:spTree>
+    <p:extLst>
+      <p:ext uri="{BB962C8B-B14F-4D97-AF65-F5344CB8AC3E}">
+        <p14:creationId xmlns:p14="http://schemas.microsoft.com/office/powerpoint/2010/main" val="1893663922"/>
+      </p:ext>
+    </p:extLst>
+  </p:cSld>
+  <p:clrMapOvr>
+    <a:masterClrMapping/>
+  </p:clrMapOvr>
+</p:sld>
+</file>
+
+<file path=ppt/slides/slide26.xml><?xml version="1.0" encoding="utf-8"?>
+<p:sld xmlns:a="http://schemas.openxmlformats.org/drawingml/2006/main" xmlns:r="http://schemas.openxmlformats.org/officeDocument/2006/relationships" xmlns:p="http://schemas.openxmlformats.org/presentationml/2006/main">
+  <p:cSld>
+    <p:spTree>
+      <p:nvGrpSpPr>
+        <p:cNvPr id="1" name=""/>
+        <p:cNvGrpSpPr/>
+        <p:nvPr/>
+      </p:nvGrpSpPr>
+      <p:grpSpPr>
+        <a:xfrm>
+          <a:off x="0" y="0"/>
+          <a:ext cx="0" cy="0"/>
+          <a:chOff x="0" y="0"/>
+          <a:chExt cx="0" cy="0"/>
+        </a:xfrm>
+      </p:grpSpPr>
+      <p:sp>
+        <p:nvSpPr>
+          <p:cNvPr id="2" name="Title 1"/>
+          <p:cNvSpPr>
+            <a:spLocks noGrp="1"/>
+          </p:cNvSpPr>
+          <p:nvPr>
+            <p:ph type="title"/>
+          </p:nvPr>
+        </p:nvSpPr>
+        <p:spPr/>
+        <p:txBody>
+          <a:bodyPr/>
+          <a:lstStyle/>
+          <a:p>
+            <a:r>
+              <a:rPr lang="en-US" dirty="0" smtClean="0"/>
+              <a:t>Types of variables</a:t>
+            </a:r>
+            <a:endParaRPr lang="en-US" dirty="0"/>
+          </a:p>
+        </p:txBody>
+      </p:sp>
+      <p:sp>
+        <p:nvSpPr>
+          <p:cNvPr id="3" name="Content Placeholder 2"/>
+          <p:cNvSpPr>
+            <a:spLocks noGrp="1"/>
+          </p:cNvSpPr>
+          <p:nvPr>
+            <p:ph idx="1"/>
+          </p:nvPr>
+        </p:nvSpPr>
+        <p:spPr/>
+        <p:txBody>
+          <a:bodyPr/>
+          <a:lstStyle/>
+          <a:p>
+            <a:r>
+              <a:rPr lang="en-US" dirty="0" smtClean="0">
+                <a:solidFill>
+                  <a:srgbClr val="FF0000"/>
+                </a:solidFill>
+              </a:rPr>
+              <a:t>Response</a:t>
+            </a:r>
+            <a:r>
+              <a:rPr lang="en-US" dirty="0" smtClean="0"/>
+              <a:t> vs </a:t>
+            </a:r>
+            <a:r>
+              <a:rPr lang="en-US" dirty="0" smtClean="0">
+                <a:solidFill>
+                  <a:schemeClr val="accent4">
+                    <a:lumMod val="75000"/>
+                  </a:schemeClr>
+                </a:solidFill>
+              </a:rPr>
+              <a:t>Explanatory </a:t>
+            </a:r>
+          </a:p>
+          <a:p>
+            <a:pPr lvl="1"/>
+            <a:r>
+              <a:rPr lang="en-US" dirty="0"/>
+              <a:t>T</a:t>
+            </a:r>
+            <a:r>
+              <a:rPr lang="en-US" dirty="0" smtClean="0"/>
+              <a:t>he </a:t>
+            </a:r>
+            <a:r>
+              <a:rPr lang="en-US" dirty="0" smtClean="0">
+                <a:solidFill>
+                  <a:srgbClr val="FF0000"/>
+                </a:solidFill>
+              </a:rPr>
+              <a:t>response</a:t>
+            </a:r>
+            <a:r>
+              <a:rPr lang="en-US" dirty="0" smtClean="0"/>
+              <a:t> is what we’d like to predict, and the </a:t>
+            </a:r>
+            <a:r>
+              <a:rPr lang="en-US" dirty="0" smtClean="0">
+                <a:solidFill>
+                  <a:schemeClr val="accent4">
+                    <a:lumMod val="75000"/>
+                  </a:schemeClr>
+                </a:solidFill>
+              </a:rPr>
+              <a:t>explanatory</a:t>
+            </a:r>
+            <a:r>
+              <a:rPr lang="en-US" dirty="0" smtClean="0"/>
+              <a:t> is what we’re using to predict</a:t>
+            </a:r>
+          </a:p>
+          <a:p>
+            <a:pPr lvl="1"/>
+            <a:r>
+              <a:rPr lang="en-US" dirty="0" smtClean="0"/>
+              <a:t>Also known as </a:t>
+            </a:r>
+            <a:r>
+              <a:rPr lang="en-US" dirty="0" smtClean="0">
+                <a:solidFill>
+                  <a:srgbClr val="FF0000"/>
+                </a:solidFill>
+              </a:rPr>
+              <a:t>independent </a:t>
+            </a:r>
+            <a:r>
+              <a:rPr lang="en-US" dirty="0"/>
+              <a:t>and</a:t>
+            </a:r>
+            <a:r>
+              <a:rPr lang="en-US" dirty="0" smtClean="0"/>
+              <a:t> </a:t>
+            </a:r>
+            <a:r>
+              <a:rPr lang="en-US" dirty="0" smtClean="0">
+                <a:solidFill>
+                  <a:schemeClr val="accent4">
+                    <a:lumMod val="75000"/>
+                  </a:schemeClr>
+                </a:solidFill>
+              </a:rPr>
+              <a:t>dependent</a:t>
+            </a:r>
+          </a:p>
+          <a:p>
+            <a:pPr lvl="1"/>
+            <a:endParaRPr lang="en-US" dirty="0">
+              <a:solidFill>
+                <a:schemeClr val="accent4">
+                  <a:lumMod val="75000"/>
+                </a:schemeClr>
+              </a:solidFill>
+            </a:endParaRPr>
+          </a:p>
+          <a:p>
+            <a:pPr lvl="1"/>
+            <a:endParaRPr lang="en-US" dirty="0" smtClean="0">
+              <a:solidFill>
+                <a:schemeClr val="accent4">
+                  <a:lumMod val="75000"/>
+                </a:schemeClr>
+              </a:solidFill>
+            </a:endParaRPr>
+          </a:p>
+          <a:p>
+            <a:pPr lvl="1"/>
+            <a:r>
+              <a:rPr lang="en-US" dirty="0" smtClean="0">
+                <a:solidFill>
+                  <a:schemeClr val="accent4">
+                    <a:lumMod val="75000"/>
+                  </a:schemeClr>
+                </a:solidFill>
+              </a:rPr>
+              <a:t>[scatter plot]</a:t>
+            </a:r>
+            <a:endParaRPr lang="en-US" dirty="0"/>
+          </a:p>
+        </p:txBody>
+      </p:sp>
+    </p:spTree>
+    <p:extLst>
+      <p:ext uri="{BB962C8B-B14F-4D97-AF65-F5344CB8AC3E}">
+        <p14:creationId xmlns:p14="http://schemas.microsoft.com/office/powerpoint/2010/main" val="158604534"/>
+      </p:ext>
+    </p:extLst>
+  </p:cSld>
+  <p:clrMapOvr>
+    <a:masterClrMapping/>
+  </p:clrMapOvr>
+</p:sld>
+</file>
+
+<file path=ppt/slides/slide27.xml><?xml version="1.0" encoding="utf-8"?>
+<p:sld xmlns:a="http://schemas.openxmlformats.org/drawingml/2006/main" xmlns:r="http://schemas.openxmlformats.org/officeDocument/2006/relationships" xmlns:p="http://schemas.openxmlformats.org/presentationml/2006/main">
+  <p:cSld>
+    <p:spTree>
+      <p:nvGrpSpPr>
+        <p:cNvPr id="1" name=""/>
+        <p:cNvGrpSpPr/>
+        <p:nvPr/>
+      </p:nvGrpSpPr>
+      <p:grpSpPr>
+        <a:xfrm>
+          <a:off x="0" y="0"/>
+          <a:ext cx="0" cy="0"/>
+          <a:chOff x="0" y="0"/>
+          <a:chExt cx="0" cy="0"/>
+        </a:xfrm>
+      </p:grpSpPr>
+      <p:sp>
+        <p:nvSpPr>
+          <p:cNvPr id="2" name="Title 1"/>
+          <p:cNvSpPr>
+            <a:spLocks noGrp="1"/>
+          </p:cNvSpPr>
+          <p:nvPr>
+            <p:ph type="title"/>
+          </p:nvPr>
+        </p:nvSpPr>
+        <p:spPr/>
+        <p:txBody>
+          <a:bodyPr/>
+          <a:lstStyle/>
+          <a:p>
+            <a:r>
+              <a:rPr lang="en-US" dirty="0" smtClean="0"/>
+              <a:t>Worksheet break, then R time</a:t>
+            </a:r>
+            <a:endParaRPr lang="en-US" dirty="0"/>
+          </a:p>
+        </p:txBody>
+      </p:sp>
+      <p:sp>
+        <p:nvSpPr>
+          <p:cNvPr id="3" name="Content Placeholder 2"/>
+          <p:cNvSpPr>
+            <a:spLocks noGrp="1"/>
+          </p:cNvSpPr>
+          <p:nvPr>
+            <p:ph idx="1"/>
+          </p:nvPr>
+        </p:nvSpPr>
+        <p:spPr/>
+        <p:txBody>
+          <a:bodyPr/>
+          <a:lstStyle/>
+          <a:p>
+            <a:endParaRPr lang="en-US" dirty="0"/>
+          </a:p>
+        </p:txBody>
+      </p:sp>
+    </p:spTree>
+    <p:extLst>
+      <p:ext uri="{BB962C8B-B14F-4D97-AF65-F5344CB8AC3E}">
+        <p14:creationId xmlns:p14="http://schemas.microsoft.com/office/powerpoint/2010/main" val="31488772"/>
       </p:ext>
     </p:extLst>
   </p:cSld>
@@ -5359,14 +8610,23 @@
           <a:p>
             <a:r>
               <a:rPr lang="en-US" dirty="0" smtClean="0"/>
-              <a:t>Fundamentals in probability, distributions</a:t>
-            </a:r>
-          </a:p>
-          <a:p>
-            <a:r>
-              <a:rPr lang="en-US" dirty="0" smtClean="0"/>
-              <a:t>Hypothesis testing</a:t>
-            </a:r>
+              <a:t>Fundamentals in </a:t>
+            </a:r>
+            <a:r>
+              <a:rPr lang="en-US" dirty="0" smtClean="0"/>
+              <a:t>probability, </a:t>
+            </a:r>
+            <a:r>
+              <a:rPr lang="en-US" dirty="0" smtClean="0"/>
+              <a:t>distributions</a:t>
+            </a:r>
+          </a:p>
+          <a:p>
+            <a:r>
+              <a:rPr lang="en-US" dirty="0" smtClean="0"/>
+              <a:t>Statistical inference: hypothesis testing and confidence intervals</a:t>
+            </a:r>
+            <a:endParaRPr lang="en-US" dirty="0" smtClean="0"/>
           </a:p>
           <a:p>
             <a:r>
@@ -5496,14 +8756,18 @@
           </a:p>
           <a:p>
             <a:r>
-              <a:rPr lang="en-US" dirty="0" smtClean="0"/>
-              <a:t>Hypothesis testing</a:t>
-            </a:r>
-          </a:p>
-          <a:p>
-            <a:r>
-              <a:rPr lang="en-US" dirty="0" smtClean="0"/>
-              <a:t>Linear modeling</a:t>
+              <a:rPr lang="en-US" dirty="0"/>
+              <a:t>Statistical inference: hypothesis testing and confidence intervals</a:t>
+            </a:r>
+          </a:p>
+          <a:p>
+            <a:r>
+              <a:rPr lang="en-US" dirty="0" smtClean="0"/>
+              <a:t>Linear </a:t>
+            </a:r>
+            <a:r>
+              <a:rPr lang="en-US" dirty="0" smtClean="0"/>
+              <a:t>modeling</a:t>
             </a:r>
           </a:p>
           <a:p>
@@ -5582,7 +8846,7 @@
           <a:p>
             <a:r>
               <a:rPr lang="en-US" dirty="0" smtClean="0"/>
-              <a:t>Descriptive and Summary Statistics</a:t>
+              <a:t>But first, what are we doing here?</a:t>
             </a:r>
             <a:endParaRPr lang="en-US" dirty="0"/>
           </a:p>
@@ -5600,54 +8864,76 @@
         </p:nvSpPr>
         <p:spPr/>
         <p:txBody>
-          <a:bodyPr/>
-          <a:lstStyle/>
-          <a:p>
-            <a:pPr lvl="1"/>
-            <a:endParaRPr lang="en-US" dirty="0"/>
-          </a:p>
-          <a:p>
-            <a:r>
-              <a:rPr lang="en-US" dirty="0" smtClean="0"/>
-              <a:t>Types of data</a:t>
-            </a:r>
-          </a:p>
-          <a:p>
-            <a:r>
-              <a:rPr lang="en-US" dirty="0" smtClean="0"/>
-              <a:t>Descriptors of distributions</a:t>
-            </a:r>
-          </a:p>
-          <a:p>
-            <a:pPr lvl="1"/>
-            <a:r>
-              <a:rPr lang="en-US" dirty="0" smtClean="0"/>
-              <a:t>Measures of </a:t>
-            </a:r>
+          <a:bodyPr>
+            <a:normAutofit/>
+          </a:bodyPr>
+          <a:lstStyle/>
+          <a:p>
             <a:r>
               <a:rPr lang="en-US" b="1" dirty="0" smtClean="0"/>
-              <a:t>location</a:t>
-            </a:r>
-            <a:endParaRPr lang="en-US" dirty="0"/>
-          </a:p>
-          <a:p>
-            <a:pPr lvl="1"/>
-            <a:r>
-              <a:rPr lang="en-US" dirty="0" smtClean="0"/>
-              <a:t>Measures of </a:t>
+              <a:t>Statistics </a:t>
+            </a:r>
+            <a:r>
+              <a:rPr lang="en-US" dirty="0" smtClean="0"/>
+              <a:t>is the study of the collection, analysis</a:t>
+            </a:r>
+            <a:r>
+              <a:rPr lang="en-US" dirty="0"/>
+              <a:t>, interpretation, presentation, and organization of data. </a:t>
+            </a:r>
+            <a:endParaRPr lang="en-US" dirty="0" smtClean="0"/>
+          </a:p>
+          <a:p>
+            <a:r>
+              <a:rPr lang="en-US" dirty="0" smtClean="0"/>
+              <a:t>We use statistics to </a:t>
             </a:r>
             <a:r>
               <a:rPr lang="en-US" b="1" dirty="0" smtClean="0"/>
-              <a:t>spread</a:t>
-            </a:r>
-            <a:endParaRPr lang="en-US" dirty="0"/>
+              <a:t>make inferences about phenomena using samples </a:t>
+            </a:r>
+            <a:r>
+              <a:rPr lang="en-US" dirty="0" smtClean="0"/>
+              <a:t>and </a:t>
+            </a:r>
+            <a:r>
+              <a:rPr lang="en-US" b="1" dirty="0" smtClean="0"/>
+              <a:t>quantify uncertainty of data</a:t>
+            </a:r>
+          </a:p>
+          <a:p>
+            <a:r>
+              <a:rPr lang="en-US" b="1" dirty="0" smtClean="0"/>
+              <a:t>Biostatistics </a:t>
+            </a:r>
+            <a:r>
+              <a:rPr lang="en-US" dirty="0" smtClean="0"/>
+              <a:t>is (surprisingly!) a branch of </a:t>
+            </a:r>
+            <a:r>
+              <a:rPr lang="en-US" dirty="0"/>
+              <a:t>applied statistics </a:t>
+            </a:r>
+            <a:r>
+              <a:rPr lang="en-US" dirty="0" smtClean="0"/>
+              <a:t>geared towards to </a:t>
+            </a:r>
+            <a:r>
+              <a:rPr lang="en-US" dirty="0"/>
+              <a:t>medical and biological </a:t>
+            </a:r>
+            <a:r>
+              <a:rPr lang="en-US" dirty="0" smtClean="0"/>
+              <a:t>problems</a:t>
+            </a:r>
+            <a:endParaRPr lang="en-US" b="1" dirty="0"/>
           </a:p>
         </p:txBody>
       </p:sp>
     </p:spTree>
     <p:extLst>
       <p:ext uri="{BB962C8B-B14F-4D97-AF65-F5344CB8AC3E}">
-        <p14:creationId xmlns:p14="http://schemas.microsoft.com/office/powerpoint/2010/main" val="1499461375"/>
+        <p14:creationId xmlns:p14="http://schemas.microsoft.com/office/powerpoint/2010/main" val="1544162544"/>
       </p:ext>
     </p:extLst>
   </p:cSld>
@@ -5691,11 +8977,7 @@
           <a:p>
             <a:r>
               <a:rPr lang="en-US" dirty="0" smtClean="0"/>
-              <a:t>Types of </a:t>
-            </a:r>
-            <a:r>
-              <a:rPr lang="en-US" dirty="0" smtClean="0"/>
-              <a:t>data</a:t>
+              <a:t>Populations and samples</a:t>
             </a:r>
             <a:endParaRPr lang="en-US" dirty="0"/>
           </a:p>
@@ -5711,152 +8993,97 @@
             <p:ph idx="1"/>
           </p:nvPr>
         </p:nvSpPr>
-        <p:spPr>
-          <a:xfrm>
-            <a:off x="1097280" y="2478156"/>
-            <a:ext cx="10485120" cy="3390937"/>
-          </a:xfrm>
-        </p:spPr>
-        <p:txBody>
-          <a:bodyPr numCol="2">
-            <a:normAutofit/>
-          </a:bodyPr>
-          <a:lstStyle/>
-          <a:p>
-            <a:pPr marL="11112" indent="0">
-              <a:buNone/>
-            </a:pPr>
+        <p:spPr/>
+        <p:txBody>
+          <a:bodyPr/>
+          <a:lstStyle/>
+          <a:p>
             <a:r>
               <a:rPr lang="en-US" b="1" dirty="0" smtClean="0"/>
-              <a:t>Quantitative data</a:t>
-            </a:r>
-          </a:p>
-          <a:p>
-            <a:pPr marL="201168" lvl="1" indent="0">
-              <a:buNone/>
-            </a:pPr>
-            <a:r>
-              <a:rPr lang="en-US" dirty="0" smtClean="0"/>
-              <a:t>Continuous </a:t>
-            </a:r>
-          </a:p>
-          <a:p>
-            <a:pPr marL="201168" lvl="1" indent="0">
-              <a:buNone/>
-            </a:pPr>
-            <a:r>
-              <a:rPr lang="en-US" dirty="0" smtClean="0"/>
-              <a:t>Discrete</a:t>
-            </a:r>
-          </a:p>
-          <a:p>
-            <a:pPr marL="11112" indent="0">
-              <a:buNone/>
-            </a:pPr>
+              <a:t>Populations</a:t>
+            </a:r>
+            <a:r>
+              <a:rPr lang="en-US" dirty="0" smtClean="0"/>
+              <a:t> are the entire collection of individuals/units/etc. a researcher is interested in</a:t>
+            </a:r>
+          </a:p>
+          <a:p>
+            <a:pPr lvl="1"/>
+            <a:r>
+              <a:rPr lang="en-US" dirty="0" smtClean="0"/>
+              <a:t>Generally we can never know the true composition of a population</a:t>
+            </a:r>
+          </a:p>
+          <a:p>
+            <a:pPr lvl="1"/>
+            <a:r>
+              <a:rPr lang="en-US" dirty="0" smtClean="0"/>
+              <a:t>Populations are described with </a:t>
+            </a:r>
+            <a:r>
+              <a:rPr lang="en-US" b="1" dirty="0" smtClean="0"/>
+              <a:t>parameters</a:t>
+            </a:r>
+            <a:endParaRPr lang="en-US" dirty="0"/>
+          </a:p>
+          <a:p>
+            <a:r>
+              <a:rPr lang="en-US" b="1" dirty="0" smtClean="0"/>
+              <a:t>Samples</a:t>
+            </a:r>
+            <a:r>
+              <a:rPr lang="en-US" dirty="0" smtClean="0"/>
+              <a:t> are </a:t>
+            </a:r>
+            <a:r>
+              <a:rPr lang="en-US" i="1" dirty="0" smtClean="0"/>
+              <a:t>subsets</a:t>
+            </a:r>
+            <a:r>
+              <a:rPr lang="en-US" dirty="0"/>
+              <a:t> </a:t>
+            </a:r>
+            <a:r>
+              <a:rPr lang="en-US" dirty="0" smtClean="0"/>
+              <a:t>of individuals/units from populations</a:t>
+            </a:r>
+          </a:p>
+          <a:p>
+            <a:pPr lvl="1"/>
+            <a:r>
+              <a:rPr lang="en-US" dirty="0" smtClean="0"/>
+              <a:t>We use </a:t>
+            </a:r>
+            <a:r>
+              <a:rPr lang="en-US" i="1" dirty="0" smtClean="0"/>
+              <a:t>hypothesis testing </a:t>
+            </a:r>
+            <a:r>
+              <a:rPr lang="en-US" dirty="0" smtClean="0"/>
+              <a:t>to (try to) draw population-level conclusions from samples</a:t>
+            </a:r>
+          </a:p>
+          <a:p>
+            <a:pPr lvl="1"/>
+            <a:r>
+              <a:rPr lang="en-US" dirty="0" smtClean="0"/>
+              <a:t>Samples are described with</a:t>
+            </a:r>
+            <a:r>
+              <a:rPr lang="en-US" b="1" dirty="0" smtClean="0"/>
+              <a:t> estimates</a:t>
+            </a:r>
             <a:endParaRPr lang="en-US" dirty="0" smtClean="0"/>
           </a:p>
           <a:p>
-            <a:pPr marL="11112" indent="0">
-              <a:buNone/>
-            </a:pPr>
-            <a:endParaRPr lang="en-US" dirty="0"/>
-          </a:p>
-          <a:p>
-            <a:pPr marL="11112" indent="0">
-              <a:buNone/>
-            </a:pPr>
-            <a:endParaRPr lang="en-US" dirty="0" smtClean="0"/>
-          </a:p>
-          <a:p>
-            <a:pPr marL="11112" indent="0">
-              <a:buNone/>
-            </a:pPr>
-            <a:endParaRPr lang="en-US" dirty="0"/>
-          </a:p>
-          <a:p>
-            <a:pPr marL="11112" indent="0">
-              <a:buNone/>
-            </a:pPr>
-            <a:r>
-              <a:rPr lang="en-US" b="1" dirty="0" smtClean="0"/>
-              <a:t>Categorical data</a:t>
-            </a:r>
-          </a:p>
-          <a:p>
-            <a:pPr marL="201168" lvl="1" indent="0">
-              <a:buNone/>
-            </a:pPr>
-            <a:r>
-              <a:rPr lang="en-US" dirty="0" smtClean="0"/>
-              <a:t>Nominal</a:t>
-            </a:r>
-          </a:p>
-          <a:p>
-            <a:pPr marL="201168" lvl="1" indent="0">
-              <a:buNone/>
-            </a:pPr>
-            <a:r>
-              <a:rPr lang="en-US" dirty="0" smtClean="0"/>
-              <a:t>Ordinal</a:t>
-            </a:r>
-          </a:p>
-          <a:p>
-            <a:pPr marL="201168" lvl="1" indent="0">
-              <a:buNone/>
-            </a:pPr>
-            <a:r>
-              <a:rPr lang="en-US" dirty="0" smtClean="0"/>
-              <a:t>Binary*</a:t>
-            </a:r>
-          </a:p>
-          <a:p>
-            <a:pPr marL="201168" lvl="1" indent="0">
-              <a:buNone/>
-            </a:pPr>
-            <a:endParaRPr lang="en-US" dirty="0"/>
-          </a:p>
-        </p:txBody>
-      </p:sp>
-      <p:sp>
-        <p:nvSpPr>
-          <p:cNvPr id="5" name="TextBox 4"/>
-          <p:cNvSpPr txBox="1"/>
-          <p:nvPr/>
-        </p:nvSpPr>
-        <p:spPr>
-          <a:xfrm>
-            <a:off x="1097280" y="1880795"/>
-            <a:ext cx="10058400" cy="769441"/>
-          </a:xfrm>
-          <a:prstGeom prst="rect">
-            <a:avLst/>
-          </a:prstGeom>
-          <a:noFill/>
-          <a:ln>
-            <a:noFill/>
-          </a:ln>
-        </p:spPr>
-        <p:txBody>
-          <a:bodyPr wrap="square" rtlCol="0">
-            <a:spAutoFit/>
-          </a:bodyPr>
-          <a:lstStyle/>
-          <a:p>
-            <a:r>
-              <a:rPr lang="en-US" sz="2600" dirty="0" smtClean="0"/>
-              <a:t>How you analyze and visualize data depends on the </a:t>
-            </a:r>
-            <a:r>
-              <a:rPr lang="en-US" sz="2600" i="1" dirty="0" smtClean="0"/>
-              <a:t>type</a:t>
-            </a:r>
-            <a:r>
-              <a:rPr lang="en-US" sz="2600" dirty="0" smtClean="0"/>
-              <a:t> of data you have</a:t>
-            </a:r>
-            <a:endParaRPr lang="en-US" sz="2600" dirty="0"/>
-          </a:p>
-          <a:p>
+            <a:pPr lvl="1"/>
+            <a:endParaRPr lang="en-US" dirty="0"/>
+          </a:p>
+          <a:p>
+            <a:r>
+              <a:rPr lang="en-US" dirty="0" smtClean="0"/>
+              <a:t>Parameters and estimates use different notations, as we will see</a:t>
+            </a:r>
             <a:endParaRPr lang="en-US" dirty="0"/>
           </a:p>
         </p:txBody>
@@ -5864,7 +9091,7 @@
     </p:spTree>
     <p:extLst>
       <p:ext uri="{BB962C8B-B14F-4D97-AF65-F5344CB8AC3E}">
-        <p14:creationId xmlns:p14="http://schemas.microsoft.com/office/powerpoint/2010/main" val="748807992"/>
+        <p14:creationId xmlns:p14="http://schemas.microsoft.com/office/powerpoint/2010/main" val="267921000"/>
       </p:ext>
     </p:extLst>
   </p:cSld>
@@ -5908,7 +9135,7 @@
           <a:p>
             <a:r>
               <a:rPr lang="en-US" dirty="0" smtClean="0"/>
-              <a:t>Measures of Location</a:t>
+              <a:t>What makes a good sample?</a:t>
             </a:r>
             <a:endParaRPr lang="en-US" dirty="0"/>
           </a:p>
@@ -5924,47 +9151,403 @@
             <p:ph idx="1"/>
           </p:nvPr>
         </p:nvSpPr>
-        <p:spPr/>
+        <p:spPr>
+          <a:xfrm>
+            <a:off x="1097280" y="1845734"/>
+            <a:ext cx="7769632" cy="4023360"/>
+          </a:xfrm>
+        </p:spPr>
         <p:txBody>
           <a:bodyPr/>
           <a:lstStyle/>
           <a:p>
             <a:r>
               <a:rPr lang="en-US" dirty="0" smtClean="0"/>
-              <a:t>Mean</a:t>
-            </a:r>
-          </a:p>
-          <a:p>
-            <a:r>
-              <a:rPr lang="en-US" dirty="0" smtClean="0"/>
-              <a:t>Median</a:t>
-            </a:r>
-          </a:p>
-          <a:p>
-            <a:r>
-              <a:rPr lang="en-US" dirty="0" smtClean="0"/>
-              <a:t>Mode</a:t>
-            </a:r>
-          </a:p>
-          <a:p>
-            <a:endParaRPr lang="en-US" dirty="0"/>
-          </a:p>
-          <a:p>
-            <a:endParaRPr lang="en-US" dirty="0" smtClean="0"/>
-          </a:p>
-          <a:p>
-            <a:r>
-              <a:rPr lang="en-US" dirty="0" smtClean="0"/>
-              <a:t>Have some distributions and figure out what is where, discuss skew</a:t>
-            </a:r>
-            <a:endParaRPr lang="en-US" dirty="0"/>
+              <a:t>In an ideal world, a sample is </a:t>
+            </a:r>
+            <a:r>
+              <a:rPr lang="en-US" i="1" dirty="0" smtClean="0"/>
+              <a:t>unbiased </a:t>
+            </a:r>
+            <a:r>
+              <a:rPr lang="en-US" dirty="0" smtClean="0"/>
+              <a:t>and features </a:t>
+            </a:r>
+            <a:r>
+              <a:rPr lang="en-US" i="1" dirty="0" smtClean="0"/>
+              <a:t>low sampling error</a:t>
+            </a:r>
+          </a:p>
+          <a:p>
+            <a:pPr lvl="1"/>
+            <a:r>
+              <a:rPr lang="en-US" dirty="0" smtClean="0"/>
+              <a:t>Bias is a </a:t>
+            </a:r>
+            <a:r>
+              <a:rPr lang="en-US" i="1" dirty="0" smtClean="0"/>
+              <a:t>systematic </a:t>
+            </a:r>
+            <a:r>
+              <a:rPr lang="en-US" dirty="0" smtClean="0"/>
+              <a:t>discrepancy between estimate and parameter</a:t>
+            </a:r>
+          </a:p>
+          <a:p>
+            <a:pPr lvl="1"/>
+            <a:endParaRPr lang="en-US" i="1" dirty="0" smtClean="0"/>
+          </a:p>
+          <a:p>
+            <a:endParaRPr lang="en-US" i="1" dirty="0"/>
+          </a:p>
+          <a:p>
+            <a:r>
+              <a:rPr lang="en-US" dirty="0"/>
+              <a:t>Samples should be </a:t>
+            </a:r>
+            <a:r>
+              <a:rPr lang="en-US" i="1" dirty="0" smtClean="0"/>
+              <a:t>randomly chosen</a:t>
+            </a:r>
+            <a:endParaRPr lang="en-US" b="1" i="1" dirty="0"/>
+          </a:p>
+          <a:p>
+            <a:pPr lvl="1"/>
+            <a:r>
+              <a:rPr lang="en-US" dirty="0"/>
+              <a:t>Each population unit should have an </a:t>
+            </a:r>
+            <a:r>
+              <a:rPr lang="en-US" i="1" dirty="0"/>
+              <a:t>equal </a:t>
+            </a:r>
+            <a:r>
+              <a:rPr lang="en-US" dirty="0" smtClean="0"/>
+              <a:t>and </a:t>
+            </a:r>
+            <a:r>
+              <a:rPr lang="en-US" i="1" dirty="0"/>
+              <a:t>independent</a:t>
+            </a:r>
+            <a:r>
+              <a:rPr lang="en-US" dirty="0"/>
+              <a:t> chance of being chosen for a given sample</a:t>
+            </a:r>
+          </a:p>
+          <a:p>
+            <a:endParaRPr lang="en-US" i="1" dirty="0"/>
+          </a:p>
+          <a:p>
+            <a:pPr lvl="1"/>
+            <a:endParaRPr lang="en-US" i="1" dirty="0" smtClean="0"/>
+          </a:p>
+          <a:p>
+            <a:endParaRPr lang="en-US" i="1" dirty="0" smtClean="0"/>
+          </a:p>
+        </p:txBody>
+      </p:sp>
+      <p:pic>
+        <p:nvPicPr>
+          <p:cNvPr id="4" name="Picture 3"/>
+          <p:cNvPicPr>
+            <a:picLocks noChangeAspect="1"/>
+          </p:cNvPicPr>
+          <p:nvPr/>
+        </p:nvPicPr>
+        <p:blipFill>
+          <a:blip r:embed="rId3">
+            <a:extLst>
+              <a:ext uri="{28A0092B-C50C-407E-A947-70E740481C1C}">
+                <a14:useLocalDpi xmlns:a14="http://schemas.microsoft.com/office/drawing/2010/main" val="0"/>
+              </a:ext>
+            </a:extLst>
+          </a:blip>
+          <a:stretch>
+            <a:fillRect/>
+          </a:stretch>
+        </p:blipFill>
+        <p:spPr>
+          <a:xfrm>
+            <a:off x="8599519" y="2924178"/>
+            <a:ext cx="3369003" cy="3358573"/>
+          </a:xfrm>
+          <a:prstGeom prst="rect">
+            <a:avLst/>
+          </a:prstGeom>
+        </p:spPr>
+      </p:pic>
+      <p:cxnSp>
+        <p:nvCxnSpPr>
+          <p:cNvPr id="6" name="Straight Arrow Connector 5"/>
+          <p:cNvCxnSpPr/>
+          <p:nvPr/>
+        </p:nvCxnSpPr>
+        <p:spPr>
+          <a:xfrm>
+            <a:off x="7022278" y="5547977"/>
+            <a:ext cx="1426029" cy="0"/>
+          </a:xfrm>
+          <a:prstGeom prst="straightConnector1">
+            <a:avLst/>
+          </a:prstGeom>
+          <a:ln w="63500">
+            <a:solidFill>
+              <a:srgbClr val="C00000"/>
+            </a:solidFill>
+            <a:tailEnd type="triangle"/>
+          </a:ln>
+        </p:spPr>
+        <p:style>
+          <a:lnRef idx="1">
+            <a:schemeClr val="accent1"/>
+          </a:lnRef>
+          <a:fillRef idx="0">
+            <a:schemeClr val="accent1"/>
+          </a:fillRef>
+          <a:effectRef idx="0">
+            <a:schemeClr val="accent1"/>
+          </a:effectRef>
+          <a:fontRef idx="minor">
+            <a:schemeClr val="tx1"/>
+          </a:fontRef>
+        </p:style>
+      </p:cxnSp>
+      <p:cxnSp>
+        <p:nvCxnSpPr>
+          <p:cNvPr id="7" name="Straight Arrow Connector 6"/>
+          <p:cNvCxnSpPr/>
+          <p:nvPr/>
+        </p:nvCxnSpPr>
+        <p:spPr>
+          <a:xfrm>
+            <a:off x="11030992" y="2310028"/>
+            <a:ext cx="0" cy="614150"/>
+          </a:xfrm>
+          <a:prstGeom prst="straightConnector1">
+            <a:avLst/>
+          </a:prstGeom>
+          <a:ln w="63500">
+            <a:solidFill>
+              <a:srgbClr val="C00000"/>
+            </a:solidFill>
+            <a:tailEnd type="triangle"/>
+          </a:ln>
+        </p:spPr>
+        <p:style>
+          <a:lnRef idx="1">
+            <a:schemeClr val="accent1"/>
+          </a:lnRef>
+          <a:fillRef idx="0">
+            <a:schemeClr val="accent1"/>
+          </a:fillRef>
+          <a:effectRef idx="0">
+            <a:schemeClr val="accent1"/>
+          </a:effectRef>
+          <a:fontRef idx="minor">
+            <a:schemeClr val="tx1"/>
+          </a:fontRef>
+        </p:style>
+      </p:cxnSp>
+      <p:sp>
+        <p:nvSpPr>
+          <p:cNvPr id="9" name="TextBox 8"/>
+          <p:cNvSpPr txBox="1"/>
+          <p:nvPr/>
+        </p:nvSpPr>
+        <p:spPr>
+          <a:xfrm>
+            <a:off x="11208331" y="2382982"/>
+            <a:ext cx="623454" cy="369332"/>
+          </a:xfrm>
+          <a:prstGeom prst="rect">
+            <a:avLst/>
+          </a:prstGeom>
+          <a:noFill/>
+        </p:spPr>
+        <p:txBody>
+          <a:bodyPr wrap="square" rtlCol="0">
+            <a:spAutoFit/>
+          </a:bodyPr>
+          <a:lstStyle/>
+          <a:p>
+            <a:r>
+              <a:rPr lang="en-US" b="1" smtClean="0">
+                <a:solidFill>
+                  <a:srgbClr val="C00000"/>
+                </a:solidFill>
+              </a:rPr>
+              <a:t>Bias</a:t>
+            </a:r>
+            <a:endParaRPr lang="en-US" b="1" dirty="0">
+              <a:solidFill>
+                <a:srgbClr val="C00000"/>
+              </a:solidFill>
+            </a:endParaRPr>
+          </a:p>
+        </p:txBody>
+      </p:sp>
+      <p:sp>
+        <p:nvSpPr>
+          <p:cNvPr id="10" name="TextBox 9"/>
+          <p:cNvSpPr txBox="1"/>
+          <p:nvPr/>
+        </p:nvSpPr>
+        <p:spPr>
+          <a:xfrm>
+            <a:off x="6913421" y="5154538"/>
+            <a:ext cx="1856509" cy="369332"/>
+          </a:xfrm>
+          <a:prstGeom prst="rect">
+            <a:avLst/>
+          </a:prstGeom>
+          <a:noFill/>
+        </p:spPr>
+        <p:txBody>
+          <a:bodyPr wrap="square" rtlCol="0">
+            <a:spAutoFit/>
+          </a:bodyPr>
+          <a:lstStyle/>
+          <a:p>
+            <a:r>
+              <a:rPr lang="en-US" b="1" smtClean="0">
+                <a:solidFill>
+                  <a:srgbClr val="C00000"/>
+                </a:solidFill>
+              </a:rPr>
+              <a:t>Sampling error</a:t>
+            </a:r>
+            <a:endParaRPr lang="en-US" b="1" dirty="0">
+              <a:solidFill>
+                <a:srgbClr val="C00000"/>
+              </a:solidFill>
+            </a:endParaRPr>
+          </a:p>
+        </p:txBody>
+      </p:sp>
+      <p:sp>
+        <p:nvSpPr>
+          <p:cNvPr id="11" name="Rectangle 10"/>
+          <p:cNvSpPr/>
+          <p:nvPr/>
+        </p:nvSpPr>
+        <p:spPr>
+          <a:xfrm>
+            <a:off x="8866912" y="3144982"/>
+            <a:ext cx="1662545" cy="1676400"/>
+          </a:xfrm>
+          <a:prstGeom prst="rect">
+            <a:avLst/>
+          </a:prstGeom>
+          <a:noFill/>
+          <a:ln w="63500">
+            <a:solidFill>
+              <a:srgbClr val="FFC000"/>
+            </a:solidFill>
+          </a:ln>
+        </p:spPr>
+        <p:style>
+          <a:lnRef idx="2">
+            <a:schemeClr val="accent1">
+              <a:shade val="50000"/>
+            </a:schemeClr>
+          </a:lnRef>
+          <a:fillRef idx="1">
+            <a:schemeClr val="accent1"/>
+          </a:fillRef>
+          <a:effectRef idx="0">
+            <a:schemeClr val="accent1"/>
+          </a:effectRef>
+          <a:fontRef idx="minor">
+            <a:schemeClr val="lt1"/>
+          </a:fontRef>
+        </p:style>
+        <p:txBody>
+          <a:bodyPr rtlCol="0" anchor="ctr"/>
+          <a:lstStyle/>
+          <a:p>
+            <a:pPr algn="ctr"/>
+            <a:endParaRPr lang="en-US"/>
+          </a:p>
+        </p:txBody>
+      </p:sp>
+      <p:cxnSp>
+        <p:nvCxnSpPr>
+          <p:cNvPr id="12" name="Straight Arrow Connector 11"/>
+          <p:cNvCxnSpPr/>
+          <p:nvPr/>
+        </p:nvCxnSpPr>
+        <p:spPr>
+          <a:xfrm>
+            <a:off x="7440883" y="3608340"/>
+            <a:ext cx="1426029" cy="0"/>
+          </a:xfrm>
+          <a:prstGeom prst="straightConnector1">
+            <a:avLst/>
+          </a:prstGeom>
+          <a:ln w="63500">
+            <a:solidFill>
+              <a:srgbClr val="FFC000"/>
+            </a:solidFill>
+            <a:tailEnd type="triangle"/>
+          </a:ln>
+        </p:spPr>
+        <p:style>
+          <a:lnRef idx="1">
+            <a:schemeClr val="accent1"/>
+          </a:lnRef>
+          <a:fillRef idx="0">
+            <a:schemeClr val="accent1"/>
+          </a:fillRef>
+          <a:effectRef idx="0">
+            <a:schemeClr val="accent1"/>
+          </a:effectRef>
+          <a:fontRef idx="minor">
+            <a:schemeClr val="tx1"/>
+          </a:fontRef>
+        </p:style>
+      </p:cxnSp>
+      <p:sp>
+        <p:nvSpPr>
+          <p:cNvPr id="13" name="TextBox 12"/>
+          <p:cNvSpPr txBox="1"/>
+          <p:nvPr/>
+        </p:nvSpPr>
+        <p:spPr>
+          <a:xfrm>
+            <a:off x="5563308" y="3144982"/>
+            <a:ext cx="3408219" cy="369332"/>
+          </a:xfrm>
+          <a:prstGeom prst="rect">
+            <a:avLst/>
+          </a:prstGeom>
+          <a:noFill/>
+        </p:spPr>
+        <p:txBody>
+          <a:bodyPr wrap="square" rtlCol="0">
+            <a:spAutoFit/>
+          </a:bodyPr>
+          <a:lstStyle/>
+          <a:p>
+            <a:r>
+              <a:rPr lang="en-US" b="1" dirty="0" smtClean="0">
+                <a:solidFill>
+                  <a:srgbClr val="FFC000"/>
+                </a:solidFill>
+              </a:rPr>
+              <a:t>Low bias and low sampling error</a:t>
+            </a:r>
+            <a:endParaRPr lang="en-US" b="1" dirty="0">
+              <a:solidFill>
+                <a:srgbClr val="FFC000"/>
+              </a:solidFill>
+            </a:endParaRPr>
           </a:p>
         </p:txBody>
       </p:sp>
     </p:spTree>
     <p:extLst>
       <p:ext uri="{BB962C8B-B14F-4D97-AF65-F5344CB8AC3E}">
-        <p14:creationId xmlns:p14="http://schemas.microsoft.com/office/powerpoint/2010/main" val="928041671"/>
+        <p14:creationId xmlns:p14="http://schemas.microsoft.com/office/powerpoint/2010/main" val="2018529560"/>
       </p:ext>
     </p:extLst>
   </p:cSld>
@@ -6008,7 +9591,7 @@
           <a:p>
             <a:r>
               <a:rPr lang="en-US" dirty="0" smtClean="0"/>
-              <a:t>Measures of spread</a:t>
+              <a:t>Pop quiz: Is it random?</a:t>
             </a:r>
             <a:endParaRPr lang="en-US" dirty="0"/>
           </a:p>
@@ -6026,57 +9609,63 @@
         </p:nvSpPr>
         <p:spPr/>
         <p:txBody>
-          <a:bodyPr/>
-          <a:lstStyle/>
-          <a:p>
-            <a:r>
-              <a:rPr lang="en-US" dirty="0" smtClean="0"/>
-              <a:t>Standard deviation/variance</a:t>
-            </a:r>
-          </a:p>
-          <a:p>
-            <a:r>
-              <a:rPr lang="en-US" dirty="0" smtClean="0"/>
-              <a:t>IQR</a:t>
-            </a:r>
-          </a:p>
-          <a:p>
-            <a:r>
-              <a:rPr lang="en-US" dirty="0" smtClean="0"/>
-              <a:t>Range</a:t>
-            </a:r>
-          </a:p>
-          <a:p>
-            <a:endParaRPr lang="en-US" dirty="0"/>
-          </a:p>
-          <a:p>
-            <a:endParaRPr lang="en-US" dirty="0" smtClean="0"/>
-          </a:p>
-          <a:p>
-            <a:r>
-              <a:rPr lang="en-US" dirty="0" err="1" smtClean="0"/>
-              <a:t>Sd</a:t>
-            </a:r>
-            <a:r>
-              <a:rPr lang="en-US" dirty="0" smtClean="0"/>
-              <a:t> generally in context of mean and </a:t>
-            </a:r>
-            <a:r>
-              <a:rPr lang="en-US" dirty="0" err="1" smtClean="0"/>
-              <a:t>iqr</a:t>
-            </a:r>
-            <a:r>
-              <a:rPr lang="en-US" smtClean="0"/>
-              <a:t> in context of median.</a:t>
-            </a:r>
-            <a:endParaRPr lang="en-US" dirty="0" smtClean="0"/>
+          <a:bodyPr>
+            <a:normAutofit/>
+          </a:bodyPr>
+          <a:lstStyle/>
+          <a:p>
+            <a:r>
+              <a:rPr lang="en-US" dirty="0" smtClean="0"/>
+              <a:t>A </a:t>
+            </a:r>
+            <a:r>
+              <a:rPr lang="en-US" dirty="0"/>
+              <a:t>researcher selects the first 58 student volunteers that sign up for a study </a:t>
+            </a:r>
+          </a:p>
+          <a:p>
+            <a:r>
+              <a:rPr lang="en-US" dirty="0"/>
+              <a:t>A computer program numbers all residents in a community, and then uses a random-number </a:t>
+            </a:r>
+            <a:r>
+              <a:rPr lang="en-US" dirty="0" smtClean="0"/>
+              <a:t>generator </a:t>
+            </a:r>
+            <a:r>
+              <a:rPr lang="en-US" dirty="0"/>
+              <a:t>to select 26 residents </a:t>
+            </a:r>
+          </a:p>
+          <a:p>
+            <a:r>
+              <a:rPr lang="en-US" dirty="0"/>
+              <a:t>A researcher vigorously shakes a box containing equally sized balls and takes the first 3 that fall </a:t>
+            </a:r>
+            <a:r>
+              <a:rPr lang="en-US" dirty="0" smtClean="0"/>
+              <a:t>out of </a:t>
+            </a:r>
+            <a:r>
+              <a:rPr lang="en-US" dirty="0"/>
+              <a:t>the box. </a:t>
+            </a:r>
+          </a:p>
+          <a:p>
+            <a:r>
+              <a:rPr lang="en-US" dirty="0"/>
+              <a:t>A researcher selects all study participants whose first name starts with an A, B, K, M, or O. </a:t>
+            </a:r>
+          </a:p>
+          <a:p>
+            <a:endParaRPr lang="en-US" dirty="0"/>
           </a:p>
         </p:txBody>
       </p:sp>
     </p:spTree>
     <p:extLst>
       <p:ext uri="{BB962C8B-B14F-4D97-AF65-F5344CB8AC3E}">
-        <p14:creationId xmlns:p14="http://schemas.microsoft.com/office/powerpoint/2010/main" val="635756196"/>
+        <p14:creationId xmlns:p14="http://schemas.microsoft.com/office/powerpoint/2010/main" val="614394749"/>
       </p:ext>
     </p:extLst>
   </p:cSld>

--- a/slides/intro.pptx
+++ b/slides/intro.pptx
@@ -5,7 +5,7 @@
     <p:sldMasterId id="2147484003" r:id="rId1"/>
   </p:sldMasterIdLst>
   <p:notesMasterIdLst>
-    <p:notesMasterId r:id="rId29"/>
+    <p:notesMasterId r:id="rId34"/>
   </p:notesMasterIdLst>
   <p:sldIdLst>
     <p:sldId id="256" r:id="rId2"/>
@@ -33,8 +33,13 @@
     <p:sldId id="268" r:id="rId24"/>
     <p:sldId id="262" r:id="rId25"/>
     <p:sldId id="272" r:id="rId26"/>
-    <p:sldId id="269" r:id="rId27"/>
-    <p:sldId id="270" r:id="rId28"/>
+    <p:sldId id="290" r:id="rId27"/>
+    <p:sldId id="291" r:id="rId28"/>
+    <p:sldId id="292" r:id="rId29"/>
+    <p:sldId id="293" r:id="rId30"/>
+    <p:sldId id="295" r:id="rId31"/>
+    <p:sldId id="294" r:id="rId32"/>
+    <p:sldId id="296" r:id="rId33"/>
   </p:sldIdLst>
   <p:sldSz cx="12192000" cy="6858000"/>
   <p:notesSz cx="6858000" cy="9144000"/>
@@ -566,6 +571,198 @@
     <p:extLst>
       <p:ext uri="{BB962C8B-B14F-4D97-AF65-F5344CB8AC3E}">
         <p14:creationId xmlns:p14="http://schemas.microsoft.com/office/powerpoint/2010/main" val="96538514"/>
+      </p:ext>
+    </p:extLst>
+  </p:cSld>
+  <p:clrMapOvr>
+    <a:masterClrMapping/>
+  </p:clrMapOvr>
+</p:notes>
+</file>
+
+<file path=ppt/notesSlides/notesSlide2.xml><?xml version="1.0" encoding="utf-8"?>
+<p:notes xmlns:a="http://schemas.openxmlformats.org/drawingml/2006/main" xmlns:r="http://schemas.openxmlformats.org/officeDocument/2006/relationships" xmlns:p="http://schemas.openxmlformats.org/presentationml/2006/main">
+  <p:cSld>
+    <p:spTree>
+      <p:nvGrpSpPr>
+        <p:cNvPr id="1" name=""/>
+        <p:cNvGrpSpPr/>
+        <p:nvPr/>
+      </p:nvGrpSpPr>
+      <p:grpSpPr>
+        <a:xfrm>
+          <a:off x="0" y="0"/>
+          <a:ext cx="0" cy="0"/>
+          <a:chOff x="0" y="0"/>
+          <a:chExt cx="0" cy="0"/>
+        </a:xfrm>
+      </p:grpSpPr>
+      <p:sp>
+        <p:nvSpPr>
+          <p:cNvPr id="2" name="Slide Image Placeholder 1"/>
+          <p:cNvSpPr>
+            <a:spLocks noGrp="1" noRot="1" noChangeAspect="1"/>
+          </p:cNvSpPr>
+          <p:nvPr>
+            <p:ph type="sldImg"/>
+          </p:nvPr>
+        </p:nvSpPr>
+        <p:spPr/>
+      </p:sp>
+      <p:sp>
+        <p:nvSpPr>
+          <p:cNvPr id="3" name="Notes Placeholder 2"/>
+          <p:cNvSpPr>
+            <a:spLocks noGrp="1"/>
+          </p:cNvSpPr>
+          <p:nvPr>
+            <p:ph type="body" idx="1"/>
+          </p:nvPr>
+        </p:nvSpPr>
+        <p:spPr/>
+        <p:txBody>
+          <a:bodyPr/>
+          <a:lstStyle/>
+          <a:p>
+            <a:r>
+              <a:rPr lang="en-US" dirty="0" smtClean="0"/>
+              <a:t>Mean vs median,</a:t>
+            </a:r>
+            <a:r>
+              <a:rPr lang="en-US" baseline="0" dirty="0" smtClean="0"/>
+              <a:t> symmetric or </a:t>
+            </a:r>
+            <a:r>
+              <a:rPr lang="en-US" baseline="0" dirty="0" err="1" smtClean="0"/>
+              <a:t>asym</a:t>
+            </a:r>
+            <a:r>
+              <a:rPr lang="en-US" baseline="0" dirty="0" smtClean="0"/>
+              <a:t>, is it unimodal?</a:t>
+            </a:r>
+            <a:endParaRPr lang="en-US" dirty="0"/>
+          </a:p>
+        </p:txBody>
+      </p:sp>
+      <p:sp>
+        <p:nvSpPr>
+          <p:cNvPr id="4" name="Slide Number Placeholder 3"/>
+          <p:cNvSpPr>
+            <a:spLocks noGrp="1"/>
+          </p:cNvSpPr>
+          <p:nvPr>
+            <p:ph type="sldNum" sz="quarter" idx="10"/>
+          </p:nvPr>
+        </p:nvSpPr>
+        <p:spPr/>
+        <p:txBody>
+          <a:bodyPr/>
+          <a:lstStyle/>
+          <a:p>
+            <a:fld id="{E32609A5-9C0D-AB4F-B692-674CF9666E27}" type="slidenum">
+              <a:rPr lang="en-US" smtClean="0"/>
+              <a:t>27</a:t>
+            </a:fld>
+            <a:endParaRPr lang="en-US"/>
+          </a:p>
+        </p:txBody>
+      </p:sp>
+    </p:spTree>
+    <p:extLst>
+      <p:ext uri="{BB962C8B-B14F-4D97-AF65-F5344CB8AC3E}">
+        <p14:creationId xmlns:p14="http://schemas.microsoft.com/office/powerpoint/2010/main" val="1533743277"/>
+      </p:ext>
+    </p:extLst>
+  </p:cSld>
+  <p:clrMapOvr>
+    <a:masterClrMapping/>
+  </p:clrMapOvr>
+</p:notes>
+</file>
+
+<file path=ppt/notesSlides/notesSlide3.xml><?xml version="1.0" encoding="utf-8"?>
+<p:notes xmlns:a="http://schemas.openxmlformats.org/drawingml/2006/main" xmlns:r="http://schemas.openxmlformats.org/officeDocument/2006/relationships" xmlns:p="http://schemas.openxmlformats.org/presentationml/2006/main">
+  <p:cSld>
+    <p:spTree>
+      <p:nvGrpSpPr>
+        <p:cNvPr id="1" name=""/>
+        <p:cNvGrpSpPr/>
+        <p:nvPr/>
+      </p:nvGrpSpPr>
+      <p:grpSpPr>
+        <a:xfrm>
+          <a:off x="0" y="0"/>
+          <a:ext cx="0" cy="0"/>
+          <a:chOff x="0" y="0"/>
+          <a:chExt cx="0" cy="0"/>
+        </a:xfrm>
+      </p:grpSpPr>
+      <p:sp>
+        <p:nvSpPr>
+          <p:cNvPr id="2" name="Slide Image Placeholder 1"/>
+          <p:cNvSpPr>
+            <a:spLocks noGrp="1" noRot="1" noChangeAspect="1"/>
+          </p:cNvSpPr>
+          <p:nvPr>
+            <p:ph type="sldImg"/>
+          </p:nvPr>
+        </p:nvSpPr>
+        <p:spPr/>
+      </p:sp>
+      <p:sp>
+        <p:nvSpPr>
+          <p:cNvPr id="3" name="Notes Placeholder 2"/>
+          <p:cNvSpPr>
+            <a:spLocks noGrp="1"/>
+          </p:cNvSpPr>
+          <p:nvPr>
+            <p:ph type="body" idx="1"/>
+          </p:nvPr>
+        </p:nvSpPr>
+        <p:spPr/>
+        <p:txBody>
+          <a:bodyPr/>
+          <a:lstStyle/>
+          <a:p>
+            <a:r>
+              <a:rPr lang="en-US" dirty="0" smtClean="0"/>
+              <a:t>So why are there outliers</a:t>
+            </a:r>
+            <a:r>
+              <a:rPr lang="en-US" baseline="0" dirty="0" smtClean="0"/>
+              <a:t> in one and not the other?</a:t>
+            </a:r>
+            <a:endParaRPr lang="en-US" dirty="0"/>
+          </a:p>
+        </p:txBody>
+      </p:sp>
+      <p:sp>
+        <p:nvSpPr>
+          <p:cNvPr id="4" name="Slide Number Placeholder 3"/>
+          <p:cNvSpPr>
+            <a:spLocks noGrp="1"/>
+          </p:cNvSpPr>
+          <p:nvPr>
+            <p:ph type="sldNum" sz="quarter" idx="10"/>
+          </p:nvPr>
+        </p:nvSpPr>
+        <p:spPr/>
+        <p:txBody>
+          <a:bodyPr/>
+          <a:lstStyle/>
+          <a:p>
+            <a:fld id="{E32609A5-9C0D-AB4F-B692-674CF9666E27}" type="slidenum">
+              <a:rPr lang="en-US" smtClean="0"/>
+              <a:t>28</a:t>
+            </a:fld>
+            <a:endParaRPr lang="en-US"/>
+          </a:p>
+        </p:txBody>
+      </p:sp>
+    </p:spTree>
+    <p:extLst>
+      <p:ext uri="{BB962C8B-B14F-4D97-AF65-F5344CB8AC3E}">
+        <p14:creationId xmlns:p14="http://schemas.microsoft.com/office/powerpoint/2010/main" val="1540878455"/>
       </p:ext>
     </p:extLst>
   </p:cSld>
@@ -4753,7 +4950,6 @@
               <a:rPr lang="en-US" dirty="0" smtClean="0"/>
               <a:t>Discrete (includes count data)</a:t>
             </a:r>
-            <a:endParaRPr lang="en-US" dirty="0" smtClean="0"/>
           </a:p>
           <a:p>
             <a:pPr marL="11112" indent="0">
@@ -4785,11 +4981,7 @@
             </a:pPr>
             <a:r>
               <a:rPr lang="en-US" b="1" dirty="0" smtClean="0"/>
-              <a:t>Categorical </a:t>
-            </a:r>
-            <a:r>
-              <a:rPr lang="en-US" b="1" dirty="0" smtClean="0"/>
-              <a:t>data</a:t>
+              <a:t>Categorical data</a:t>
             </a:r>
           </a:p>
           <a:p>
@@ -5304,8 +5496,8 @@
           </a:p>
         </p:txBody>
       </p:sp>
-      <mc:AlternateContent xmlns:mc="http://schemas.openxmlformats.org/markup-compatibility/2006">
-        <mc:Choice xmlns:a14="http://schemas.microsoft.com/office/drawing/2010/main" Requires="a14">
+      <mc:AlternateContent xmlns:mc="http://schemas.openxmlformats.org/markup-compatibility/2006" xmlns:a14="http://schemas.microsoft.com/office/drawing/2010/main">
+        <mc:Choice Requires="a14">
           <p:sp>
             <p:nvSpPr>
               <p:cNvPr id="3" name="Content Placeholder 2"/>
@@ -5774,7 +5966,7 @@
             </p:txBody>
           </p:sp>
         </mc:Choice>
-        <mc:Fallback>
+        <mc:Fallback xmlns="">
           <p:sp>
             <p:nvSpPr>
               <p:cNvPr id="3" name="Content Placeholder 2"/>
@@ -6010,14 +6202,12 @@
               <a:rPr lang="en-US" dirty="0" smtClean="0"/>
               <a:t>Standard deviation and variance</a:t>
             </a:r>
-            <a:endParaRPr lang="en-US" dirty="0" smtClean="0"/>
           </a:p>
           <a:p>
             <a:r>
               <a:rPr lang="en-US" dirty="0" smtClean="0"/>
               <a:t>Interquartile range</a:t>
             </a:r>
-            <a:endParaRPr lang="en-US" dirty="0" smtClean="0"/>
           </a:p>
           <a:p>
             <a:endParaRPr lang="en-US" dirty="0"/>
@@ -6317,8 +6507,8 @@
           </a:p>
         </p:txBody>
       </p:sp>
-      <mc:AlternateContent xmlns:mc="http://schemas.openxmlformats.org/markup-compatibility/2006">
-        <mc:Choice xmlns:a14="http://schemas.microsoft.com/office/drawing/2010/main" Requires="a14">
+      <mc:AlternateContent xmlns:mc="http://schemas.openxmlformats.org/markup-compatibility/2006" xmlns:a14="http://schemas.microsoft.com/office/drawing/2010/main">
+        <mc:Choice Requires="a14">
           <p:sp>
             <p:nvSpPr>
               <p:cNvPr id="3" name="Content Placeholder 2"/>
@@ -6883,7 +7073,7 @@
             </p:txBody>
           </p:sp>
         </mc:Choice>
-        <mc:Fallback>
+        <mc:Fallback xmlns="">
           <p:sp>
             <p:nvSpPr>
               <p:cNvPr id="3" name="Content Placeholder 2"/>
@@ -7440,8 +7630,8 @@
           </a:p>
         </p:txBody>
       </p:sp>
-      <mc:AlternateContent xmlns:mc="http://schemas.openxmlformats.org/markup-compatibility/2006">
-        <mc:Choice xmlns:a14="http://schemas.microsoft.com/office/drawing/2010/main" Requires="a14">
+      <mc:AlternateContent xmlns:mc="http://schemas.openxmlformats.org/markup-compatibility/2006" xmlns:a14="http://schemas.microsoft.com/office/drawing/2010/main">
+        <mc:Choice Requires="a14">
           <p:sp>
             <p:nvSpPr>
               <p:cNvPr id="3" name="Content Placeholder 2"/>
@@ -7575,7 +7765,7 @@
             </p:txBody>
           </p:sp>
         </mc:Choice>
-        <mc:Fallback>
+        <mc:Fallback xmlns="">
           <p:sp>
             <p:nvSpPr>
               <p:cNvPr id="3" name="Content Placeholder 2"/>
@@ -8065,6 +8255,10 @@
           <a:bodyPr/>
           <a:lstStyle/>
           <a:p>
+            <a:r>
+              <a:rPr lang="en-US" dirty="0" smtClean="0"/>
+              <a:t>Histogram</a:t>
+            </a:r>
             <a:endParaRPr lang="en-US" dirty="0"/>
           </a:p>
         </p:txBody>
@@ -8084,69 +8278,46 @@
           <a:bodyPr/>
           <a:lstStyle/>
           <a:p>
-            <a:r>
-              <a:rPr lang="en-US" dirty="0" smtClean="0"/>
-              <a:t>Histogram and boxplot and </a:t>
-            </a:r>
-            <a:r>
-              <a:rPr lang="en-US" dirty="0" err="1" smtClean="0"/>
-              <a:t>barplot</a:t>
-            </a:r>
             <a:endParaRPr lang="en-US" dirty="0" smtClean="0"/>
           </a:p>
           <a:p>
-            <a:r>
-              <a:rPr lang="en-US" dirty="0" smtClean="0"/>
-              <a:t>Discuss back and forth </a:t>
-            </a:r>
-            <a:r>
-              <a:rPr lang="en-US" dirty="0" err="1" smtClean="0"/>
-              <a:t>hist</a:t>
-            </a:r>
-            <a:r>
-              <a:rPr lang="en-US" dirty="0" smtClean="0"/>
-              <a:t> and box</a:t>
-            </a:r>
-          </a:p>
-          <a:p>
-            <a:r>
-              <a:rPr lang="en-US" dirty="0" err="1" smtClean="0"/>
-              <a:t>Barplot</a:t>
-            </a:r>
             <a:endParaRPr lang="en-US" dirty="0" smtClean="0"/>
           </a:p>
           <a:p>
-            <a:pPr lvl="1"/>
-            <a:r>
-              <a:rPr lang="en-US" dirty="0" smtClean="0"/>
-              <a:t>Why </a:t>
-            </a:r>
-            <a:r>
-              <a:rPr lang="en-US" dirty="0" err="1" smtClean="0"/>
-              <a:t>barplots</a:t>
-            </a:r>
-            <a:r>
-              <a:rPr lang="en-US" dirty="0" smtClean="0"/>
-              <a:t> should not be used for numeric data</a:t>
-            </a:r>
-          </a:p>
-          <a:p>
-            <a:r>
-              <a:rPr lang="en-US" dirty="0" smtClean="0"/>
-              <a:t>Line plot</a:t>
-            </a:r>
-          </a:p>
-          <a:p>
-            <a:endParaRPr lang="en-US" dirty="0" smtClean="0"/>
-          </a:p>
-          <a:p>
-            <a:endParaRPr lang="en-US" dirty="0" smtClean="0"/>
-          </a:p>
-          <a:p>
-            <a:endParaRPr lang="en-US" dirty="0"/>
-          </a:p>
-        </p:txBody>
-      </p:sp>
+            <a:endParaRPr lang="en-US" dirty="0"/>
+          </a:p>
+        </p:txBody>
+      </p:sp>
+      <p:pic>
+        <p:nvPicPr>
+          <p:cNvPr id="4" name="Picture 3"/>
+          <p:cNvPicPr>
+            <a:picLocks noChangeAspect="1"/>
+          </p:cNvPicPr>
+          <p:nvPr/>
+        </p:nvPicPr>
+        <p:blipFill>
+          <a:blip r:embed="rId2">
+            <a:extLst>
+              <a:ext uri="{28A0092B-C50C-407E-A947-70E740481C1C}">
+                <a14:useLocalDpi xmlns:a14="http://schemas.microsoft.com/office/drawing/2010/main" val="0"/>
+              </a:ext>
+            </a:extLst>
+          </a:blip>
+          <a:stretch>
+            <a:fillRect/>
+          </a:stretch>
+        </p:blipFill>
+        <p:spPr>
+          <a:xfrm>
+            <a:off x="3755136" y="2230892"/>
+            <a:ext cx="4070604" cy="3746576"/>
+          </a:xfrm>
+          <a:prstGeom prst="rect">
+            <a:avLst/>
+          </a:prstGeom>
+        </p:spPr>
+      </p:pic>
     </p:spTree>
     <p:extLst>
       <p:ext uri="{BB962C8B-B14F-4D97-AF65-F5344CB8AC3E}">
@@ -8194,7 +8365,7 @@
           <a:p>
             <a:r>
               <a:rPr lang="en-US" dirty="0" smtClean="0"/>
-              <a:t>Types of variables</a:t>
+              <a:t>Boxplot</a:t>
             </a:r>
             <a:endParaRPr lang="en-US" dirty="0"/>
           </a:p>
@@ -8210,9 +8381,219 @@
             <p:ph idx="1"/>
           </p:nvPr>
         </p:nvSpPr>
-        <p:spPr/>
+        <p:spPr>
+          <a:xfrm>
+            <a:off x="1097280" y="1845734"/>
+            <a:ext cx="4361824" cy="4023360"/>
+          </a:xfrm>
+        </p:spPr>
         <p:txBody>
           <a:bodyPr/>
+          <a:lstStyle/>
+          <a:p>
+            <a:r>
+              <a:rPr lang="en-US" dirty="0"/>
+              <a:t>Graphical representation of a five-number </a:t>
+            </a:r>
+            <a:r>
+              <a:rPr lang="en-US" dirty="0" smtClean="0"/>
+              <a:t>summary</a:t>
+            </a:r>
+            <a:endParaRPr lang="en-US" dirty="0"/>
+          </a:p>
+          <a:p>
+            <a:endParaRPr lang="en-US" dirty="0"/>
+          </a:p>
+          <a:p>
+            <a:r>
+              <a:rPr lang="en-US" dirty="0"/>
+              <a:t>“Whiskers” calculated as data within +/- 1.5 IQR</a:t>
+            </a:r>
+          </a:p>
+          <a:p>
+            <a:endParaRPr lang="en-US" dirty="0"/>
+          </a:p>
+        </p:txBody>
+      </p:sp>
+      <p:pic>
+        <p:nvPicPr>
+          <p:cNvPr id="4" name="Content Placeholder 17"/>
+          <p:cNvPicPr>
+            <a:picLocks noChangeAspect="1"/>
+          </p:cNvPicPr>
+          <p:nvPr/>
+        </p:nvPicPr>
+        <p:blipFill>
+          <a:blip r:embed="rId2">
+            <a:extLst>
+              <a:ext uri="{28A0092B-C50C-407E-A947-70E740481C1C}">
+                <a14:useLocalDpi xmlns:a14="http://schemas.microsoft.com/office/drawing/2010/main" val="0"/>
+              </a:ext>
+            </a:extLst>
+          </a:blip>
+          <a:stretch>
+            <a:fillRect/>
+          </a:stretch>
+        </p:blipFill>
+        <p:spPr>
+          <a:xfrm>
+            <a:off x="5948317" y="1985346"/>
+            <a:ext cx="4724232" cy="4466781"/>
+          </a:xfrm>
+          <a:prstGeom prst="rect">
+            <a:avLst/>
+          </a:prstGeom>
+        </p:spPr>
+      </p:pic>
+      <p:sp>
+        <p:nvSpPr>
+          <p:cNvPr id="5" name="Right Brace 4"/>
+          <p:cNvSpPr/>
+          <p:nvPr/>
+        </p:nvSpPr>
+        <p:spPr>
+          <a:xfrm>
+            <a:off x="8468576" y="2591337"/>
+            <a:ext cx="291357" cy="760456"/>
+          </a:xfrm>
+          <a:prstGeom prst="rightBrace">
+            <a:avLst/>
+          </a:prstGeom>
+          <a:ln w="25400">
+            <a:solidFill>
+              <a:srgbClr val="FF0000"/>
+            </a:solidFill>
+          </a:ln>
+        </p:spPr>
+        <p:style>
+          <a:lnRef idx="1">
+            <a:schemeClr val="accent1"/>
+          </a:lnRef>
+          <a:fillRef idx="0">
+            <a:schemeClr val="accent1"/>
+          </a:fillRef>
+          <a:effectRef idx="0">
+            <a:schemeClr val="accent1"/>
+          </a:effectRef>
+          <a:fontRef idx="minor">
+            <a:schemeClr val="tx1"/>
+          </a:fontRef>
+        </p:style>
+        <p:txBody>
+          <a:bodyPr rtlCol="0" anchor="ctr"/>
+          <a:lstStyle/>
+          <a:p>
+            <a:pPr algn="ctr"/>
+            <a:endParaRPr lang="en-US"/>
+          </a:p>
+        </p:txBody>
+      </p:sp>
+      <p:sp>
+        <p:nvSpPr>
+          <p:cNvPr id="6" name="Right Brace 5"/>
+          <p:cNvSpPr/>
+          <p:nvPr/>
+        </p:nvSpPr>
+        <p:spPr>
+          <a:xfrm>
+            <a:off x="9670307" y="3342175"/>
+            <a:ext cx="283063" cy="662918"/>
+          </a:xfrm>
+          <a:prstGeom prst="rightBrace">
+            <a:avLst/>
+          </a:prstGeom>
+          <a:ln w="25400">
+            <a:solidFill>
+              <a:srgbClr val="FF0000"/>
+            </a:solidFill>
+          </a:ln>
+        </p:spPr>
+        <p:style>
+          <a:lnRef idx="1">
+            <a:schemeClr val="accent1"/>
+          </a:lnRef>
+          <a:fillRef idx="0">
+            <a:schemeClr val="accent1"/>
+          </a:fillRef>
+          <a:effectRef idx="0">
+            <a:schemeClr val="accent1"/>
+          </a:effectRef>
+          <a:fontRef idx="minor">
+            <a:schemeClr val="tx1"/>
+          </a:fontRef>
+        </p:style>
+        <p:txBody>
+          <a:bodyPr rtlCol="0" anchor="ctr"/>
+          <a:lstStyle/>
+          <a:p>
+            <a:pPr algn="ctr"/>
+            <a:endParaRPr lang="en-US"/>
+          </a:p>
+        </p:txBody>
+      </p:sp>
+      <p:sp>
+        <p:nvSpPr>
+          <p:cNvPr id="7" name="Right Brace 6"/>
+          <p:cNvSpPr/>
+          <p:nvPr/>
+        </p:nvSpPr>
+        <p:spPr>
+          <a:xfrm rot="10800000">
+            <a:off x="8075608" y="5195991"/>
+            <a:ext cx="138864" cy="176803"/>
+          </a:xfrm>
+          <a:prstGeom prst="rightBrace">
+            <a:avLst/>
+          </a:prstGeom>
+          <a:ln w="25400">
+            <a:solidFill>
+              <a:srgbClr val="FF0000"/>
+            </a:solidFill>
+          </a:ln>
+        </p:spPr>
+        <p:style>
+          <a:lnRef idx="1">
+            <a:schemeClr val="accent1"/>
+          </a:lnRef>
+          <a:fillRef idx="0">
+            <a:schemeClr val="accent1"/>
+          </a:fillRef>
+          <a:effectRef idx="0">
+            <a:schemeClr val="accent1"/>
+          </a:effectRef>
+          <a:fontRef idx="minor">
+            <a:schemeClr val="tx1"/>
+          </a:fontRef>
+        </p:style>
+        <p:txBody>
+          <a:bodyPr rtlCol="0" anchor="ctr"/>
+          <a:lstStyle/>
+          <a:p>
+            <a:pPr algn="ctr"/>
+            <a:endParaRPr lang="en-US"/>
+          </a:p>
+        </p:txBody>
+      </p:sp>
+      <p:sp>
+        <p:nvSpPr>
+          <p:cNvPr id="8" name="TextBox 7"/>
+          <p:cNvSpPr txBox="1"/>
+          <p:nvPr/>
+        </p:nvSpPr>
+        <p:spPr>
+          <a:xfrm>
+            <a:off x="8685248" y="2782089"/>
+            <a:ext cx="572281" cy="374064"/>
+          </a:xfrm>
+          <a:prstGeom prst="rect">
+            <a:avLst/>
+          </a:prstGeom>
+          <a:noFill/>
+        </p:spPr>
+        <p:txBody>
+          <a:bodyPr wrap="square" rtlCol="0">
+            <a:spAutoFit/>
+          </a:bodyPr>
           <a:lstStyle/>
           <a:p>
             <a:r>
@@ -8221,133 +8602,331 @@
                   <a:srgbClr val="FF0000"/>
                 </a:solidFill>
               </a:rPr>
-              <a:t>Response</a:t>
-            </a:r>
-            <a:r>
-              <a:rPr lang="en-US" dirty="0" smtClean="0"/>
-              <a:t> vs </a:t>
-            </a:r>
-            <a:r>
-              <a:rPr lang="en-US" dirty="0" smtClean="0">
+              <a:t>Q3</a:t>
+            </a:r>
+            <a:endParaRPr lang="en-US" dirty="0">
+              <a:solidFill>
+                <a:srgbClr val="FF0000"/>
+              </a:solidFill>
+            </a:endParaRPr>
+          </a:p>
+        </p:txBody>
+      </p:sp>
+      <p:sp>
+        <p:nvSpPr>
+          <p:cNvPr id="9" name="Right Brace 8"/>
+          <p:cNvSpPr/>
+          <p:nvPr/>
+        </p:nvSpPr>
+        <p:spPr>
+          <a:xfrm>
+            <a:off x="8422855" y="4019661"/>
+            <a:ext cx="291357" cy="760456"/>
+          </a:xfrm>
+          <a:prstGeom prst="rightBrace">
+            <a:avLst/>
+          </a:prstGeom>
+          <a:ln w="25400">
+            <a:solidFill>
+              <a:srgbClr val="FF0000"/>
+            </a:solidFill>
+          </a:ln>
+        </p:spPr>
+        <p:style>
+          <a:lnRef idx="1">
+            <a:schemeClr val="accent1"/>
+          </a:lnRef>
+          <a:fillRef idx="0">
+            <a:schemeClr val="accent1"/>
+          </a:fillRef>
+          <a:effectRef idx="0">
+            <a:schemeClr val="accent1"/>
+          </a:effectRef>
+          <a:fontRef idx="minor">
+            <a:schemeClr val="tx1"/>
+          </a:fontRef>
+        </p:style>
+        <p:txBody>
+          <a:bodyPr rtlCol="0" anchor="ctr"/>
+          <a:lstStyle/>
+          <a:p>
+            <a:pPr algn="ctr"/>
+            <a:endParaRPr lang="en-US"/>
+          </a:p>
+        </p:txBody>
+      </p:sp>
+      <p:sp>
+        <p:nvSpPr>
+          <p:cNvPr id="10" name="TextBox 9"/>
+          <p:cNvSpPr txBox="1"/>
+          <p:nvPr/>
+        </p:nvSpPr>
+        <p:spPr>
+          <a:xfrm>
+            <a:off x="7177347" y="5098609"/>
+            <a:ext cx="1061489" cy="374064"/>
+          </a:xfrm>
+          <a:prstGeom prst="rect">
+            <a:avLst/>
+          </a:prstGeom>
+          <a:noFill/>
+        </p:spPr>
+        <p:txBody>
+          <a:bodyPr wrap="square" rtlCol="0">
+            <a:spAutoFit/>
+          </a:bodyPr>
+          <a:lstStyle/>
+          <a:p>
+            <a:r>
+              <a:rPr lang="en-US" smtClean="0">
                 <a:solidFill>
-                  <a:schemeClr val="accent4">
-                    <a:lumMod val="75000"/>
-                  </a:schemeClr>
+                  <a:srgbClr val="FF0000"/>
                 </a:solidFill>
               </a:rPr>
-              <a:t>Explanatory </a:t>
-            </a:r>
-          </a:p>
-          <a:p>
-            <a:pPr lvl="1"/>
-            <a:r>
-              <a:rPr lang="en-US" dirty="0"/>
-              <a:t>T</a:t>
-            </a:r>
-            <a:r>
-              <a:rPr lang="en-US" dirty="0" smtClean="0"/>
-              <a:t>he </a:t>
-            </a:r>
+              <a:t>outliers</a:t>
+            </a:r>
+            <a:endParaRPr lang="en-US" dirty="0">
+              <a:solidFill>
+                <a:srgbClr val="FF0000"/>
+              </a:solidFill>
+            </a:endParaRPr>
+          </a:p>
+        </p:txBody>
+      </p:sp>
+      <p:sp>
+        <p:nvSpPr>
+          <p:cNvPr id="11" name="TextBox 10"/>
+          <p:cNvSpPr txBox="1"/>
+          <p:nvPr/>
+        </p:nvSpPr>
+        <p:spPr>
+          <a:xfrm>
+            <a:off x="8639527" y="4210413"/>
+            <a:ext cx="572281" cy="374064"/>
+          </a:xfrm>
+          <a:prstGeom prst="rect">
+            <a:avLst/>
+          </a:prstGeom>
+          <a:noFill/>
+        </p:spPr>
+        <p:txBody>
+          <a:bodyPr wrap="square" rtlCol="0">
+            <a:spAutoFit/>
+          </a:bodyPr>
+          <a:lstStyle/>
+          <a:p>
             <a:r>
               <a:rPr lang="en-US" dirty="0" smtClean="0">
                 <a:solidFill>
                   <a:srgbClr val="FF0000"/>
                 </a:solidFill>
               </a:rPr>
-              <a:t>response</a:t>
-            </a:r>
-            <a:r>
-              <a:rPr lang="en-US" dirty="0" smtClean="0"/>
-              <a:t> is what we’d like to predict, and the </a:t>
-            </a:r>
-            <a:r>
-              <a:rPr lang="en-US" dirty="0" smtClean="0">
-                <a:solidFill>
-                  <a:schemeClr val="accent4">
-                    <a:lumMod val="75000"/>
-                  </a:schemeClr>
-                </a:solidFill>
-              </a:rPr>
-              <a:t>explanatory</a:t>
-            </a:r>
-            <a:r>
-              <a:rPr lang="en-US" dirty="0" smtClean="0"/>
-              <a:t> is what we’re using to predict</a:t>
-            </a:r>
-          </a:p>
-          <a:p>
-            <a:pPr lvl="1"/>
-            <a:r>
-              <a:rPr lang="en-US" dirty="0" smtClean="0"/>
-              <a:t>Also known as </a:t>
-            </a:r>
-            <a:r>
-              <a:rPr lang="en-US" dirty="0" smtClean="0">
+              <a:t>Q1</a:t>
+            </a:r>
+            <a:endParaRPr lang="en-US" dirty="0">
+              <a:solidFill>
+                <a:srgbClr val="FF0000"/>
+              </a:solidFill>
+            </a:endParaRPr>
+          </a:p>
+        </p:txBody>
+      </p:sp>
+      <p:cxnSp>
+        <p:nvCxnSpPr>
+          <p:cNvPr id="12" name="Straight Arrow Connector 11"/>
+          <p:cNvCxnSpPr/>
+          <p:nvPr/>
+        </p:nvCxnSpPr>
+        <p:spPr>
+          <a:xfrm>
+            <a:off x="7217539" y="3265103"/>
+            <a:ext cx="655924" cy="393861"/>
+          </a:xfrm>
+          <a:prstGeom prst="straightConnector1">
+            <a:avLst/>
+          </a:prstGeom>
+          <a:ln w="38100">
+            <a:solidFill>
+              <a:srgbClr val="FF0000"/>
+            </a:solidFill>
+            <a:tailEnd type="triangle"/>
+          </a:ln>
+        </p:spPr>
+        <p:style>
+          <a:lnRef idx="1">
+            <a:schemeClr val="accent1"/>
+          </a:lnRef>
+          <a:fillRef idx="0">
+            <a:schemeClr val="accent1"/>
+          </a:fillRef>
+          <a:effectRef idx="0">
+            <a:schemeClr val="accent1"/>
+          </a:effectRef>
+          <a:fontRef idx="minor">
+            <a:schemeClr val="tx1"/>
+          </a:fontRef>
+        </p:style>
+      </p:cxnSp>
+      <p:sp>
+        <p:nvSpPr>
+          <p:cNvPr id="13" name="TextBox 12"/>
+          <p:cNvSpPr txBox="1"/>
+          <p:nvPr/>
+        </p:nvSpPr>
+        <p:spPr>
+          <a:xfrm>
+            <a:off x="6413199" y="3071797"/>
+            <a:ext cx="1233993" cy="374064"/>
+          </a:xfrm>
+          <a:prstGeom prst="rect">
+            <a:avLst/>
+          </a:prstGeom>
+          <a:noFill/>
+        </p:spPr>
+        <p:txBody>
+          <a:bodyPr wrap="square" rtlCol="0">
+            <a:spAutoFit/>
+          </a:bodyPr>
+          <a:lstStyle/>
+          <a:p>
+            <a:r>
+              <a:rPr lang="en-US" smtClean="0">
                 <a:solidFill>
                   <a:srgbClr val="FF0000"/>
                 </a:solidFill>
               </a:rPr>
-              <a:t>independent </a:t>
-            </a:r>
-            <a:r>
-              <a:rPr lang="en-US" dirty="0"/>
-              <a:t>and</a:t>
-            </a:r>
-            <a:r>
-              <a:rPr lang="en-US" dirty="0" smtClean="0"/>
-              <a:t> </a:t>
-            </a:r>
+              <a:t>Median</a:t>
+            </a:r>
+            <a:endParaRPr lang="en-US" dirty="0">
+              <a:solidFill>
+                <a:srgbClr val="FF0000"/>
+              </a:solidFill>
+            </a:endParaRPr>
+          </a:p>
+        </p:txBody>
+      </p:sp>
+      <p:sp>
+        <p:nvSpPr>
+          <p:cNvPr id="14" name="TextBox 13"/>
+          <p:cNvSpPr txBox="1"/>
+          <p:nvPr/>
+        </p:nvSpPr>
+        <p:spPr>
+          <a:xfrm>
+            <a:off x="6556676" y="2048329"/>
+            <a:ext cx="1467625" cy="374064"/>
+          </a:xfrm>
+          <a:prstGeom prst="rect">
+            <a:avLst/>
+          </a:prstGeom>
+          <a:noFill/>
+        </p:spPr>
+        <p:txBody>
+          <a:bodyPr wrap="square" rtlCol="0">
+            <a:spAutoFit/>
+          </a:bodyPr>
+          <a:lstStyle/>
+          <a:p>
             <a:r>
               <a:rPr lang="en-US" dirty="0" smtClean="0">
                 <a:solidFill>
-                  <a:schemeClr val="accent4">
-                    <a:lumMod val="75000"/>
+                  <a:schemeClr val="bg2">
+                    <a:lumMod val="50000"/>
                   </a:schemeClr>
                 </a:solidFill>
               </a:rPr>
-              <a:t>dependent</a:t>
-            </a:r>
-          </a:p>
-          <a:p>
-            <a:pPr lvl="1"/>
+              <a:t>“whiskers”</a:t>
+            </a:r>
             <a:endParaRPr lang="en-US" dirty="0">
               <a:solidFill>
-                <a:schemeClr val="accent4">
-                  <a:lumMod val="75000"/>
+                <a:schemeClr val="bg2">
+                  <a:lumMod val="50000"/>
                 </a:schemeClr>
               </a:solidFill>
             </a:endParaRPr>
           </a:p>
-          <a:p>
-            <a:pPr lvl="1"/>
-            <a:endParaRPr lang="en-US" dirty="0" smtClean="0">
-              <a:solidFill>
-                <a:schemeClr val="accent4">
-                  <a:lumMod val="75000"/>
-                </a:schemeClr>
-              </a:solidFill>
-            </a:endParaRPr>
-          </a:p>
-          <a:p>
-            <a:pPr lvl="1"/>
-            <a:r>
-              <a:rPr lang="en-US" dirty="0" smtClean="0">
-                <a:solidFill>
-                  <a:schemeClr val="accent4">
-                    <a:lumMod val="75000"/>
-                  </a:schemeClr>
-                </a:solidFill>
-              </a:rPr>
-              <a:t>[scatter plot]</a:t>
-            </a:r>
-            <a:endParaRPr lang="en-US" dirty="0"/>
-          </a:p>
-        </p:txBody>
-      </p:sp>
+        </p:txBody>
+      </p:sp>
+      <p:cxnSp>
+        <p:nvCxnSpPr>
+          <p:cNvPr id="15" name="Straight Arrow Connector 14"/>
+          <p:cNvCxnSpPr/>
+          <p:nvPr/>
+        </p:nvCxnSpPr>
+        <p:spPr>
+          <a:xfrm>
+            <a:off x="7265665" y="2382939"/>
+            <a:ext cx="1038215" cy="460373"/>
+          </a:xfrm>
+          <a:prstGeom prst="straightConnector1">
+            <a:avLst/>
+          </a:prstGeom>
+          <a:ln w="38100">
+            <a:solidFill>
+              <a:schemeClr val="bg2">
+                <a:lumMod val="50000"/>
+              </a:schemeClr>
+            </a:solidFill>
+            <a:tailEnd type="triangle"/>
+          </a:ln>
+        </p:spPr>
+        <p:style>
+          <a:lnRef idx="1">
+            <a:schemeClr val="accent1"/>
+          </a:lnRef>
+          <a:fillRef idx="0">
+            <a:schemeClr val="accent1"/>
+          </a:fillRef>
+          <a:effectRef idx="0">
+            <a:schemeClr val="accent1"/>
+          </a:effectRef>
+          <a:fontRef idx="minor">
+            <a:schemeClr val="tx1"/>
+          </a:fontRef>
+        </p:style>
+      </p:cxnSp>
+      <p:cxnSp>
+        <p:nvCxnSpPr>
+          <p:cNvPr id="16" name="Straight Arrow Connector 15"/>
+          <p:cNvCxnSpPr/>
+          <p:nvPr/>
+        </p:nvCxnSpPr>
+        <p:spPr>
+          <a:xfrm>
+            <a:off x="7217539" y="2417661"/>
+            <a:ext cx="1128995" cy="2002751"/>
+          </a:xfrm>
+          <a:prstGeom prst="straightConnector1">
+            <a:avLst/>
+          </a:prstGeom>
+          <a:ln w="38100">
+            <a:solidFill>
+              <a:schemeClr val="bg2">
+                <a:lumMod val="50000"/>
+              </a:schemeClr>
+            </a:solidFill>
+            <a:tailEnd type="triangle"/>
+          </a:ln>
+        </p:spPr>
+        <p:style>
+          <a:lnRef idx="1">
+            <a:schemeClr val="accent1"/>
+          </a:lnRef>
+          <a:fillRef idx="0">
+            <a:schemeClr val="accent1"/>
+          </a:fillRef>
+          <a:effectRef idx="0">
+            <a:schemeClr val="accent1"/>
+          </a:effectRef>
+          <a:fontRef idx="minor">
+            <a:schemeClr val="tx1"/>
+          </a:fontRef>
+        </p:style>
+      </p:cxnSp>
     </p:spTree>
     <p:extLst>
       <p:ext uri="{BB962C8B-B14F-4D97-AF65-F5344CB8AC3E}">
-        <p14:creationId xmlns:p14="http://schemas.microsoft.com/office/powerpoint/2010/main" val="158604534"/>
+        <p14:creationId xmlns:p14="http://schemas.microsoft.com/office/powerpoint/2010/main" val="1952281131"/>
       </p:ext>
     </p:extLst>
   </p:cSld>
@@ -8391,35 +8970,314 @@
           <a:p>
             <a:r>
               <a:rPr lang="en-US" dirty="0" smtClean="0"/>
-              <a:t>Worksheet break, then R time</a:t>
-            </a:r>
-            <a:endParaRPr lang="en-US" dirty="0"/>
-          </a:p>
-        </p:txBody>
-      </p:sp>
-      <p:sp>
-        <p:nvSpPr>
-          <p:cNvPr id="3" name="Content Placeholder 2"/>
-          <p:cNvSpPr>
-            <a:spLocks noGrp="1"/>
-          </p:cNvSpPr>
+              <a:t>What can we say about this distribution based on its boxplot?</a:t>
+            </a:r>
+            <a:endParaRPr lang="en-US" dirty="0"/>
+          </a:p>
+        </p:txBody>
+      </p:sp>
+      <p:pic>
+        <p:nvPicPr>
+          <p:cNvPr id="4" name="Content Placeholder 3"/>
+          <p:cNvPicPr>
+            <a:picLocks noGrp="1" noChangeAspect="1"/>
+          </p:cNvPicPr>
           <p:nvPr>
             <p:ph idx="1"/>
           </p:nvPr>
-        </p:nvSpPr>
-        <p:spPr/>
-        <p:txBody>
-          <a:bodyPr/>
-          <a:lstStyle/>
-          <a:p>
-            <a:endParaRPr lang="en-US" dirty="0"/>
-          </a:p>
-        </p:txBody>
-      </p:sp>
+        </p:nvPicPr>
+        <p:blipFill>
+          <a:blip r:embed="rId3">
+            <a:extLst>
+              <a:ext uri="{28A0092B-C50C-407E-A947-70E740481C1C}">
+                <a14:useLocalDpi xmlns:a14="http://schemas.microsoft.com/office/drawing/2010/main" val="0"/>
+              </a:ext>
+            </a:extLst>
+          </a:blip>
+          <a:stretch>
+            <a:fillRect/>
+          </a:stretch>
+        </p:blipFill>
+        <p:spPr>
+          <a:xfrm>
+            <a:off x="3594859" y="1737360"/>
+            <a:ext cx="5063241" cy="4787315"/>
+          </a:xfrm>
+        </p:spPr>
+      </p:pic>
     </p:spTree>
     <p:extLst>
       <p:ext uri="{BB962C8B-B14F-4D97-AF65-F5344CB8AC3E}">
-        <p14:creationId xmlns:p14="http://schemas.microsoft.com/office/powerpoint/2010/main" val="31488772"/>
+        <p14:creationId xmlns:p14="http://schemas.microsoft.com/office/powerpoint/2010/main" val="1346658810"/>
+      </p:ext>
+    </p:extLst>
+  </p:cSld>
+  <p:clrMapOvr>
+    <a:masterClrMapping/>
+  </p:clrMapOvr>
+</p:sld>
+</file>
+
+<file path=ppt/slides/slide28.xml><?xml version="1.0" encoding="utf-8"?>
+<p:sld xmlns:a="http://schemas.openxmlformats.org/drawingml/2006/main" xmlns:r="http://schemas.openxmlformats.org/officeDocument/2006/relationships" xmlns:p="http://schemas.openxmlformats.org/presentationml/2006/main">
+  <p:cSld>
+    <p:spTree>
+      <p:nvGrpSpPr>
+        <p:cNvPr id="1" name=""/>
+        <p:cNvGrpSpPr/>
+        <p:nvPr/>
+      </p:nvGrpSpPr>
+      <p:grpSpPr>
+        <a:xfrm>
+          <a:off x="0" y="0"/>
+          <a:ext cx="0" cy="0"/>
+          <a:chOff x="0" y="0"/>
+          <a:chExt cx="0" cy="0"/>
+        </a:xfrm>
+      </p:grpSpPr>
+      <p:sp>
+        <p:nvSpPr>
+          <p:cNvPr id="2" name="Title 1"/>
+          <p:cNvSpPr>
+            <a:spLocks noGrp="1"/>
+          </p:cNvSpPr>
+          <p:nvPr>
+            <p:ph type="title"/>
+          </p:nvPr>
+        </p:nvSpPr>
+        <p:spPr/>
+        <p:txBody>
+          <a:bodyPr/>
+          <a:lstStyle/>
+          <a:p>
+            <a:r>
+              <a:rPr lang="en-US" dirty="0" smtClean="0"/>
+              <a:t>Boxplots: The plot thickens*</a:t>
+            </a:r>
+            <a:endParaRPr lang="en-US" dirty="0"/>
+          </a:p>
+        </p:txBody>
+      </p:sp>
+      <p:pic>
+        <p:nvPicPr>
+          <p:cNvPr id="5" name="Content Placeholder 4"/>
+          <p:cNvPicPr>
+            <a:picLocks noGrp="1" noChangeAspect="1"/>
+          </p:cNvPicPr>
+          <p:nvPr>
+            <p:ph idx="1"/>
+          </p:nvPr>
+        </p:nvPicPr>
+        <p:blipFill>
+          <a:blip r:embed="rId3">
+            <a:extLst>
+              <a:ext uri="{28A0092B-C50C-407E-A947-70E740481C1C}">
+                <a14:useLocalDpi xmlns:a14="http://schemas.microsoft.com/office/drawing/2010/main" val="0"/>
+              </a:ext>
+            </a:extLst>
+          </a:blip>
+          <a:stretch>
+            <a:fillRect/>
+          </a:stretch>
+        </p:blipFill>
+        <p:spPr>
+          <a:xfrm>
+            <a:off x="478066" y="2078275"/>
+            <a:ext cx="4254582" cy="4022725"/>
+          </a:xfrm>
+        </p:spPr>
+      </p:pic>
+      <p:sp>
+        <p:nvSpPr>
+          <p:cNvPr id="4" name="TextBox 3"/>
+          <p:cNvSpPr txBox="1"/>
+          <p:nvPr/>
+        </p:nvSpPr>
+        <p:spPr>
+          <a:xfrm>
+            <a:off x="11155680" y="6100999"/>
+            <a:ext cx="1304726" cy="276999"/>
+          </a:xfrm>
+          <a:prstGeom prst="rect">
+            <a:avLst/>
+          </a:prstGeom>
+          <a:noFill/>
+        </p:spPr>
+        <p:txBody>
+          <a:bodyPr wrap="square" rtlCol="0">
+            <a:spAutoFit/>
+          </a:bodyPr>
+          <a:lstStyle/>
+          <a:p>
+            <a:r>
+              <a:rPr lang="en-US" sz="1200" dirty="0" smtClean="0"/>
+              <a:t>*Pun intended.</a:t>
+            </a:r>
+            <a:endParaRPr lang="en-US" sz="1200" dirty="0"/>
+          </a:p>
+        </p:txBody>
+      </p:sp>
+      <p:sp>
+        <p:nvSpPr>
+          <p:cNvPr id="7" name="Striped Right Arrow 6"/>
+          <p:cNvSpPr/>
+          <p:nvPr/>
+        </p:nvSpPr>
+        <p:spPr>
+          <a:xfrm>
+            <a:off x="4965564" y="3301848"/>
+            <a:ext cx="1310185" cy="900752"/>
+          </a:xfrm>
+          <a:prstGeom prst="stripedRightArrow">
+            <a:avLst/>
+          </a:prstGeom>
+          <a:solidFill>
+            <a:schemeClr val="tx2">
+              <a:lumMod val="75000"/>
+            </a:schemeClr>
+          </a:solidFill>
+        </p:spPr>
+        <p:style>
+          <a:lnRef idx="2">
+            <a:schemeClr val="accent1">
+              <a:shade val="50000"/>
+            </a:schemeClr>
+          </a:lnRef>
+          <a:fillRef idx="1">
+            <a:schemeClr val="accent1"/>
+          </a:fillRef>
+          <a:effectRef idx="0">
+            <a:schemeClr val="accent1"/>
+          </a:effectRef>
+          <a:fontRef idx="minor">
+            <a:schemeClr val="lt1"/>
+          </a:fontRef>
+        </p:style>
+        <p:txBody>
+          <a:bodyPr rtlCol="0" anchor="ctr"/>
+          <a:lstStyle/>
+          <a:p>
+            <a:pPr algn="ctr"/>
+            <a:endParaRPr lang="en-US"/>
+          </a:p>
+        </p:txBody>
+      </p:sp>
+      <p:pic>
+        <p:nvPicPr>
+          <p:cNvPr id="8" name="Picture 7"/>
+          <p:cNvPicPr>
+            <a:picLocks noChangeAspect="1"/>
+          </p:cNvPicPr>
+          <p:nvPr/>
+        </p:nvPicPr>
+        <p:blipFill>
+          <a:blip r:embed="rId4">
+            <a:extLst>
+              <a:ext uri="{28A0092B-C50C-407E-A947-70E740481C1C}">
+                <a14:useLocalDpi xmlns:a14="http://schemas.microsoft.com/office/drawing/2010/main" val="0"/>
+              </a:ext>
+            </a:extLst>
+          </a:blip>
+          <a:stretch>
+            <a:fillRect/>
+          </a:stretch>
+        </p:blipFill>
+        <p:spPr>
+          <a:xfrm>
+            <a:off x="6290109" y="2304202"/>
+            <a:ext cx="5794415" cy="3796797"/>
+          </a:xfrm>
+          <a:prstGeom prst="rect">
+            <a:avLst/>
+          </a:prstGeom>
+        </p:spPr>
+      </p:pic>
+    </p:spTree>
+    <p:extLst>
+      <p:ext uri="{BB962C8B-B14F-4D97-AF65-F5344CB8AC3E}">
+        <p14:creationId xmlns:p14="http://schemas.microsoft.com/office/powerpoint/2010/main" val="645854851"/>
+      </p:ext>
+    </p:extLst>
+  </p:cSld>
+  <p:clrMapOvr>
+    <a:masterClrMapping/>
+  </p:clrMapOvr>
+</p:sld>
+</file>
+
+<file path=ppt/slides/slide29.xml><?xml version="1.0" encoding="utf-8"?>
+<p:sld xmlns:a="http://schemas.openxmlformats.org/drawingml/2006/main" xmlns:r="http://schemas.openxmlformats.org/officeDocument/2006/relationships" xmlns:p="http://schemas.openxmlformats.org/presentationml/2006/main">
+  <p:cSld>
+    <p:spTree>
+      <p:nvGrpSpPr>
+        <p:cNvPr id="1" name=""/>
+        <p:cNvGrpSpPr/>
+        <p:nvPr/>
+      </p:nvGrpSpPr>
+      <p:grpSpPr>
+        <a:xfrm>
+          <a:off x="0" y="0"/>
+          <a:ext cx="0" cy="0"/>
+          <a:chOff x="0" y="0"/>
+          <a:chExt cx="0" cy="0"/>
+        </a:xfrm>
+      </p:grpSpPr>
+      <p:sp>
+        <p:nvSpPr>
+          <p:cNvPr id="2" name="Title 1"/>
+          <p:cNvSpPr>
+            <a:spLocks noGrp="1"/>
+          </p:cNvSpPr>
+          <p:nvPr>
+            <p:ph type="title"/>
+          </p:nvPr>
+        </p:nvSpPr>
+        <p:spPr/>
+        <p:txBody>
+          <a:bodyPr/>
+          <a:lstStyle/>
+          <a:p>
+            <a:r>
+              <a:rPr lang="en-US" dirty="0" err="1" smtClean="0"/>
+              <a:t>Barplot</a:t>
+            </a:r>
+            <a:endParaRPr lang="en-US" dirty="0"/>
+          </a:p>
+        </p:txBody>
+      </p:sp>
+      <p:pic>
+        <p:nvPicPr>
+          <p:cNvPr id="4" name="Content Placeholder 3"/>
+          <p:cNvPicPr>
+            <a:picLocks noGrp="1" noChangeAspect="1"/>
+          </p:cNvPicPr>
+          <p:nvPr>
+            <p:ph idx="1"/>
+          </p:nvPr>
+        </p:nvPicPr>
+        <p:blipFill>
+          <a:blip r:embed="rId2">
+            <a:extLst>
+              <a:ext uri="{28A0092B-C50C-407E-A947-70E740481C1C}">
+                <a14:useLocalDpi xmlns:a14="http://schemas.microsoft.com/office/drawing/2010/main" val="0"/>
+              </a:ext>
+            </a:extLst>
+          </a:blip>
+          <a:stretch>
+            <a:fillRect/>
+          </a:stretch>
+        </p:blipFill>
+        <p:spPr>
+          <a:xfrm>
+            <a:off x="3118821" y="1985701"/>
+            <a:ext cx="7267124" cy="4203992"/>
+          </a:xfrm>
+        </p:spPr>
+      </p:pic>
+    </p:spTree>
+    <p:extLst>
+      <p:ext uri="{BB962C8B-B14F-4D97-AF65-F5344CB8AC3E}">
+        <p14:creationId xmlns:p14="http://schemas.microsoft.com/office/powerpoint/2010/main" val="153749824"/>
       </p:ext>
     </p:extLst>
   </p:cSld>
@@ -8535,6 +9393,467 @@
 </p:sld>
 </file>
 
+<file path=ppt/slides/slide30.xml><?xml version="1.0" encoding="utf-8"?>
+<p:sld xmlns:a="http://schemas.openxmlformats.org/drawingml/2006/main" xmlns:r="http://schemas.openxmlformats.org/officeDocument/2006/relationships" xmlns:p="http://schemas.openxmlformats.org/presentationml/2006/main">
+  <p:cSld>
+    <p:spTree>
+      <p:nvGrpSpPr>
+        <p:cNvPr id="1" name=""/>
+        <p:cNvGrpSpPr/>
+        <p:nvPr/>
+      </p:nvGrpSpPr>
+      <p:grpSpPr>
+        <a:xfrm>
+          <a:off x="0" y="0"/>
+          <a:ext cx="0" cy="0"/>
+          <a:chOff x="0" y="0"/>
+          <a:chExt cx="0" cy="0"/>
+        </a:xfrm>
+      </p:grpSpPr>
+      <p:sp>
+        <p:nvSpPr>
+          <p:cNvPr id="2" name="Title 1"/>
+          <p:cNvSpPr>
+            <a:spLocks noGrp="1"/>
+          </p:cNvSpPr>
+          <p:nvPr>
+            <p:ph type="title"/>
+          </p:nvPr>
+        </p:nvSpPr>
+        <p:spPr/>
+        <p:txBody>
+          <a:bodyPr/>
+          <a:lstStyle/>
+          <a:p>
+            <a:r>
+              <a:rPr lang="en-US" dirty="0" smtClean="0"/>
+              <a:t>Cautionary tale in </a:t>
+            </a:r>
+            <a:r>
+              <a:rPr lang="en-US" dirty="0" err="1" smtClean="0"/>
+              <a:t>barplots</a:t>
+            </a:r>
+            <a:endParaRPr lang="en-US" dirty="0"/>
+          </a:p>
+        </p:txBody>
+      </p:sp>
+      <p:pic>
+        <p:nvPicPr>
+          <p:cNvPr id="4" name="Content Placeholder 3"/>
+          <p:cNvPicPr>
+            <a:picLocks noGrp="1" noChangeAspect="1"/>
+          </p:cNvPicPr>
+          <p:nvPr>
+            <p:ph idx="1"/>
+          </p:nvPr>
+        </p:nvPicPr>
+        <p:blipFill rotWithShape="1">
+          <a:blip r:embed="rId2">
+            <a:extLst>
+              <a:ext uri="{28A0092B-C50C-407E-A947-70E740481C1C}">
+                <a14:useLocalDpi xmlns:a14="http://schemas.microsoft.com/office/drawing/2010/main" val="0"/>
+              </a:ext>
+            </a:extLst>
+          </a:blip>
+          <a:srcRect b="31573"/>
+          <a:stretch/>
+        </p:blipFill>
+        <p:spPr>
+          <a:xfrm>
+            <a:off x="1550818" y="2325667"/>
+            <a:ext cx="9151323" cy="3501927"/>
+          </a:xfrm>
+        </p:spPr>
+      </p:pic>
+      <p:sp>
+        <p:nvSpPr>
+          <p:cNvPr id="5" name="TextBox 4"/>
+          <p:cNvSpPr txBox="1"/>
+          <p:nvPr/>
+        </p:nvSpPr>
+        <p:spPr>
+          <a:xfrm>
+            <a:off x="8639033" y="5827594"/>
+            <a:ext cx="2516647" cy="923330"/>
+          </a:xfrm>
+          <a:prstGeom prst="rect">
+            <a:avLst/>
+          </a:prstGeom>
+          <a:noFill/>
+        </p:spPr>
+        <p:txBody>
+          <a:bodyPr wrap="square" rtlCol="0">
+            <a:spAutoFit/>
+          </a:bodyPr>
+          <a:lstStyle/>
+          <a:p>
+            <a:r>
+              <a:rPr lang="en-US" altLang="x-none" sz="1200" dirty="0">
+                <a:hlinkClick r:id="rId3"/>
+              </a:rPr>
+              <a:t>http://journals.plos.org/plosbiology/article?id=10.1371/journal.pbio.1002128</a:t>
+            </a:r>
+            <a:endParaRPr lang="en-US" altLang="x-none" sz="1200" dirty="0"/>
+          </a:p>
+          <a:p>
+            <a:endParaRPr lang="en-US" dirty="0"/>
+          </a:p>
+        </p:txBody>
+      </p:sp>
+    </p:spTree>
+    <p:extLst>
+      <p:ext uri="{BB962C8B-B14F-4D97-AF65-F5344CB8AC3E}">
+        <p14:creationId xmlns:p14="http://schemas.microsoft.com/office/powerpoint/2010/main" val="2004622342"/>
+      </p:ext>
+    </p:extLst>
+  </p:cSld>
+  <p:clrMapOvr>
+    <a:masterClrMapping/>
+  </p:clrMapOvr>
+</p:sld>
+</file>
+
+<file path=ppt/slides/slide31.xml><?xml version="1.0" encoding="utf-8"?>
+<p:sld xmlns:a="http://schemas.openxmlformats.org/drawingml/2006/main" xmlns:r="http://schemas.openxmlformats.org/officeDocument/2006/relationships" xmlns:p="http://schemas.openxmlformats.org/presentationml/2006/main">
+  <p:cSld>
+    <p:spTree>
+      <p:nvGrpSpPr>
+        <p:cNvPr id="1" name=""/>
+        <p:cNvGrpSpPr/>
+        <p:nvPr/>
+      </p:nvGrpSpPr>
+      <p:grpSpPr>
+        <a:xfrm>
+          <a:off x="0" y="0"/>
+          <a:ext cx="0" cy="0"/>
+          <a:chOff x="0" y="0"/>
+          <a:chExt cx="0" cy="0"/>
+        </a:xfrm>
+      </p:grpSpPr>
+      <p:sp>
+        <p:nvSpPr>
+          <p:cNvPr id="2" name="Title 1"/>
+          <p:cNvSpPr>
+            <a:spLocks noGrp="1"/>
+          </p:cNvSpPr>
+          <p:nvPr>
+            <p:ph type="title"/>
+          </p:nvPr>
+        </p:nvSpPr>
+        <p:spPr/>
+        <p:txBody>
+          <a:bodyPr/>
+          <a:lstStyle/>
+          <a:p>
+            <a:r>
+              <a:rPr lang="en-US" dirty="0" smtClean="0"/>
+              <a:t>Scatterplot</a:t>
+            </a:r>
+            <a:endParaRPr lang="en-US" dirty="0"/>
+          </a:p>
+        </p:txBody>
+      </p:sp>
+      <p:pic>
+        <p:nvPicPr>
+          <p:cNvPr id="4" name="Content Placeholder 3"/>
+          <p:cNvPicPr>
+            <a:picLocks noGrp="1" noChangeAspect="1"/>
+          </p:cNvPicPr>
+          <p:nvPr>
+            <p:ph idx="1"/>
+          </p:nvPr>
+        </p:nvPicPr>
+        <p:blipFill>
+          <a:blip r:embed="rId2">
+            <a:extLst>
+              <a:ext uri="{28A0092B-C50C-407E-A947-70E740481C1C}">
+                <a14:useLocalDpi xmlns:a14="http://schemas.microsoft.com/office/drawing/2010/main" val="0"/>
+              </a:ext>
+            </a:extLst>
+          </a:blip>
+          <a:stretch>
+            <a:fillRect/>
+          </a:stretch>
+        </p:blipFill>
+        <p:spPr>
+          <a:xfrm>
+            <a:off x="6708372" y="2019935"/>
+            <a:ext cx="4813300" cy="3670300"/>
+          </a:xfrm>
+        </p:spPr>
+      </p:pic>
+      <p:pic>
+        <p:nvPicPr>
+          <p:cNvPr id="5" name="Picture 4"/>
+          <p:cNvPicPr>
+            <a:picLocks noChangeAspect="1"/>
+          </p:cNvPicPr>
+          <p:nvPr/>
+        </p:nvPicPr>
+        <p:blipFill>
+          <a:blip r:embed="rId3">
+            <a:extLst>
+              <a:ext uri="{28A0092B-C50C-407E-A947-70E740481C1C}">
+                <a14:useLocalDpi xmlns:a14="http://schemas.microsoft.com/office/drawing/2010/main" val="0"/>
+              </a:ext>
+            </a:extLst>
+          </a:blip>
+          <a:stretch>
+            <a:fillRect/>
+          </a:stretch>
+        </p:blipFill>
+        <p:spPr>
+          <a:xfrm>
+            <a:off x="737358" y="2019935"/>
+            <a:ext cx="4813300" cy="3670300"/>
+          </a:xfrm>
+          <a:prstGeom prst="rect">
+            <a:avLst/>
+          </a:prstGeom>
+        </p:spPr>
+      </p:pic>
+      <p:sp>
+        <p:nvSpPr>
+          <p:cNvPr id="6" name="Rectangle 5"/>
+          <p:cNvSpPr/>
+          <p:nvPr/>
+        </p:nvSpPr>
+        <p:spPr>
+          <a:xfrm>
+            <a:off x="8802806" y="5390866"/>
+            <a:ext cx="1037230" cy="299369"/>
+          </a:xfrm>
+          <a:prstGeom prst="rect">
+            <a:avLst/>
+          </a:prstGeom>
+          <a:noFill/>
+          <a:ln w="38100">
+            <a:solidFill>
+              <a:srgbClr val="FF0000"/>
+            </a:solidFill>
+          </a:ln>
+        </p:spPr>
+        <p:style>
+          <a:lnRef idx="2">
+            <a:schemeClr val="accent1">
+              <a:shade val="50000"/>
+            </a:schemeClr>
+          </a:lnRef>
+          <a:fillRef idx="1">
+            <a:schemeClr val="accent1"/>
+          </a:fillRef>
+          <a:effectRef idx="0">
+            <a:schemeClr val="accent1"/>
+          </a:effectRef>
+          <a:fontRef idx="minor">
+            <a:schemeClr val="lt1"/>
+          </a:fontRef>
+        </p:style>
+        <p:txBody>
+          <a:bodyPr rtlCol="0" anchor="ctr"/>
+          <a:lstStyle/>
+          <a:p>
+            <a:pPr algn="ctr"/>
+            <a:endParaRPr lang="en-US"/>
+          </a:p>
+        </p:txBody>
+      </p:sp>
+      <p:sp>
+        <p:nvSpPr>
+          <p:cNvPr id="7" name="Rectangle 6"/>
+          <p:cNvSpPr/>
+          <p:nvPr/>
+        </p:nvSpPr>
+        <p:spPr>
+          <a:xfrm>
+            <a:off x="6708372" y="2975213"/>
+            <a:ext cx="384412" cy="1311578"/>
+          </a:xfrm>
+          <a:prstGeom prst="rect">
+            <a:avLst/>
+          </a:prstGeom>
+          <a:noFill/>
+          <a:ln w="38100">
+            <a:solidFill>
+              <a:srgbClr val="FF0000"/>
+            </a:solidFill>
+          </a:ln>
+        </p:spPr>
+        <p:style>
+          <a:lnRef idx="2">
+            <a:schemeClr val="accent1">
+              <a:shade val="50000"/>
+            </a:schemeClr>
+          </a:lnRef>
+          <a:fillRef idx="1">
+            <a:schemeClr val="accent1"/>
+          </a:fillRef>
+          <a:effectRef idx="0">
+            <a:schemeClr val="accent1"/>
+          </a:effectRef>
+          <a:fontRef idx="minor">
+            <a:schemeClr val="lt1"/>
+          </a:fontRef>
+        </p:style>
+        <p:txBody>
+          <a:bodyPr rtlCol="0" anchor="ctr"/>
+          <a:lstStyle/>
+          <a:p>
+            <a:pPr algn="ctr"/>
+            <a:endParaRPr lang="en-US"/>
+          </a:p>
+        </p:txBody>
+      </p:sp>
+      <p:sp>
+        <p:nvSpPr>
+          <p:cNvPr id="8" name="TextBox 7"/>
+          <p:cNvSpPr txBox="1"/>
+          <p:nvPr/>
+        </p:nvSpPr>
+        <p:spPr>
+          <a:xfrm>
+            <a:off x="8052179" y="5757366"/>
+            <a:ext cx="3575714" cy="369332"/>
+          </a:xfrm>
+          <a:prstGeom prst="rect">
+            <a:avLst/>
+          </a:prstGeom>
+          <a:noFill/>
+        </p:spPr>
+        <p:txBody>
+          <a:bodyPr wrap="square" rtlCol="0">
+            <a:spAutoFit/>
+          </a:bodyPr>
+          <a:lstStyle/>
+          <a:p>
+            <a:r>
+              <a:rPr lang="en-US" b="1" dirty="0" smtClean="0">
+                <a:solidFill>
+                  <a:srgbClr val="FF0000"/>
+                </a:solidFill>
+              </a:rPr>
+              <a:t>explanatory/independent variable</a:t>
+            </a:r>
+            <a:endParaRPr lang="en-US" b="1" dirty="0">
+              <a:solidFill>
+                <a:srgbClr val="FF0000"/>
+              </a:solidFill>
+            </a:endParaRPr>
+          </a:p>
+        </p:txBody>
+      </p:sp>
+      <p:sp>
+        <p:nvSpPr>
+          <p:cNvPr id="10" name="TextBox 9"/>
+          <p:cNvSpPr txBox="1"/>
+          <p:nvPr/>
+        </p:nvSpPr>
+        <p:spPr>
+          <a:xfrm>
+            <a:off x="5112721" y="2387650"/>
+            <a:ext cx="3575714" cy="369332"/>
+          </a:xfrm>
+          <a:prstGeom prst="rect">
+            <a:avLst/>
+          </a:prstGeom>
+          <a:noFill/>
+        </p:spPr>
+        <p:txBody>
+          <a:bodyPr wrap="square" rtlCol="0">
+            <a:spAutoFit/>
+          </a:bodyPr>
+          <a:lstStyle/>
+          <a:p>
+            <a:r>
+              <a:rPr lang="en-US" b="1" dirty="0" smtClean="0">
+                <a:solidFill>
+                  <a:srgbClr val="FF0000"/>
+                </a:solidFill>
+              </a:rPr>
+              <a:t>response/dependent variable</a:t>
+            </a:r>
+            <a:endParaRPr lang="en-US" b="1" dirty="0">
+              <a:solidFill>
+                <a:srgbClr val="FF0000"/>
+              </a:solidFill>
+            </a:endParaRPr>
+          </a:p>
+        </p:txBody>
+      </p:sp>
+    </p:spTree>
+    <p:extLst>
+      <p:ext uri="{BB962C8B-B14F-4D97-AF65-F5344CB8AC3E}">
+        <p14:creationId xmlns:p14="http://schemas.microsoft.com/office/powerpoint/2010/main" val="1052954970"/>
+      </p:ext>
+    </p:extLst>
+  </p:cSld>
+  <p:clrMapOvr>
+    <a:masterClrMapping/>
+  </p:clrMapOvr>
+</p:sld>
+</file>
+
+<file path=ppt/slides/slide32.xml><?xml version="1.0" encoding="utf-8"?>
+<p:sld xmlns:a="http://schemas.openxmlformats.org/drawingml/2006/main" xmlns:r="http://schemas.openxmlformats.org/officeDocument/2006/relationships" xmlns:p="http://schemas.openxmlformats.org/presentationml/2006/main">
+  <p:cSld>
+    <p:spTree>
+      <p:nvGrpSpPr>
+        <p:cNvPr id="1" name=""/>
+        <p:cNvGrpSpPr/>
+        <p:nvPr/>
+      </p:nvGrpSpPr>
+      <p:grpSpPr>
+        <a:xfrm>
+          <a:off x="0" y="0"/>
+          <a:ext cx="0" cy="0"/>
+          <a:chOff x="0" y="0"/>
+          <a:chExt cx="0" cy="0"/>
+        </a:xfrm>
+      </p:grpSpPr>
+      <p:sp>
+        <p:nvSpPr>
+          <p:cNvPr id="2" name="Title 1"/>
+          <p:cNvSpPr>
+            <a:spLocks noGrp="1"/>
+          </p:cNvSpPr>
+          <p:nvPr>
+            <p:ph type="title"/>
+          </p:nvPr>
+        </p:nvSpPr>
+        <p:spPr>
+          <a:xfrm>
+            <a:off x="4304504" y="354843"/>
+            <a:ext cx="3502016" cy="1282890"/>
+          </a:xfrm>
+        </p:spPr>
+        <p:txBody>
+          <a:bodyPr>
+            <a:normAutofit fontScale="90000"/>
+          </a:bodyPr>
+          <a:lstStyle/>
+          <a:p>
+            <a:pPr algn="ctr"/>
+            <a:r>
+              <a:rPr lang="en-US" sz="10000" b="1" dirty="0" smtClean="0"/>
+              <a:t>BREAK</a:t>
+            </a:r>
+            <a:endParaRPr lang="en-US" sz="10000" b="1" dirty="0"/>
+          </a:p>
+        </p:txBody>
+      </p:sp>
+    </p:spTree>
+    <p:extLst>
+      <p:ext uri="{BB962C8B-B14F-4D97-AF65-F5344CB8AC3E}">
+        <p14:creationId xmlns:p14="http://schemas.microsoft.com/office/powerpoint/2010/main" val="898484646"/>
+      </p:ext>
+    </p:extLst>
+  </p:cSld>
+  <p:clrMapOvr>
+    <a:masterClrMapping/>
+  </p:clrMapOvr>
+</p:sld>
+</file>
+
 <file path=ppt/slides/slide4.xml><?xml version="1.0" encoding="utf-8"?>
 <p:sld xmlns:a="http://schemas.openxmlformats.org/drawingml/2006/main" xmlns:r="http://schemas.openxmlformats.org/officeDocument/2006/relationships" xmlns:p="http://schemas.openxmlformats.org/presentationml/2006/main">
   <p:cSld>
@@ -8610,15 +9929,7 @@
           <a:p>
             <a:r>
               <a:rPr lang="en-US" dirty="0" smtClean="0"/>
-              <a:t>Fundamentals in </a:t>
-            </a:r>
-            <a:r>
-              <a:rPr lang="en-US" dirty="0" smtClean="0"/>
-              <a:t>probability, </a:t>
-            </a:r>
-            <a:r>
-              <a:rPr lang="en-US" dirty="0" smtClean="0"/>
-              <a:t>distributions</a:t>
+              <a:t>Fundamentals in probability, distributions</a:t>
             </a:r>
           </a:p>
           <a:p>
@@ -8626,7 +9937,6 @@
               <a:rPr lang="en-US" dirty="0" smtClean="0"/>
               <a:t>Statistical inference: hypothesis testing and confidence intervals</a:t>
             </a:r>
-            <a:endParaRPr lang="en-US" dirty="0" smtClean="0"/>
           </a:p>
           <a:p>
             <a:r>
@@ -8763,11 +10073,7 @@
           <a:p>
             <a:r>
               <a:rPr lang="en-US" dirty="0" smtClean="0"/>
-              <a:t>Linear </a:t>
-            </a:r>
-            <a:r>
-              <a:rPr lang="en-US" dirty="0" smtClean="0"/>
-              <a:t>modeling</a:t>
+              <a:t>Linear modeling</a:t>
             </a:r>
           </a:p>
           <a:p>

--- a/slides/intro.pptx
+++ b/slides/intro.pptx
@@ -5,7 +5,7 @@
     <p:sldMasterId id="2147484003" r:id="rId1"/>
   </p:sldMasterIdLst>
   <p:notesMasterIdLst>
-    <p:notesMasterId r:id="rId34"/>
+    <p:notesMasterId r:id="rId35"/>
   </p:notesMasterIdLst>
   <p:sldIdLst>
     <p:sldId id="256" r:id="rId2"/>
@@ -39,7 +39,8 @@
     <p:sldId id="293" r:id="rId30"/>
     <p:sldId id="295" r:id="rId31"/>
     <p:sldId id="294" r:id="rId32"/>
-    <p:sldId id="296" r:id="rId33"/>
+    <p:sldId id="297" r:id="rId33"/>
+    <p:sldId id="296" r:id="rId34"/>
   </p:sldIdLst>
   <p:sldSz cx="12192000" cy="6858000"/>
   <p:notesSz cx="6858000" cy="9144000"/>
@@ -228,7 +229,7 @@
           <a:p>
             <a:fld id="{CF39A833-E765-7D41-96DE-4BE65F7DBB91}" type="datetimeFigureOut">
               <a:rPr lang="en-US" smtClean="0"/>
-              <a:t>8/21/17</a:t>
+              <a:t>8/25/17</a:t>
             </a:fld>
             <a:endParaRPr lang="en-US"/>
           </a:p>
@@ -998,7 +999,7 @@
           <a:p>
             <a:fld id="{4BDF68E2-58F2-4D09-BE8B-E3BD06533059}" type="datetimeFigureOut">
               <a:rPr lang="en-US" smtClean="0"/>
-              <a:t>8/21/17</a:t>
+              <a:t>8/25/17</a:t>
             </a:fld>
             <a:endParaRPr lang="en-US" dirty="0"/>
           </a:p>
@@ -1201,7 +1202,7 @@
           <a:p>
             <a:fld id="{2E2D6473-DF6D-4702-B328-E0DD40540A4E}" type="datetimeFigureOut">
               <a:rPr lang="en-US" smtClean="0"/>
-              <a:t>8/21/17</a:t>
+              <a:t>8/25/17</a:t>
             </a:fld>
             <a:endParaRPr lang="en-US" dirty="0"/>
           </a:p>
@@ -1452,7 +1453,7 @@
           <a:p>
             <a:fld id="{E26F7E3A-B166-407D-9866-32884E7D5B37}" type="datetimeFigureOut">
               <a:rPr lang="en-US" smtClean="0"/>
-              <a:t>8/21/17</a:t>
+              <a:t>8/25/17</a:t>
             </a:fld>
             <a:endParaRPr lang="en-US" dirty="0"/>
           </a:p>
@@ -1651,7 +1652,7 @@
           <a:p>
             <a:fld id="{528FC5F6-F338-4AE4-BB23-26385BCFC423}" type="datetimeFigureOut">
               <a:rPr lang="en-US" smtClean="0"/>
-              <a:t>8/21/17</a:t>
+              <a:t>8/25/17</a:t>
             </a:fld>
             <a:endParaRPr lang="en-US" dirty="0"/>
           </a:p>
@@ -1989,7 +1990,7 @@
           <a:p>
             <a:fld id="{20EBB0C4-6273-4C6E-B9BD-2EDC30F1CD52}" type="datetimeFigureOut">
               <a:rPr lang="en-US" smtClean="0"/>
-              <a:t>8/21/17</a:t>
+              <a:t>8/25/17</a:t>
             </a:fld>
             <a:endParaRPr lang="en-US" dirty="0"/>
           </a:p>
@@ -2259,7 +2260,7 @@
           <a:p>
             <a:fld id="{19AB4D41-86C1-4908-B66A-0B50CEB3BF29}" type="datetimeFigureOut">
               <a:rPr lang="en-US" smtClean="0"/>
-              <a:t>8/21/17</a:t>
+              <a:t>8/25/17</a:t>
             </a:fld>
             <a:endParaRPr lang="en-US" dirty="0"/>
           </a:p>
@@ -2633,7 +2634,7 @@
           <a:p>
             <a:fld id="{E6426E2C-56C1-4E0D-A793-0088A7FDD37E}" type="datetimeFigureOut">
               <a:rPr lang="en-US" smtClean="0"/>
-              <a:t>8/21/17</a:t>
+              <a:t>8/25/17</a:t>
             </a:fld>
             <a:endParaRPr lang="en-US" dirty="0"/>
           </a:p>
@@ -2746,7 +2747,7 @@
           <a:p>
             <a:fld id="{C8C39B41-D8B5-4052-B551-9B5525EAA8B6}" type="datetimeFigureOut">
               <a:rPr lang="en-US" smtClean="0"/>
-              <a:t>8/21/17</a:t>
+              <a:t>8/25/17</a:t>
             </a:fld>
             <a:endParaRPr lang="en-US" dirty="0"/>
           </a:p>
@@ -2912,7 +2913,7 @@
           <a:p>
             <a:fld id="{4D94136C-8742-45B2-AF27-D93DF72833A9}" type="datetimeFigureOut">
               <a:rPr lang="en-US" smtClean="0"/>
-              <a:t>8/21/17</a:t>
+              <a:t>8/25/17</a:t>
             </a:fld>
             <a:endParaRPr lang="en-US" dirty="0"/>
           </a:p>
@@ -3262,7 +3263,7 @@
           <a:p>
             <a:fld id="{32ABBEA6-7C60-4B02-AE87-00D78D8422AF}" type="datetimeFigureOut">
               <a:rPr lang="en-US" smtClean="0"/>
-              <a:t>8/21/17</a:t>
+              <a:t>8/25/17</a:t>
             </a:fld>
             <a:endParaRPr lang="en-US" dirty="0"/>
           </a:p>
@@ -3635,7 +3636,7 @@
           <a:p>
             <a:fld id="{C9CAD897-D46E-4AD2-BD9B-49DD3E640873}" type="datetimeFigureOut">
               <a:rPr lang="en-US" smtClean="0"/>
-              <a:t>8/21/17</a:t>
+              <a:t>8/25/17</a:t>
             </a:fld>
             <a:endParaRPr lang="en-US" dirty="0"/>
           </a:p>
@@ -3917,7 +3918,7 @@
           <a:p>
             <a:fld id="{98624D31-43A5-475A-80CF-332C9F6DCF35}" type="datetimeFigureOut">
               <a:rPr lang="en-US" smtClean="0"/>
-              <a:t>8/21/17</a:t>
+              <a:t>8/25/17</a:t>
             </a:fld>
             <a:endParaRPr lang="en-US" dirty="0"/>
           </a:p>
@@ -7552,7 +7553,23 @@
           <a:p>
             <a:r>
               <a:rPr lang="en-US" dirty="0" smtClean="0"/>
-              <a:t>Median and IQR are much more robust to outliers/extremes compared to mean and </a:t>
+              <a:t>Median and IQR are much more </a:t>
+            </a:r>
+            <a:r>
+              <a:rPr lang="en-US" b="1" dirty="0" smtClean="0"/>
+              <a:t>robust to </a:t>
+            </a:r>
+            <a:r>
+              <a:rPr lang="en-US" b="1" smtClean="0"/>
+              <a:t>outliers/extremes </a:t>
+            </a:r>
+            <a:r>
+              <a:rPr lang="en-US" smtClean="0"/>
+              <a:t>than mean </a:t>
+            </a:r>
+            <a:r>
+              <a:rPr lang="en-US" dirty="0" smtClean="0"/>
+              <a:t>and </a:t>
             </a:r>
             <a:r>
               <a:rPr lang="en-US" dirty="0" err="1" smtClean="0"/>
@@ -9794,6 +9811,118 @@
 </file>
 
 <file path=ppt/slides/slide32.xml><?xml version="1.0" encoding="utf-8"?>
+<p:sld xmlns:a="http://schemas.openxmlformats.org/drawingml/2006/main" xmlns:r="http://schemas.openxmlformats.org/officeDocument/2006/relationships" xmlns:p="http://schemas.openxmlformats.org/presentationml/2006/main">
+  <p:cSld>
+    <p:spTree>
+      <p:nvGrpSpPr>
+        <p:cNvPr id="1" name=""/>
+        <p:cNvGrpSpPr/>
+        <p:nvPr/>
+      </p:nvGrpSpPr>
+      <p:grpSpPr>
+        <a:xfrm>
+          <a:off x="0" y="0"/>
+          <a:ext cx="0" cy="0"/>
+          <a:chOff x="0" y="0"/>
+          <a:chExt cx="0" cy="0"/>
+        </a:xfrm>
+      </p:grpSpPr>
+      <p:sp>
+        <p:nvSpPr>
+          <p:cNvPr id="2" name="Title 1"/>
+          <p:cNvSpPr>
+            <a:spLocks noGrp="1"/>
+          </p:cNvSpPr>
+          <p:nvPr>
+            <p:ph type="title"/>
+          </p:nvPr>
+        </p:nvSpPr>
+        <p:spPr/>
+        <p:txBody>
+          <a:bodyPr/>
+          <a:lstStyle/>
+          <a:p>
+            <a:r>
+              <a:rPr lang="en-US" dirty="0" smtClean="0"/>
+              <a:t>Time series data</a:t>
+            </a:r>
+            <a:endParaRPr lang="en-US" dirty="0"/>
+          </a:p>
+        </p:txBody>
+      </p:sp>
+      <p:pic>
+        <p:nvPicPr>
+          <p:cNvPr id="4" name="Content Placeholder 3"/>
+          <p:cNvPicPr>
+            <a:picLocks noGrp="1" noChangeAspect="1"/>
+          </p:cNvPicPr>
+          <p:nvPr>
+            <p:ph idx="1"/>
+          </p:nvPr>
+        </p:nvPicPr>
+        <p:blipFill>
+          <a:blip r:embed="rId2">
+            <a:extLst>
+              <a:ext uri="{28A0092B-C50C-407E-A947-70E740481C1C}">
+                <a14:useLocalDpi xmlns:a14="http://schemas.microsoft.com/office/drawing/2010/main" val="0"/>
+              </a:ext>
+            </a:extLst>
+          </a:blip>
+          <a:stretch>
+            <a:fillRect/>
+          </a:stretch>
+        </p:blipFill>
+        <p:spPr>
+          <a:xfrm>
+            <a:off x="764109" y="3046815"/>
+            <a:ext cx="7301061" cy="2262164"/>
+          </a:xfrm>
+        </p:spPr>
+      </p:pic>
+      <p:pic>
+        <p:nvPicPr>
+          <p:cNvPr id="5" name="Content Placeholder 3"/>
+          <p:cNvPicPr>
+            <a:picLocks noChangeAspect="1"/>
+          </p:cNvPicPr>
+          <p:nvPr/>
+        </p:nvPicPr>
+        <p:blipFill>
+          <a:blip r:embed="rId3">
+            <a:extLst>
+              <a:ext uri="{28A0092B-C50C-407E-A947-70E740481C1C}">
+                <a14:useLocalDpi xmlns:a14="http://schemas.microsoft.com/office/drawing/2010/main" val="0"/>
+              </a:ext>
+            </a:extLst>
+          </a:blip>
+          <a:stretch>
+            <a:fillRect/>
+          </a:stretch>
+        </p:blipFill>
+        <p:spPr>
+          <a:xfrm>
+            <a:off x="8065170" y="1900854"/>
+            <a:ext cx="3760113" cy="4022725"/>
+          </a:xfrm>
+          <a:prstGeom prst="rect">
+            <a:avLst/>
+          </a:prstGeom>
+        </p:spPr>
+      </p:pic>
+    </p:spTree>
+    <p:extLst>
+      <p:ext uri="{BB962C8B-B14F-4D97-AF65-F5344CB8AC3E}">
+        <p14:creationId xmlns:p14="http://schemas.microsoft.com/office/powerpoint/2010/main" val="807729099"/>
+      </p:ext>
+    </p:extLst>
+  </p:cSld>
+  <p:clrMapOvr>
+    <a:masterClrMapping/>
+  </p:clrMapOvr>
+</p:sld>
+</file>
+
+<file path=ppt/slides/slide33.xml><?xml version="1.0" encoding="utf-8"?>
 <p:sld xmlns:a="http://schemas.openxmlformats.org/drawingml/2006/main" xmlns:r="http://schemas.openxmlformats.org/officeDocument/2006/relationships" xmlns:p="http://schemas.openxmlformats.org/presentationml/2006/main">
   <p:cSld>
     <p:spTree>

--- a/slides/intro.pptx
+++ b/slides/intro.pptx
@@ -7453,7 +7453,7 @@
         </p:nvSpPr>
         <p:spPr>
           <a:xfrm>
-            <a:off x="5723164" y="3352800"/>
+            <a:off x="5665456" y="3243618"/>
             <a:ext cx="922047" cy="369332"/>
           </a:xfrm>
           <a:prstGeom prst="rect">
@@ -10681,36 +10681,6 @@
           </a:p>
         </p:txBody>
       </p:sp>
-      <p:pic>
-        <p:nvPicPr>
-          <p:cNvPr id="4" name="Picture 3"/>
-          <p:cNvPicPr>
-            <a:picLocks noChangeAspect="1"/>
-          </p:cNvPicPr>
-          <p:nvPr/>
-        </p:nvPicPr>
-        <p:blipFill>
-          <a:blip r:embed="rId3">
-            <a:extLst>
-              <a:ext uri="{28A0092B-C50C-407E-A947-70E740481C1C}">
-                <a14:useLocalDpi xmlns:a14="http://schemas.microsoft.com/office/drawing/2010/main" val="0"/>
-              </a:ext>
-            </a:extLst>
-          </a:blip>
-          <a:stretch>
-            <a:fillRect/>
-          </a:stretch>
-        </p:blipFill>
-        <p:spPr>
-          <a:xfrm>
-            <a:off x="8599519" y="2924178"/>
-            <a:ext cx="3369003" cy="3358573"/>
-          </a:xfrm>
-          <a:prstGeom prst="rect">
-            <a:avLst/>
-          </a:prstGeom>
-        </p:spPr>
-      </p:pic>
       <p:cxnSp>
         <p:nvCxnSpPr>
           <p:cNvPr id="6" name="Straight Arrow Connector 5"/>
@@ -10719,7 +10689,7 @@
         </p:nvCxnSpPr>
         <p:spPr>
           <a:xfrm>
-            <a:off x="7022278" y="5547977"/>
+            <a:off x="7267417" y="5848784"/>
             <a:ext cx="1426029" cy="0"/>
           </a:xfrm>
           <a:prstGeom prst="straightConnector1">
@@ -10755,7 +10725,7 @@
         </p:nvCxnSpPr>
         <p:spPr>
           <a:xfrm>
-            <a:off x="11030992" y="2310028"/>
+            <a:off x="12017683" y="2530832"/>
             <a:ext cx="0" cy="614150"/>
           </a:xfrm>
           <a:prstGeom prst="straightConnector1">
@@ -10791,7 +10761,7 @@
         </p:nvSpPr>
         <p:spPr>
           <a:xfrm>
-            <a:off x="11208331" y="2382982"/>
+            <a:off x="6731441" y="5608136"/>
             <a:ext cx="623454" cy="369332"/>
           </a:xfrm>
           <a:prstGeom prst="rect">
@@ -10829,8 +10799,8 @@
         </p:nvSpPr>
         <p:spPr>
           <a:xfrm>
-            <a:off x="6913421" y="5154538"/>
-            <a:ext cx="1856509" cy="369332"/>
+            <a:off x="10529457" y="2285198"/>
+            <a:ext cx="1767176" cy="369332"/>
           </a:xfrm>
           <a:prstGeom prst="rect">
             <a:avLst/>
@@ -10859,6 +10829,110 @@
           </a:p>
         </p:txBody>
       </p:sp>
+      <p:cxnSp>
+        <p:nvCxnSpPr>
+          <p:cNvPr id="12" name="Straight Arrow Connector 11"/>
+          <p:cNvCxnSpPr/>
+          <p:nvPr/>
+        </p:nvCxnSpPr>
+        <p:spPr>
+          <a:xfrm>
+            <a:off x="7440883" y="3608340"/>
+            <a:ext cx="1426029" cy="0"/>
+          </a:xfrm>
+          <a:prstGeom prst="straightConnector1">
+            <a:avLst/>
+          </a:prstGeom>
+          <a:ln w="63500">
+            <a:solidFill>
+              <a:srgbClr val="D8A202"/>
+            </a:solidFill>
+            <a:tailEnd type="triangle"/>
+          </a:ln>
+        </p:spPr>
+        <p:style>
+          <a:lnRef idx="1">
+            <a:schemeClr val="accent1"/>
+          </a:lnRef>
+          <a:fillRef idx="0">
+            <a:schemeClr val="accent1"/>
+          </a:fillRef>
+          <a:effectRef idx="0">
+            <a:schemeClr val="accent1"/>
+          </a:effectRef>
+          <a:fontRef idx="minor">
+            <a:schemeClr val="tx1"/>
+          </a:fontRef>
+        </p:style>
+      </p:cxnSp>
+      <p:sp>
+        <p:nvSpPr>
+          <p:cNvPr id="13" name="TextBox 12"/>
+          <p:cNvSpPr txBox="1"/>
+          <p:nvPr/>
+        </p:nvSpPr>
+        <p:spPr>
+          <a:xfrm>
+            <a:off x="5563308" y="3144982"/>
+            <a:ext cx="3408219" cy="369332"/>
+          </a:xfrm>
+          <a:prstGeom prst="rect">
+            <a:avLst/>
+          </a:prstGeom>
+          <a:noFill/>
+        </p:spPr>
+        <p:txBody>
+          <a:bodyPr wrap="square" rtlCol="0">
+            <a:spAutoFit/>
+          </a:bodyPr>
+          <a:lstStyle/>
+          <a:p>
+            <a:r>
+              <a:rPr lang="en-US" b="1" dirty="0" smtClean="0">
+                <a:solidFill>
+                  <a:srgbClr val="D8A202"/>
+                </a:solidFill>
+              </a:rPr>
+              <a:t>Low bias and low sampling error</a:t>
+            </a:r>
+            <a:endParaRPr lang="en-US" b="1" dirty="0">
+              <a:solidFill>
+                <a:srgbClr val="D8A202"/>
+              </a:solidFill>
+            </a:endParaRPr>
+          </a:p>
+        </p:txBody>
+      </p:sp>
+      <p:pic>
+        <p:nvPicPr>
+          <p:cNvPr id="5" name="Picture 4"/>
+          <p:cNvPicPr>
+            <a:picLocks noChangeAspect="1"/>
+          </p:cNvPicPr>
+          <p:nvPr/>
+        </p:nvPicPr>
+        <p:blipFill>
+          <a:blip r:embed="rId3">
+            <a:extLst>
+              <a:ext uri="{28A0092B-C50C-407E-A947-70E740481C1C}">
+                <a14:useLocalDpi xmlns:a14="http://schemas.microsoft.com/office/drawing/2010/main" val="0"/>
+              </a:ext>
+            </a:extLst>
+          </a:blip>
+          <a:stretch>
+            <a:fillRect/>
+          </a:stretch>
+        </p:blipFill>
+        <p:spPr>
+          <a:xfrm>
+            <a:off x="8240144" y="2900164"/>
+            <a:ext cx="3951856" cy="3412967"/>
+          </a:xfrm>
+          <a:prstGeom prst="rect">
+            <a:avLst/>
+          </a:prstGeom>
+        </p:spPr>
+      </p:pic>
       <p:sp>
         <p:nvSpPr>
           <p:cNvPr id="11" name="Rectangle 10"/>
@@ -10867,8 +10941,8 @@
         </p:nvSpPr>
         <p:spPr>
           <a:xfrm>
-            <a:off x="8866912" y="3144982"/>
-            <a:ext cx="1662545" cy="1676400"/>
+            <a:off x="8971527" y="3144982"/>
+            <a:ext cx="1557930" cy="1590791"/>
           </a:xfrm>
           <a:prstGeom prst="rect">
             <a:avLst/>
@@ -10876,7 +10950,7 @@
           <a:noFill/>
           <a:ln w="63500">
             <a:solidFill>
-              <a:srgbClr val="FFC000"/>
+              <a:srgbClr val="D8A202"/>
             </a:solidFill>
           </a:ln>
         </p:spPr>
@@ -10902,80 +10976,6 @@
           <a:p>
             <a:pPr algn="ctr"/>
             <a:endParaRPr lang="en-US"/>
-          </a:p>
-        </p:txBody>
-      </p:sp>
-      <p:cxnSp>
-        <p:nvCxnSpPr>
-          <p:cNvPr id="12" name="Straight Arrow Connector 11"/>
-          <p:cNvCxnSpPr/>
-          <p:nvPr/>
-        </p:nvCxnSpPr>
-        <p:spPr>
-          <a:xfrm>
-            <a:off x="7440883" y="3608340"/>
-            <a:ext cx="1426029" cy="0"/>
-          </a:xfrm>
-          <a:prstGeom prst="straightConnector1">
-            <a:avLst/>
-          </a:prstGeom>
-          <a:ln w="63500">
-            <a:solidFill>
-              <a:srgbClr val="FFC000"/>
-            </a:solidFill>
-            <a:tailEnd type="triangle"/>
-          </a:ln>
-        </p:spPr>
-        <p:style>
-          <a:lnRef idx="1">
-            <a:schemeClr val="accent1"/>
-          </a:lnRef>
-          <a:fillRef idx="0">
-            <a:schemeClr val="accent1"/>
-          </a:fillRef>
-          <a:effectRef idx="0">
-            <a:schemeClr val="accent1"/>
-          </a:effectRef>
-          <a:fontRef idx="minor">
-            <a:schemeClr val="tx1"/>
-          </a:fontRef>
-        </p:style>
-      </p:cxnSp>
-      <p:sp>
-        <p:nvSpPr>
-          <p:cNvPr id="13" name="TextBox 12"/>
-          <p:cNvSpPr txBox="1"/>
-          <p:nvPr/>
-        </p:nvSpPr>
-        <p:spPr>
-          <a:xfrm>
-            <a:off x="5563308" y="3144982"/>
-            <a:ext cx="3408219" cy="369332"/>
-          </a:xfrm>
-          <a:prstGeom prst="rect">
-            <a:avLst/>
-          </a:prstGeom>
-          <a:noFill/>
-        </p:spPr>
-        <p:txBody>
-          <a:bodyPr wrap="square" rtlCol="0">
-            <a:spAutoFit/>
-          </a:bodyPr>
-          <a:lstStyle/>
-          <a:p>
-            <a:r>
-              <a:rPr lang="en-US" b="1" dirty="0" smtClean="0">
-                <a:solidFill>
-                  <a:srgbClr val="FFC000"/>
-                </a:solidFill>
-              </a:rPr>
-              <a:t>Low bias and low sampling error</a:t>
-            </a:r>
-            <a:endParaRPr lang="en-US" b="1" dirty="0">
-              <a:solidFill>
-                <a:srgbClr val="FFC000"/>
-              </a:solidFill>
-            </a:endParaRPr>
           </a:p>
         </p:txBody>
       </p:sp>
